--- a/PGBootcamp2024/debugging-postgres-planner/presentation_ru.pptx
+++ b/PGBootcamp2024/debugging-postgres-planner/presentation_ru.pptx
@@ -895,7 +895,7 @@
         <p:spPr>
           <a:xfrm>
             <a:off x="11379960" y="214560"/>
-            <a:ext cx="574560" cy="162720"/>
+            <a:ext cx="574200" cy="162360"/>
           </a:xfrm>
           <a:prstGeom prst="rect">
             <a:avLst/>
@@ -927,7 +927,7 @@
                 <a:tab algn="l" pos="0"/>
               </a:tabLst>
             </a:pPr>
-            <a:fld id="{B032CBAF-AC57-4FDA-81AE-E49B5A29B010}" type="slidenum">
+            <a:fld id="{BD43F4B0-9FD6-4F9A-8A67-48D8CF3CB321}" type="slidenum">
               <a:rPr b="0" lang="ru-RU" sz="1000" spc="-1" strike="noStrike">
                 <a:solidFill>
                   <a:srgbClr val="bfbfbf"/>
@@ -965,7 +965,7 @@
         <p:spPr>
           <a:xfrm>
             <a:off x="442800" y="172080"/>
-            <a:ext cx="713880" cy="283320"/>
+            <a:ext cx="713520" cy="282960"/>
           </a:xfrm>
           <a:prstGeom prst="rect">
             <a:avLst/>
@@ -984,7 +984,7 @@
         <p:spPr>
           <a:xfrm>
             <a:off x="0" y="633960"/>
-            <a:ext cx="12192480" cy="720"/>
+            <a:ext cx="12192840" cy="1080"/>
           </a:xfrm>
           <a:prstGeom prst="straightConnector1">
             <a:avLst/>
@@ -1101,8 +1101,8 @@
         </p:blipFill>
         <p:spPr>
           <a:xfrm flipH="1" rot="10800000">
-            <a:off x="10570680" y="720"/>
-            <a:ext cx="1620720" cy="3428280"/>
+            <a:off x="10570680" y="1080"/>
+            <a:ext cx="1620360" cy="3427920"/>
           </a:xfrm>
           <a:prstGeom prst="rect">
             <a:avLst/>
@@ -1130,8 +1130,8 @@
         </p:blipFill>
         <p:spPr>
           <a:xfrm flipH="1">
-            <a:off x="10571400" y="3429000"/>
-            <a:ext cx="1620720" cy="3428280"/>
+            <a:off x="10571760" y="3429000"/>
+            <a:ext cx="1620360" cy="3427920"/>
           </a:xfrm>
           <a:prstGeom prst="rect">
             <a:avLst/>
@@ -1193,9 +1193,9 @@
         <p:grpSpPr>
           <a:xfrm>
             <a:off x="588960" y="614880"/>
-            <a:ext cx="2219760" cy="877320"/>
+            <a:ext cx="2219400" cy="876960"/>
             <a:chOff x="588960" y="614880"/>
-            <a:chExt cx="2219760" cy="877320"/>
+            <a:chExt cx="2219400" cy="876960"/>
           </a:xfrm>
         </p:grpSpPr>
         <p:sp>
@@ -1207,15 +1207,15 @@
           <p:spPr>
             <a:xfrm>
               <a:off x="1879920" y="976320"/>
-              <a:ext cx="205920" cy="515520"/>
+              <a:ext cx="205560" cy="515160"/>
             </a:xfrm>
             <a:custGeom>
               <a:avLst/>
               <a:gdLst>
-                <a:gd name="textAreaLeft" fmla="*/ 0 w 205920"/>
-                <a:gd name="textAreaRight" fmla="*/ 206640 w 205920"/>
-                <a:gd name="textAreaTop" fmla="*/ 0 h 515520"/>
-                <a:gd name="textAreaBottom" fmla="*/ 516240 h 515520"/>
+                <a:gd name="textAreaLeft" fmla="*/ 0 w 205560"/>
+                <a:gd name="textAreaRight" fmla="*/ 206640 w 205560"/>
+                <a:gd name="textAreaTop" fmla="*/ 0 h 515160"/>
+                <a:gd name="textAreaBottom" fmla="*/ 516240 h 515160"/>
               </a:gdLst>
               <a:ahLst/>
               <a:rect l="textAreaLeft" t="textAreaTop" r="textAreaRight" b="textAreaBottom"/>
@@ -1306,15 +1306,15 @@
           <p:spPr>
             <a:xfrm>
               <a:off x="2138040" y="1079640"/>
-              <a:ext cx="412560" cy="412560"/>
+              <a:ext cx="412200" cy="412200"/>
             </a:xfrm>
             <a:custGeom>
               <a:avLst/>
               <a:gdLst>
-                <a:gd name="textAreaLeft" fmla="*/ 0 w 412560"/>
-                <a:gd name="textAreaRight" fmla="*/ 413280 w 412560"/>
-                <a:gd name="textAreaTop" fmla="*/ 0 h 412560"/>
-                <a:gd name="textAreaBottom" fmla="*/ 413280 h 412560"/>
+                <a:gd name="textAreaLeft" fmla="*/ 0 w 412200"/>
+                <a:gd name="textAreaRight" fmla="*/ 413280 w 412200"/>
+                <a:gd name="textAreaTop" fmla="*/ 0 h 412200"/>
+                <a:gd name="textAreaBottom" fmla="*/ 413280 h 412200"/>
               </a:gdLst>
               <a:ahLst/>
               <a:rect l="textAreaLeft" t="textAreaTop" r="textAreaRight" b="textAreaBottom"/>
@@ -1413,15 +1413,15 @@
           <p:spPr>
             <a:xfrm>
               <a:off x="2602800" y="1080000"/>
-              <a:ext cx="205920" cy="412200"/>
+              <a:ext cx="205560" cy="411840"/>
             </a:xfrm>
             <a:custGeom>
               <a:avLst/>
               <a:gdLst>
-                <a:gd name="textAreaLeft" fmla="*/ 0 w 205920"/>
-                <a:gd name="textAreaRight" fmla="*/ 206640 w 205920"/>
-                <a:gd name="textAreaTop" fmla="*/ 0 h 412200"/>
-                <a:gd name="textAreaBottom" fmla="*/ 412920 h 412200"/>
+                <a:gd name="textAreaLeft" fmla="*/ 0 w 205560"/>
+                <a:gd name="textAreaRight" fmla="*/ 206640 w 205560"/>
+                <a:gd name="textAreaTop" fmla="*/ 0 h 411840"/>
+                <a:gd name="textAreaBottom" fmla="*/ 412920 h 411840"/>
               </a:gdLst>
               <a:ahLst/>
               <a:rect l="textAreaLeft" t="textAreaTop" r="textAreaRight" b="textAreaBottom"/>
@@ -1499,15 +1499,15 @@
           <p:spPr>
             <a:xfrm>
               <a:off x="950400" y="1079640"/>
-              <a:ext cx="412200" cy="412560"/>
+              <a:ext cx="411840" cy="412200"/>
             </a:xfrm>
             <a:custGeom>
               <a:avLst/>
               <a:gdLst>
-                <a:gd name="textAreaLeft" fmla="*/ 0 w 412200"/>
-                <a:gd name="textAreaRight" fmla="*/ 412920 w 412200"/>
-                <a:gd name="textAreaTop" fmla="*/ 0 h 412560"/>
-                <a:gd name="textAreaBottom" fmla="*/ 413280 h 412560"/>
+                <a:gd name="textAreaLeft" fmla="*/ 0 w 411840"/>
+                <a:gd name="textAreaRight" fmla="*/ 412920 w 411840"/>
+                <a:gd name="textAreaTop" fmla="*/ 0 h 412200"/>
+                <a:gd name="textAreaBottom" fmla="*/ 413280 h 412200"/>
               </a:gdLst>
               <a:ahLst/>
               <a:rect l="textAreaLeft" t="textAreaTop" r="textAreaRight" b="textAreaBottom"/>
@@ -1615,15 +1615,15 @@
           <p:spPr>
             <a:xfrm>
               <a:off x="1415160" y="1079640"/>
-              <a:ext cx="412200" cy="412560"/>
+              <a:ext cx="411840" cy="412200"/>
             </a:xfrm>
             <a:custGeom>
               <a:avLst/>
               <a:gdLst>
-                <a:gd name="textAreaLeft" fmla="*/ 0 w 412200"/>
-                <a:gd name="textAreaRight" fmla="*/ 412920 w 412200"/>
-                <a:gd name="textAreaTop" fmla="*/ 0 h 412560"/>
-                <a:gd name="textAreaBottom" fmla="*/ 413280 h 412560"/>
+                <a:gd name="textAreaLeft" fmla="*/ 0 w 411840"/>
+                <a:gd name="textAreaRight" fmla="*/ 412920 w 411840"/>
+                <a:gd name="textAreaTop" fmla="*/ 0 h 412200"/>
+                <a:gd name="textAreaBottom" fmla="*/ 413280 h 412200"/>
               </a:gdLst>
               <a:ahLst/>
               <a:rect l="textAreaLeft" t="textAreaTop" r="textAreaRight" b="textAreaBottom"/>
@@ -1717,15 +1717,15 @@
           <p:spPr>
             <a:xfrm>
               <a:off x="588960" y="976680"/>
-              <a:ext cx="309240" cy="515520"/>
+              <a:ext cx="308880" cy="515160"/>
             </a:xfrm>
             <a:custGeom>
               <a:avLst/>
               <a:gdLst>
-                <a:gd name="textAreaLeft" fmla="*/ 0 w 309240"/>
-                <a:gd name="textAreaRight" fmla="*/ 309960 w 309240"/>
-                <a:gd name="textAreaTop" fmla="*/ 0 h 515520"/>
-                <a:gd name="textAreaBottom" fmla="*/ 516240 h 515520"/>
+                <a:gd name="textAreaLeft" fmla="*/ 0 w 308880"/>
+                <a:gd name="textAreaRight" fmla="*/ 309960 w 308880"/>
+                <a:gd name="textAreaTop" fmla="*/ 0 h 515160"/>
+                <a:gd name="textAreaBottom" fmla="*/ 516240 h 515160"/>
               </a:gdLst>
               <a:ahLst/>
               <a:rect l="textAreaLeft" t="textAreaTop" r="textAreaRight" b="textAreaBottom"/>
@@ -1830,15 +1830,15 @@
           <p:spPr>
             <a:xfrm>
               <a:off x="846720" y="924480"/>
-              <a:ext cx="103320" cy="103320"/>
+              <a:ext cx="102960" cy="102960"/>
             </a:xfrm>
             <a:custGeom>
               <a:avLst/>
               <a:gdLst>
-                <a:gd name="textAreaLeft" fmla="*/ 0 w 103320"/>
-                <a:gd name="textAreaRight" fmla="*/ 104040 w 103320"/>
-                <a:gd name="textAreaTop" fmla="*/ 0 h 103320"/>
-                <a:gd name="textAreaBottom" fmla="*/ 104040 h 103320"/>
+                <a:gd name="textAreaLeft" fmla="*/ 0 w 102960"/>
+                <a:gd name="textAreaRight" fmla="*/ 104040 w 102960"/>
+                <a:gd name="textAreaTop" fmla="*/ 0 h 102960"/>
+                <a:gd name="textAreaBottom" fmla="*/ 104040 h 102960"/>
               </a:gdLst>
               <a:ahLst/>
               <a:rect l="textAreaLeft" t="textAreaTop" r="textAreaRight" b="textAreaBottom"/>
@@ -1914,15 +1914,15 @@
           <p:spPr>
             <a:xfrm>
               <a:off x="692280" y="614880"/>
-              <a:ext cx="825480" cy="523080"/>
+              <a:ext cx="825120" cy="522720"/>
             </a:xfrm>
             <a:custGeom>
               <a:avLst/>
               <a:gdLst>
-                <a:gd name="textAreaLeft" fmla="*/ 0 w 825480"/>
-                <a:gd name="textAreaRight" fmla="*/ 826200 w 825480"/>
-                <a:gd name="textAreaTop" fmla="*/ 0 h 523080"/>
-                <a:gd name="textAreaBottom" fmla="*/ 523800 h 523080"/>
+                <a:gd name="textAreaLeft" fmla="*/ 0 w 825120"/>
+                <a:gd name="textAreaRight" fmla="*/ 826200 w 825120"/>
+                <a:gd name="textAreaTop" fmla="*/ 0 h 522720"/>
+                <a:gd name="textAreaBottom" fmla="*/ 523800 h 522720"/>
               </a:gdLst>
               <a:ahLst/>
               <a:rect l="textAreaLeft" t="textAreaTop" r="textAreaRight" b="textAreaBottom"/>
@@ -2467,7 +2467,7 @@
         <p:spPr>
           <a:xfrm>
             <a:off x="11379960" y="214560"/>
-            <a:ext cx="574560" cy="162720"/>
+            <a:ext cx="574200" cy="162360"/>
           </a:xfrm>
           <a:prstGeom prst="rect">
             <a:avLst/>
@@ -2499,7 +2499,7 @@
                 <a:tab algn="l" pos="0"/>
               </a:tabLst>
             </a:pPr>
-            <a:fld id="{00CAC2EE-93BA-4212-A70A-943F6DD215BA}" type="slidenum">
+            <a:fld id="{81867F00-3D7E-4478-9DBE-E5A345B53DF1}" type="slidenum">
               <a:rPr b="0" lang="ru-RU" sz="1000" spc="-1" strike="noStrike">
                 <a:solidFill>
                   <a:srgbClr val="bfbfbf"/>
@@ -2537,7 +2537,7 @@
         <p:spPr>
           <a:xfrm>
             <a:off x="442800" y="172080"/>
-            <a:ext cx="713880" cy="283320"/>
+            <a:ext cx="713520" cy="282960"/>
           </a:xfrm>
           <a:prstGeom prst="rect">
             <a:avLst/>
@@ -2556,7 +2556,7 @@
         <p:spPr>
           <a:xfrm>
             <a:off x="0" y="633960"/>
-            <a:ext cx="12192480" cy="720"/>
+            <a:ext cx="12192840" cy="1080"/>
           </a:xfrm>
           <a:prstGeom prst="straightConnector1">
             <a:avLst/>
@@ -2625,7 +2625,7 @@
         <p:spPr>
           <a:xfrm>
             <a:off x="442800" y="172080"/>
-            <a:ext cx="713880" cy="283320"/>
+            <a:ext cx="713520" cy="282960"/>
           </a:xfrm>
           <a:prstGeom prst="rect">
             <a:avLst/>
@@ -2680,7 +2680,7 @@
         <p:spPr>
           <a:xfrm>
             <a:off x="11379960" y="214560"/>
-            <a:ext cx="574560" cy="162720"/>
+            <a:ext cx="574200" cy="162360"/>
           </a:xfrm>
           <a:prstGeom prst="rect">
             <a:avLst/>
@@ -2712,7 +2712,7 @@
                 <a:tab algn="l" pos="0"/>
               </a:tabLst>
             </a:pPr>
-            <a:fld id="{B044F81E-C87A-4A0B-A15F-40E8214D1790}" type="slidenum">
+            <a:fld id="{05650F06-134C-4721-80EF-6A27D9C64AA5}" type="slidenum">
               <a:rPr b="0" lang="ru-RU" sz="1000" spc="-1" strike="noStrike">
                 <a:solidFill>
                   <a:srgbClr val="bfbfbf"/>
@@ -2750,7 +2750,7 @@
         <p:spPr>
           <a:xfrm>
             <a:off x="442800" y="172080"/>
-            <a:ext cx="713880" cy="283320"/>
+            <a:ext cx="713520" cy="282960"/>
           </a:xfrm>
           <a:prstGeom prst="rect">
             <a:avLst/>
@@ -2769,7 +2769,7 @@
         <p:spPr>
           <a:xfrm>
             <a:off x="0" y="633960"/>
-            <a:ext cx="12192480" cy="720"/>
+            <a:ext cx="12192840" cy="1080"/>
           </a:xfrm>
           <a:prstGeom prst="straightConnector1">
             <a:avLst/>
@@ -2798,7 +2798,7 @@
         <p:spPr>
           <a:xfrm>
             <a:off x="0" y="0"/>
-            <a:ext cx="12157200" cy="6857280"/>
+            <a:ext cx="12156840" cy="6856920"/>
           </a:xfrm>
           <a:prstGeom prst="rect">
             <a:avLst/>
@@ -2864,7 +2864,7 @@
         <p:spPr>
           <a:xfrm>
             <a:off x="442800" y="172080"/>
-            <a:ext cx="713880" cy="283320"/>
+            <a:ext cx="713520" cy="282960"/>
           </a:xfrm>
           <a:prstGeom prst="rect">
             <a:avLst/>
@@ -2916,7 +2916,7 @@
         <p:spPr>
           <a:xfrm>
             <a:off x="11379960" y="214560"/>
-            <a:ext cx="574560" cy="162720"/>
+            <a:ext cx="574200" cy="162360"/>
           </a:xfrm>
           <a:prstGeom prst="rect">
             <a:avLst/>
@@ -2948,7 +2948,7 @@
                 <a:tab algn="l" pos="0"/>
               </a:tabLst>
             </a:pPr>
-            <a:fld id="{38CF81D5-4173-492F-BE8D-4BF0CFF264A1}" type="slidenum">
+            <a:fld id="{71B3CE0A-A1DE-4435-AD60-4F938F2F0309}" type="slidenum">
               <a:rPr b="0" lang="ru-RU" sz="1000" spc="-1" strike="noStrike">
                 <a:solidFill>
                   <a:srgbClr val="bfbfbf"/>
@@ -2986,7 +2986,7 @@
         <p:spPr>
           <a:xfrm>
             <a:off x="442800" y="172080"/>
-            <a:ext cx="713880" cy="283320"/>
+            <a:ext cx="713520" cy="282960"/>
           </a:xfrm>
           <a:prstGeom prst="rect">
             <a:avLst/>
@@ -3005,7 +3005,7 @@
         <p:spPr>
           <a:xfrm>
             <a:off x="0" y="633960"/>
-            <a:ext cx="12192480" cy="720"/>
+            <a:ext cx="12192840" cy="1080"/>
           </a:xfrm>
           <a:prstGeom prst="straightConnector1">
             <a:avLst/>
@@ -3027,9 +3027,9 @@
         <p:grpSpPr>
           <a:xfrm>
             <a:off x="588960" y="614160"/>
-            <a:ext cx="1468440" cy="579960"/>
+            <a:ext cx="1468080" cy="579600"/>
             <a:chOff x="588960" y="614160"/>
-            <a:chExt cx="1468440" cy="579960"/>
+            <a:chExt cx="1468080" cy="579600"/>
           </a:xfrm>
         </p:grpSpPr>
         <p:sp>
@@ -3041,15 +3041,15 @@
           <p:spPr>
             <a:xfrm>
               <a:off x="1443240" y="853200"/>
-              <a:ext cx="136080" cy="340920"/>
+              <a:ext cx="135720" cy="340560"/>
             </a:xfrm>
             <a:custGeom>
               <a:avLst/>
               <a:gdLst>
-                <a:gd name="textAreaLeft" fmla="*/ 0 w 136080"/>
-                <a:gd name="textAreaRight" fmla="*/ 136800 w 136080"/>
-                <a:gd name="textAreaTop" fmla="*/ 0 h 340920"/>
-                <a:gd name="textAreaBottom" fmla="*/ 341640 h 340920"/>
+                <a:gd name="textAreaLeft" fmla="*/ 0 w 135720"/>
+                <a:gd name="textAreaRight" fmla="*/ 136800 w 135720"/>
+                <a:gd name="textAreaTop" fmla="*/ 0 h 340560"/>
+                <a:gd name="textAreaBottom" fmla="*/ 341640 h 340560"/>
               </a:gdLst>
               <a:ahLst/>
               <a:rect l="textAreaLeft" t="textAreaTop" r="textAreaRight" b="textAreaBottom"/>
@@ -3140,15 +3140,15 @@
           <p:spPr>
             <a:xfrm>
               <a:off x="1613880" y="921600"/>
-              <a:ext cx="272520" cy="272520"/>
+              <a:ext cx="272160" cy="272160"/>
             </a:xfrm>
             <a:custGeom>
               <a:avLst/>
               <a:gdLst>
-                <a:gd name="textAreaLeft" fmla="*/ 0 w 272520"/>
-                <a:gd name="textAreaRight" fmla="*/ 273240 w 272520"/>
-                <a:gd name="textAreaTop" fmla="*/ 0 h 272520"/>
-                <a:gd name="textAreaBottom" fmla="*/ 273240 h 272520"/>
+                <a:gd name="textAreaLeft" fmla="*/ 0 w 272160"/>
+                <a:gd name="textAreaRight" fmla="*/ 273240 w 272160"/>
+                <a:gd name="textAreaTop" fmla="*/ 0 h 272160"/>
+                <a:gd name="textAreaBottom" fmla="*/ 273240 h 272160"/>
               </a:gdLst>
               <a:ahLst/>
               <a:rect l="textAreaLeft" t="textAreaTop" r="textAreaRight" b="textAreaBottom"/>
@@ -3247,15 +3247,15 @@
           <p:spPr>
             <a:xfrm>
               <a:off x="1921320" y="921600"/>
-              <a:ext cx="136080" cy="272520"/>
+              <a:ext cx="135720" cy="272160"/>
             </a:xfrm>
             <a:custGeom>
               <a:avLst/>
               <a:gdLst>
-                <a:gd name="textAreaLeft" fmla="*/ 0 w 136080"/>
-                <a:gd name="textAreaRight" fmla="*/ 136800 w 136080"/>
-                <a:gd name="textAreaTop" fmla="*/ 0 h 272520"/>
-                <a:gd name="textAreaBottom" fmla="*/ 273240 h 272520"/>
+                <a:gd name="textAreaLeft" fmla="*/ 0 w 135720"/>
+                <a:gd name="textAreaRight" fmla="*/ 136800 w 135720"/>
+                <a:gd name="textAreaTop" fmla="*/ 0 h 272160"/>
+                <a:gd name="textAreaBottom" fmla="*/ 273240 h 272160"/>
               </a:gdLst>
               <a:ahLst/>
               <a:rect l="textAreaLeft" t="textAreaTop" r="textAreaRight" b="textAreaBottom"/>
@@ -3333,15 +3333,15 @@
           <p:spPr>
             <a:xfrm>
               <a:off x="828000" y="921600"/>
-              <a:ext cx="272520" cy="272520"/>
+              <a:ext cx="272160" cy="272160"/>
             </a:xfrm>
             <a:custGeom>
               <a:avLst/>
               <a:gdLst>
-                <a:gd name="textAreaLeft" fmla="*/ 0 w 272520"/>
-                <a:gd name="textAreaRight" fmla="*/ 273240 w 272520"/>
-                <a:gd name="textAreaTop" fmla="*/ 0 h 272520"/>
-                <a:gd name="textAreaBottom" fmla="*/ 273240 h 272520"/>
+                <a:gd name="textAreaLeft" fmla="*/ 0 w 272160"/>
+                <a:gd name="textAreaRight" fmla="*/ 273240 w 272160"/>
+                <a:gd name="textAreaTop" fmla="*/ 0 h 272160"/>
+                <a:gd name="textAreaBottom" fmla="*/ 273240 h 272160"/>
               </a:gdLst>
               <a:ahLst/>
               <a:rect l="textAreaLeft" t="textAreaTop" r="textAreaRight" b="textAreaBottom"/>
@@ -3449,15 +3449,15 @@
           <p:spPr>
             <a:xfrm>
               <a:off x="1135440" y="921600"/>
-              <a:ext cx="272520" cy="272520"/>
+              <a:ext cx="272160" cy="272160"/>
             </a:xfrm>
             <a:custGeom>
               <a:avLst/>
               <a:gdLst>
-                <a:gd name="textAreaLeft" fmla="*/ 0 w 272520"/>
-                <a:gd name="textAreaRight" fmla="*/ 273240 w 272520"/>
-                <a:gd name="textAreaTop" fmla="*/ 0 h 272520"/>
-                <a:gd name="textAreaBottom" fmla="*/ 273240 h 272520"/>
+                <a:gd name="textAreaLeft" fmla="*/ 0 w 272160"/>
+                <a:gd name="textAreaRight" fmla="*/ 273240 w 272160"/>
+                <a:gd name="textAreaTop" fmla="*/ 0 h 272160"/>
+                <a:gd name="textAreaBottom" fmla="*/ 273240 h 272160"/>
               </a:gdLst>
               <a:ahLst/>
               <a:rect l="textAreaLeft" t="textAreaTop" r="textAreaRight" b="textAreaBottom"/>
@@ -3551,15 +3551,15 @@
           <p:spPr>
             <a:xfrm>
               <a:off x="588960" y="853200"/>
-              <a:ext cx="204120" cy="340920"/>
+              <a:ext cx="203760" cy="340560"/>
             </a:xfrm>
             <a:custGeom>
               <a:avLst/>
               <a:gdLst>
-                <a:gd name="textAreaLeft" fmla="*/ 0 w 204120"/>
-                <a:gd name="textAreaRight" fmla="*/ 204840 w 204120"/>
-                <a:gd name="textAreaTop" fmla="*/ 0 h 340920"/>
-                <a:gd name="textAreaBottom" fmla="*/ 341640 h 340920"/>
+                <a:gd name="textAreaLeft" fmla="*/ 0 w 203760"/>
+                <a:gd name="textAreaRight" fmla="*/ 204840 w 203760"/>
+                <a:gd name="textAreaTop" fmla="*/ 0 h 340560"/>
+                <a:gd name="textAreaBottom" fmla="*/ 341640 h 340560"/>
               </a:gdLst>
               <a:ahLst/>
               <a:rect l="textAreaLeft" t="textAreaTop" r="textAreaRight" b="textAreaBottom"/>
@@ -3664,15 +3664,15 @@
           <p:spPr>
             <a:xfrm>
               <a:off x="759600" y="819000"/>
-              <a:ext cx="68040" cy="68040"/>
+              <a:ext cx="67680" cy="67680"/>
             </a:xfrm>
             <a:custGeom>
               <a:avLst/>
               <a:gdLst>
-                <a:gd name="textAreaLeft" fmla="*/ 0 w 68040"/>
-                <a:gd name="textAreaRight" fmla="*/ 68760 w 68040"/>
-                <a:gd name="textAreaTop" fmla="*/ 0 h 68040"/>
-                <a:gd name="textAreaBottom" fmla="*/ 68760 h 68040"/>
+                <a:gd name="textAreaLeft" fmla="*/ 0 w 67680"/>
+                <a:gd name="textAreaRight" fmla="*/ 68760 w 67680"/>
+                <a:gd name="textAreaTop" fmla="*/ 0 h 67680"/>
+                <a:gd name="textAreaBottom" fmla="*/ 68760 h 67680"/>
               </a:gdLst>
               <a:ahLst/>
               <a:rect l="textAreaLeft" t="textAreaTop" r="textAreaRight" b="textAreaBottom"/>
@@ -3748,15 +3748,15 @@
           <p:spPr>
             <a:xfrm>
               <a:off x="657360" y="614160"/>
-              <a:ext cx="545760" cy="345600"/>
+              <a:ext cx="545400" cy="345240"/>
             </a:xfrm>
             <a:custGeom>
               <a:avLst/>
               <a:gdLst>
-                <a:gd name="textAreaLeft" fmla="*/ 0 w 545760"/>
-                <a:gd name="textAreaRight" fmla="*/ 546480 w 545760"/>
-                <a:gd name="textAreaTop" fmla="*/ 0 h 345600"/>
-                <a:gd name="textAreaBottom" fmla="*/ 346320 h 345600"/>
+                <a:gd name="textAreaLeft" fmla="*/ 0 w 545400"/>
+                <a:gd name="textAreaRight" fmla="*/ 546480 w 545400"/>
+                <a:gd name="textAreaTop" fmla="*/ 0 h 345240"/>
+                <a:gd name="textAreaBottom" fmla="*/ 346320 h 345240"/>
               </a:gdLst>
               <a:ahLst/>
               <a:rect l="textAreaLeft" t="textAreaTop" r="textAreaRight" b="textAreaBottom"/>
@@ -4057,7 +4057,7 @@
         <p:spPr>
           <a:xfrm>
             <a:off x="11379960" y="214560"/>
-            <a:ext cx="574560" cy="162720"/>
+            <a:ext cx="574200" cy="162360"/>
           </a:xfrm>
           <a:prstGeom prst="rect">
             <a:avLst/>
@@ -4089,7 +4089,7 @@
                 <a:tab algn="l" pos="0"/>
               </a:tabLst>
             </a:pPr>
-            <a:fld id="{5808CFCA-F51F-40AF-92E5-E314D4FA698C}" type="slidenum">
+            <a:fld id="{2FB75F0E-D625-438F-87D8-E63D6FD29AFE}" type="slidenum">
               <a:rPr b="0" lang="ru-RU" sz="1000" spc="-1" strike="noStrike">
                 <a:solidFill>
                   <a:srgbClr val="bfbfbf"/>
@@ -4127,7 +4127,7 @@
         <p:spPr>
           <a:xfrm>
             <a:off x="442800" y="172080"/>
-            <a:ext cx="713880" cy="283320"/>
+            <a:ext cx="713520" cy="282960"/>
           </a:xfrm>
           <a:prstGeom prst="rect">
             <a:avLst/>
@@ -4146,7 +4146,7 @@
         <p:spPr>
           <a:xfrm>
             <a:off x="0" y="633960"/>
-            <a:ext cx="12192480" cy="720"/>
+            <a:ext cx="12192840" cy="1080"/>
           </a:xfrm>
           <a:prstGeom prst="straightConnector1">
             <a:avLst/>
@@ -4171,8 +4171,8 @@
         </p:blipFill>
         <p:spPr>
           <a:xfrm flipH="1" rot="5400000">
-            <a:off x="2667240" y="-2684160"/>
-            <a:ext cx="6858360" cy="12192840"/>
+            <a:off x="2667600" y="-2683800"/>
+            <a:ext cx="6858000" cy="12192480"/>
           </a:xfrm>
           <a:prstGeom prst="rect">
             <a:avLst/>
@@ -4195,8 +4195,8 @@
         </p:blipFill>
         <p:spPr>
           <a:xfrm flipH="1">
-            <a:off x="10521360" y="5103000"/>
-            <a:ext cx="1670760" cy="1766880"/>
+            <a:off x="10521720" y="5103000"/>
+            <a:ext cx="1670400" cy="1766520"/>
           </a:xfrm>
           <a:prstGeom prst="rect">
             <a:avLst/>
@@ -4219,7 +4219,7 @@
         <p:spPr>
           <a:xfrm>
             <a:off x="588960" y="614880"/>
-            <a:ext cx="1458360" cy="579240"/>
+            <a:ext cx="1458000" cy="578880"/>
           </a:xfrm>
           <a:prstGeom prst="rect">
             <a:avLst/>
@@ -4274,7 +4274,7 @@
         <p:spPr>
           <a:xfrm>
             <a:off x="11379960" y="214560"/>
-            <a:ext cx="574560" cy="162720"/>
+            <a:ext cx="574200" cy="162360"/>
           </a:xfrm>
           <a:prstGeom prst="rect">
             <a:avLst/>
@@ -4306,7 +4306,7 @@
                 <a:tab algn="l" pos="0"/>
               </a:tabLst>
             </a:pPr>
-            <a:fld id="{9B0C389A-E131-485E-B1B5-947139B08DB4}" type="slidenum">
+            <a:fld id="{9239D9F8-97D5-403D-B8D4-42AF8369A566}" type="slidenum">
               <a:rPr b="0" lang="ru-RU" sz="1000" spc="-1" strike="noStrike">
                 <a:solidFill>
                   <a:srgbClr val="bfbfbf"/>
@@ -4344,7 +4344,7 @@
         <p:spPr>
           <a:xfrm>
             <a:off x="442800" y="172080"/>
-            <a:ext cx="713880" cy="283320"/>
+            <a:ext cx="713520" cy="282960"/>
           </a:xfrm>
           <a:prstGeom prst="rect">
             <a:avLst/>
@@ -4363,7 +4363,7 @@
         <p:spPr>
           <a:xfrm>
             <a:off x="0" y="633960"/>
-            <a:ext cx="12192480" cy="720"/>
+            <a:ext cx="12192840" cy="1080"/>
           </a:xfrm>
           <a:prstGeom prst="straightConnector1">
             <a:avLst/>
@@ -4389,8 +4389,8 @@
         </p:blipFill>
         <p:spPr>
           <a:xfrm flipH="1">
-            <a:off x="10521360" y="5103000"/>
-            <a:ext cx="1670760" cy="1766880"/>
+            <a:off x="10521720" y="5103000"/>
+            <a:ext cx="1670400" cy="1766520"/>
           </a:xfrm>
           <a:prstGeom prst="rect">
             <a:avLst/>
@@ -4413,7 +4413,7 @@
         <p:spPr>
           <a:xfrm>
             <a:off x="588960" y="614880"/>
-            <a:ext cx="1458360" cy="579240"/>
+            <a:ext cx="1458000" cy="578880"/>
           </a:xfrm>
           <a:prstGeom prst="rect">
             <a:avLst/>
@@ -4468,7 +4468,7 @@
         <p:spPr>
           <a:xfrm>
             <a:off x="11379960" y="214560"/>
-            <a:ext cx="574560" cy="162720"/>
+            <a:ext cx="574200" cy="162360"/>
           </a:xfrm>
           <a:prstGeom prst="rect">
             <a:avLst/>
@@ -4500,7 +4500,7 @@
                 <a:tab algn="l" pos="0"/>
               </a:tabLst>
             </a:pPr>
-            <a:fld id="{3CAA5420-9A3F-40A0-9168-131B2722D375}" type="slidenum">
+            <a:fld id="{4E4ABDEC-4DF1-4FE5-9257-01705E1702EF}" type="slidenum">
               <a:rPr b="0" lang="ru-RU" sz="1000" spc="-1" strike="noStrike">
                 <a:solidFill>
                   <a:srgbClr val="bfbfbf"/>
@@ -4538,7 +4538,7 @@
         <p:spPr>
           <a:xfrm>
             <a:off x="442800" y="172080"/>
-            <a:ext cx="713880" cy="283320"/>
+            <a:ext cx="713520" cy="282960"/>
           </a:xfrm>
           <a:prstGeom prst="rect">
             <a:avLst/>
@@ -4557,7 +4557,7 @@
         <p:spPr>
           <a:xfrm>
             <a:off x="0" y="633960"/>
-            <a:ext cx="12192480" cy="720"/>
+            <a:ext cx="12192840" cy="1080"/>
           </a:xfrm>
           <a:prstGeom prst="straightConnector1">
             <a:avLst/>
@@ -4624,8 +4624,8 @@
         </p:blipFill>
         <p:spPr>
           <a:xfrm rot="16200000">
-            <a:off x="2781720" y="4511160"/>
-            <a:ext cx="1670760" cy="1766880"/>
+            <a:off x="2781720" y="4511520"/>
+            <a:ext cx="1670400" cy="1766520"/>
           </a:xfrm>
           <a:prstGeom prst="rect">
             <a:avLst/>
@@ -4650,7 +4650,7 @@
         <p:spPr>
           <a:xfrm>
             <a:off x="442800" y="172080"/>
-            <a:ext cx="713880" cy="283320"/>
+            <a:ext cx="713520" cy="282960"/>
           </a:xfrm>
           <a:prstGeom prst="rect">
             <a:avLst/>
@@ -4754,8 +4754,8 @@
         </p:nvSpPr>
         <p:spPr>
           <a:xfrm>
-            <a:off x="588960" y="1875600"/>
-            <a:ext cx="8178480" cy="971640"/>
+            <a:off x="609480" y="221040"/>
+            <a:ext cx="10972080" cy="1249920"/>
           </a:xfrm>
           <a:prstGeom prst="rect">
             <a:avLst/>
@@ -5061,7 +5061,7 @@
         <p:spPr>
           <a:xfrm>
             <a:off x="11379960" y="214560"/>
-            <a:ext cx="574560" cy="162720"/>
+            <a:ext cx="574200" cy="162360"/>
           </a:xfrm>
           <a:prstGeom prst="rect">
             <a:avLst/>
@@ -5093,7 +5093,7 @@
                 <a:tab algn="l" pos="0"/>
               </a:tabLst>
             </a:pPr>
-            <a:fld id="{9F913A15-6575-42DD-A26C-DD2EC69197FF}" type="slidenum">
+            <a:fld id="{E61DC10D-470E-43A1-AE84-215FA7101C8A}" type="slidenum">
               <a:rPr b="0" lang="ru-RU" sz="1000" spc="-1" strike="noStrike">
                 <a:solidFill>
                   <a:srgbClr val="bfbfbf"/>
@@ -5131,7 +5131,7 @@
         <p:spPr>
           <a:xfrm>
             <a:off x="442800" y="172080"/>
-            <a:ext cx="713880" cy="283320"/>
+            <a:ext cx="713520" cy="282960"/>
           </a:xfrm>
           <a:prstGeom prst="rect">
             <a:avLst/>
@@ -5150,7 +5150,7 @@
         <p:spPr>
           <a:xfrm>
             <a:off x="0" y="633960"/>
-            <a:ext cx="12192480" cy="720"/>
+            <a:ext cx="12192840" cy="1080"/>
           </a:xfrm>
           <a:prstGeom prst="straightConnector1">
             <a:avLst/>
@@ -5219,7 +5219,7 @@
         <p:spPr>
           <a:xfrm>
             <a:off x="599040" y="614880"/>
-            <a:ext cx="2207880" cy="876960"/>
+            <a:ext cx="2207520" cy="876600"/>
           </a:xfrm>
           <a:prstGeom prst="rect">
             <a:avLst/>
@@ -5290,8 +5290,8 @@
         </p:blipFill>
         <p:spPr>
           <a:xfrm flipH="1" rot="10800000">
-            <a:off x="10570680" y="720"/>
-            <a:ext cx="1620720" cy="3428280"/>
+            <a:off x="10570680" y="1080"/>
+            <a:ext cx="1620360" cy="3427920"/>
           </a:xfrm>
           <a:prstGeom prst="rect">
             <a:avLst/>
@@ -5319,8 +5319,8 @@
         </p:blipFill>
         <p:spPr>
           <a:xfrm flipH="1">
-            <a:off x="10571400" y="3429000"/>
-            <a:ext cx="1620720" cy="3428280"/>
+            <a:off x="10571760" y="3429000"/>
+            <a:ext cx="1620360" cy="3427920"/>
           </a:xfrm>
           <a:prstGeom prst="rect">
             <a:avLst/>
@@ -5487,7 +5487,7 @@
         <p:spPr>
           <a:xfrm>
             <a:off x="482760" y="4313880"/>
-            <a:ext cx="2077560" cy="2077560"/>
+            <a:ext cx="2077200" cy="2077200"/>
           </a:xfrm>
           <a:prstGeom prst="rect">
             <a:avLst/>
@@ -5539,7 +5539,7 @@
         <p:spPr>
           <a:xfrm>
             <a:off x="11379960" y="214560"/>
-            <a:ext cx="574560" cy="162720"/>
+            <a:ext cx="574200" cy="162360"/>
           </a:xfrm>
           <a:prstGeom prst="rect">
             <a:avLst/>
@@ -5571,7 +5571,7 @@
                 <a:tab algn="l" pos="0"/>
               </a:tabLst>
             </a:pPr>
-            <a:fld id="{31D30D85-E0AF-4638-924E-C787C16E3F73}" type="slidenum">
+            <a:fld id="{451F6B4E-B389-419D-B24E-E4ECBD21403F}" type="slidenum">
               <a:rPr b="0" lang="ru-RU" sz="1000" spc="-1" strike="noStrike">
                 <a:solidFill>
                   <a:srgbClr val="bfbfbf"/>
@@ -5609,7 +5609,7 @@
         <p:spPr>
           <a:xfrm>
             <a:off x="442800" y="172080"/>
-            <a:ext cx="713880" cy="283320"/>
+            <a:ext cx="713520" cy="282960"/>
           </a:xfrm>
           <a:prstGeom prst="rect">
             <a:avLst/>
@@ -5628,7 +5628,7 @@
         <p:spPr>
           <a:xfrm>
             <a:off x="0" y="633960"/>
-            <a:ext cx="12192480" cy="720"/>
+            <a:ext cx="12192840" cy="1080"/>
           </a:xfrm>
           <a:prstGeom prst="straightConnector1">
             <a:avLst/>
@@ -5654,7 +5654,7 @@
         <p:spPr>
           <a:xfrm>
             <a:off x="442800" y="6343920"/>
-            <a:ext cx="7663320" cy="235440"/>
+            <a:ext cx="7662960" cy="235080"/>
           </a:xfrm>
           <a:prstGeom prst="rect">
             <a:avLst/>
@@ -6029,7 +6029,7 @@
         <p:spPr>
           <a:xfrm>
             <a:off x="11379960" y="214560"/>
-            <a:ext cx="574560" cy="162720"/>
+            <a:ext cx="574200" cy="162360"/>
           </a:xfrm>
           <a:prstGeom prst="rect">
             <a:avLst/>
@@ -6061,7 +6061,7 @@
                 <a:tab algn="l" pos="0"/>
               </a:tabLst>
             </a:pPr>
-            <a:fld id="{957F6B77-4BE4-4E10-87C0-FB638EDCC1E1}" type="slidenum">
+            <a:fld id="{4C834D65-5867-4C2A-B639-0A359625BC03}" type="slidenum">
               <a:rPr b="0" lang="ru-RU" sz="1000" spc="-1" strike="noStrike">
                 <a:solidFill>
                   <a:srgbClr val="bfbfbf"/>
@@ -6099,7 +6099,7 @@
         <p:spPr>
           <a:xfrm>
             <a:off x="442800" y="172080"/>
-            <a:ext cx="713880" cy="283320"/>
+            <a:ext cx="713520" cy="282960"/>
           </a:xfrm>
           <a:prstGeom prst="rect">
             <a:avLst/>
@@ -6118,7 +6118,7 @@
         <p:spPr>
           <a:xfrm>
             <a:off x="0" y="633960"/>
-            <a:ext cx="12192480" cy="720"/>
+            <a:ext cx="12192840" cy="1080"/>
           </a:xfrm>
           <a:prstGeom prst="straightConnector1">
             <a:avLst/>
@@ -6144,7 +6144,7 @@
         <p:spPr>
           <a:xfrm>
             <a:off x="442800" y="6343920"/>
-            <a:ext cx="7663320" cy="235440"/>
+            <a:ext cx="7662960" cy="235080"/>
           </a:xfrm>
           <a:prstGeom prst="rect">
             <a:avLst/>
@@ -6245,7 +6245,7 @@
         <p:spPr>
           <a:xfrm>
             <a:off x="11379960" y="214560"/>
-            <a:ext cx="574560" cy="162720"/>
+            <a:ext cx="574200" cy="162360"/>
           </a:xfrm>
           <a:prstGeom prst="rect">
             <a:avLst/>
@@ -6277,7 +6277,7 @@
                 <a:tab algn="l" pos="0"/>
               </a:tabLst>
             </a:pPr>
-            <a:fld id="{A63E8D84-1F1D-4ABF-9A91-B4A4FCBE2A28}" type="slidenum">
+            <a:fld id="{A83DC4E2-EA01-41D5-AB1F-493722CA5F67}" type="slidenum">
               <a:rPr b="0" lang="ru-RU" sz="1000" spc="-1" strike="noStrike">
                 <a:solidFill>
                   <a:srgbClr val="bfbfbf"/>
@@ -6315,7 +6315,7 @@
         <p:spPr>
           <a:xfrm>
             <a:off x="442800" y="172080"/>
-            <a:ext cx="713880" cy="283320"/>
+            <a:ext cx="713520" cy="282960"/>
           </a:xfrm>
           <a:prstGeom prst="rect">
             <a:avLst/>
@@ -6334,7 +6334,7 @@
         <p:spPr>
           <a:xfrm>
             <a:off x="0" y="633960"/>
-            <a:ext cx="12192480" cy="720"/>
+            <a:ext cx="12192840" cy="1080"/>
           </a:xfrm>
           <a:prstGeom prst="straightConnector1">
             <a:avLst/>
@@ -6389,7 +6389,7 @@
         <p:spPr>
           <a:xfrm>
             <a:off x="11379960" y="214560"/>
-            <a:ext cx="574560" cy="162720"/>
+            <a:ext cx="574200" cy="162360"/>
           </a:xfrm>
           <a:prstGeom prst="rect">
             <a:avLst/>
@@ -6421,7 +6421,7 @@
                 <a:tab algn="l" pos="0"/>
               </a:tabLst>
             </a:pPr>
-            <a:fld id="{B8DDD7BA-39F5-466A-A18D-DC46C9C13AE1}" type="slidenum">
+            <a:fld id="{779A008A-67E8-434F-94FB-B006A32A46A9}" type="slidenum">
               <a:rPr b="0" lang="ru-RU" sz="1000" spc="-1" strike="noStrike">
                 <a:solidFill>
                   <a:srgbClr val="bfbfbf"/>
@@ -6459,7 +6459,7 @@
         <p:spPr>
           <a:xfrm>
             <a:off x="442800" y="172080"/>
-            <a:ext cx="713880" cy="283320"/>
+            <a:ext cx="713520" cy="282960"/>
           </a:xfrm>
           <a:prstGeom prst="rect">
             <a:avLst/>
@@ -6478,7 +6478,7 @@
         <p:spPr>
           <a:xfrm>
             <a:off x="0" y="633960"/>
-            <a:ext cx="12192480" cy="720"/>
+            <a:ext cx="12192840" cy="1080"/>
           </a:xfrm>
           <a:prstGeom prst="straightConnector1">
             <a:avLst/>
@@ -6552,8 +6552,8 @@
         </p:blipFill>
         <p:spPr>
           <a:xfrm flipH="1" rot="10800000">
-            <a:off x="10570680" y="720"/>
-            <a:ext cx="1620720" cy="3428280"/>
+            <a:off x="10570680" y="1080"/>
+            <a:ext cx="1620360" cy="3427920"/>
           </a:xfrm>
           <a:prstGeom prst="rect">
             <a:avLst/>
@@ -6581,8 +6581,8 @@
         </p:blipFill>
         <p:spPr>
           <a:xfrm flipH="1">
-            <a:off x="10571400" y="3429000"/>
-            <a:ext cx="1620720" cy="3428280"/>
+            <a:off x="10571760" y="3429000"/>
+            <a:ext cx="1620360" cy="3427920"/>
           </a:xfrm>
           <a:prstGeom prst="rect">
             <a:avLst/>
@@ -6702,9 +6702,9 @@
         <p:grpSpPr>
           <a:xfrm>
             <a:off x="588960" y="614880"/>
-            <a:ext cx="2219760" cy="877320"/>
+            <a:ext cx="2219400" cy="876960"/>
             <a:chOff x="588960" y="614880"/>
-            <a:chExt cx="2219760" cy="877320"/>
+            <a:chExt cx="2219400" cy="876960"/>
           </a:xfrm>
         </p:grpSpPr>
         <p:sp>
@@ -6716,15 +6716,15 @@
           <p:spPr>
             <a:xfrm>
               <a:off x="1879920" y="976320"/>
-              <a:ext cx="205920" cy="515520"/>
+              <a:ext cx="205560" cy="515160"/>
             </a:xfrm>
             <a:custGeom>
               <a:avLst/>
               <a:gdLst>
-                <a:gd name="textAreaLeft" fmla="*/ 0 w 205920"/>
-                <a:gd name="textAreaRight" fmla="*/ 206640 w 205920"/>
-                <a:gd name="textAreaTop" fmla="*/ 0 h 515520"/>
-                <a:gd name="textAreaBottom" fmla="*/ 516240 h 515520"/>
+                <a:gd name="textAreaLeft" fmla="*/ 0 w 205560"/>
+                <a:gd name="textAreaRight" fmla="*/ 206640 w 205560"/>
+                <a:gd name="textAreaTop" fmla="*/ 0 h 515160"/>
+                <a:gd name="textAreaBottom" fmla="*/ 516240 h 515160"/>
               </a:gdLst>
               <a:ahLst/>
               <a:rect l="textAreaLeft" t="textAreaTop" r="textAreaRight" b="textAreaBottom"/>
@@ -6815,15 +6815,15 @@
           <p:spPr>
             <a:xfrm>
               <a:off x="2138040" y="1079640"/>
-              <a:ext cx="412560" cy="412560"/>
+              <a:ext cx="412200" cy="412200"/>
             </a:xfrm>
             <a:custGeom>
               <a:avLst/>
               <a:gdLst>
-                <a:gd name="textAreaLeft" fmla="*/ 0 w 412560"/>
-                <a:gd name="textAreaRight" fmla="*/ 413280 w 412560"/>
-                <a:gd name="textAreaTop" fmla="*/ 0 h 412560"/>
-                <a:gd name="textAreaBottom" fmla="*/ 413280 h 412560"/>
+                <a:gd name="textAreaLeft" fmla="*/ 0 w 412200"/>
+                <a:gd name="textAreaRight" fmla="*/ 413280 w 412200"/>
+                <a:gd name="textAreaTop" fmla="*/ 0 h 412200"/>
+                <a:gd name="textAreaBottom" fmla="*/ 413280 h 412200"/>
               </a:gdLst>
               <a:ahLst/>
               <a:rect l="textAreaLeft" t="textAreaTop" r="textAreaRight" b="textAreaBottom"/>
@@ -6922,15 +6922,15 @@
           <p:spPr>
             <a:xfrm>
               <a:off x="2602800" y="1080000"/>
-              <a:ext cx="205920" cy="412200"/>
+              <a:ext cx="205560" cy="411840"/>
             </a:xfrm>
             <a:custGeom>
               <a:avLst/>
               <a:gdLst>
-                <a:gd name="textAreaLeft" fmla="*/ 0 w 205920"/>
-                <a:gd name="textAreaRight" fmla="*/ 206640 w 205920"/>
-                <a:gd name="textAreaTop" fmla="*/ 0 h 412200"/>
-                <a:gd name="textAreaBottom" fmla="*/ 412920 h 412200"/>
+                <a:gd name="textAreaLeft" fmla="*/ 0 w 205560"/>
+                <a:gd name="textAreaRight" fmla="*/ 206640 w 205560"/>
+                <a:gd name="textAreaTop" fmla="*/ 0 h 411840"/>
+                <a:gd name="textAreaBottom" fmla="*/ 412920 h 411840"/>
               </a:gdLst>
               <a:ahLst/>
               <a:rect l="textAreaLeft" t="textAreaTop" r="textAreaRight" b="textAreaBottom"/>
@@ -7008,15 +7008,15 @@
           <p:spPr>
             <a:xfrm>
               <a:off x="950400" y="1079640"/>
-              <a:ext cx="412200" cy="412560"/>
+              <a:ext cx="411840" cy="412200"/>
             </a:xfrm>
             <a:custGeom>
               <a:avLst/>
               <a:gdLst>
-                <a:gd name="textAreaLeft" fmla="*/ 0 w 412200"/>
-                <a:gd name="textAreaRight" fmla="*/ 412920 w 412200"/>
-                <a:gd name="textAreaTop" fmla="*/ 0 h 412560"/>
-                <a:gd name="textAreaBottom" fmla="*/ 413280 h 412560"/>
+                <a:gd name="textAreaLeft" fmla="*/ 0 w 411840"/>
+                <a:gd name="textAreaRight" fmla="*/ 412920 w 411840"/>
+                <a:gd name="textAreaTop" fmla="*/ 0 h 412200"/>
+                <a:gd name="textAreaBottom" fmla="*/ 413280 h 412200"/>
               </a:gdLst>
               <a:ahLst/>
               <a:rect l="textAreaLeft" t="textAreaTop" r="textAreaRight" b="textAreaBottom"/>
@@ -7124,15 +7124,15 @@
           <p:spPr>
             <a:xfrm>
               <a:off x="1415160" y="1079640"/>
-              <a:ext cx="412200" cy="412560"/>
+              <a:ext cx="411840" cy="412200"/>
             </a:xfrm>
             <a:custGeom>
               <a:avLst/>
               <a:gdLst>
-                <a:gd name="textAreaLeft" fmla="*/ 0 w 412200"/>
-                <a:gd name="textAreaRight" fmla="*/ 412920 w 412200"/>
-                <a:gd name="textAreaTop" fmla="*/ 0 h 412560"/>
-                <a:gd name="textAreaBottom" fmla="*/ 413280 h 412560"/>
+                <a:gd name="textAreaLeft" fmla="*/ 0 w 411840"/>
+                <a:gd name="textAreaRight" fmla="*/ 412920 w 411840"/>
+                <a:gd name="textAreaTop" fmla="*/ 0 h 412200"/>
+                <a:gd name="textAreaBottom" fmla="*/ 413280 h 412200"/>
               </a:gdLst>
               <a:ahLst/>
               <a:rect l="textAreaLeft" t="textAreaTop" r="textAreaRight" b="textAreaBottom"/>
@@ -7226,15 +7226,15 @@
           <p:spPr>
             <a:xfrm>
               <a:off x="588960" y="976680"/>
-              <a:ext cx="309240" cy="515520"/>
+              <a:ext cx="308880" cy="515160"/>
             </a:xfrm>
             <a:custGeom>
               <a:avLst/>
               <a:gdLst>
-                <a:gd name="textAreaLeft" fmla="*/ 0 w 309240"/>
-                <a:gd name="textAreaRight" fmla="*/ 309960 w 309240"/>
-                <a:gd name="textAreaTop" fmla="*/ 0 h 515520"/>
-                <a:gd name="textAreaBottom" fmla="*/ 516240 h 515520"/>
+                <a:gd name="textAreaLeft" fmla="*/ 0 w 308880"/>
+                <a:gd name="textAreaRight" fmla="*/ 309960 w 308880"/>
+                <a:gd name="textAreaTop" fmla="*/ 0 h 515160"/>
+                <a:gd name="textAreaBottom" fmla="*/ 516240 h 515160"/>
               </a:gdLst>
               <a:ahLst/>
               <a:rect l="textAreaLeft" t="textAreaTop" r="textAreaRight" b="textAreaBottom"/>
@@ -7339,15 +7339,15 @@
           <p:spPr>
             <a:xfrm>
               <a:off x="846720" y="924480"/>
-              <a:ext cx="103320" cy="103320"/>
+              <a:ext cx="102960" cy="102960"/>
             </a:xfrm>
             <a:custGeom>
               <a:avLst/>
               <a:gdLst>
-                <a:gd name="textAreaLeft" fmla="*/ 0 w 103320"/>
-                <a:gd name="textAreaRight" fmla="*/ 104040 w 103320"/>
-                <a:gd name="textAreaTop" fmla="*/ 0 h 103320"/>
-                <a:gd name="textAreaBottom" fmla="*/ 104040 h 103320"/>
+                <a:gd name="textAreaLeft" fmla="*/ 0 w 102960"/>
+                <a:gd name="textAreaRight" fmla="*/ 104040 w 102960"/>
+                <a:gd name="textAreaTop" fmla="*/ 0 h 102960"/>
+                <a:gd name="textAreaBottom" fmla="*/ 104040 h 102960"/>
               </a:gdLst>
               <a:ahLst/>
               <a:rect l="textAreaLeft" t="textAreaTop" r="textAreaRight" b="textAreaBottom"/>
@@ -7423,15 +7423,15 @@
           <p:spPr>
             <a:xfrm>
               <a:off x="692280" y="614880"/>
-              <a:ext cx="825480" cy="523080"/>
+              <a:ext cx="825120" cy="522720"/>
             </a:xfrm>
             <a:custGeom>
               <a:avLst/>
               <a:gdLst>
-                <a:gd name="textAreaLeft" fmla="*/ 0 w 825480"/>
-                <a:gd name="textAreaRight" fmla="*/ 826200 w 825480"/>
-                <a:gd name="textAreaTop" fmla="*/ 0 h 523080"/>
-                <a:gd name="textAreaBottom" fmla="*/ 523800 h 523080"/>
+                <a:gd name="textAreaLeft" fmla="*/ 0 w 825120"/>
+                <a:gd name="textAreaRight" fmla="*/ 826200 w 825120"/>
+                <a:gd name="textAreaTop" fmla="*/ 0 h 522720"/>
+                <a:gd name="textAreaBottom" fmla="*/ 523800 h 522720"/>
               </a:gdLst>
               <a:ahLst/>
               <a:rect l="textAreaLeft" t="textAreaTop" r="textAreaRight" b="textAreaBottom"/>
@@ -7714,7 +7714,7 @@
         <p:spPr>
           <a:xfrm>
             <a:off x="482760" y="4425120"/>
-            <a:ext cx="1944720" cy="1944720"/>
+            <a:ext cx="1944360" cy="1944360"/>
           </a:xfrm>
           <a:prstGeom prst="rect">
             <a:avLst/>
@@ -8040,7 +8040,7 @@
         <p:spPr>
           <a:xfrm>
             <a:off x="11379960" y="214560"/>
-            <a:ext cx="574560" cy="162720"/>
+            <a:ext cx="574200" cy="162360"/>
           </a:xfrm>
           <a:prstGeom prst="rect">
             <a:avLst/>
@@ -8072,7 +8072,7 @@
                 <a:tab algn="l" pos="0"/>
               </a:tabLst>
             </a:pPr>
-            <a:fld id="{1B88855B-BE7A-456A-BFF4-6A392877727A}" type="slidenum">
+            <a:fld id="{884FE4D5-47D7-4953-B270-49DDE93F157C}" type="slidenum">
               <a:rPr b="0" lang="ru-RU" sz="1000" spc="-1" strike="noStrike">
                 <a:solidFill>
                   <a:srgbClr val="bfbfbf"/>
@@ -8110,7 +8110,7 @@
         <p:spPr>
           <a:xfrm>
             <a:off x="442800" y="172080"/>
-            <a:ext cx="713880" cy="283320"/>
+            <a:ext cx="713520" cy="282960"/>
           </a:xfrm>
           <a:prstGeom prst="rect">
             <a:avLst/>
@@ -8129,7 +8129,7 @@
         <p:spPr>
           <a:xfrm>
             <a:off x="0" y="633960"/>
-            <a:ext cx="12192480" cy="720"/>
+            <a:ext cx="12192840" cy="1080"/>
           </a:xfrm>
           <a:prstGeom prst="straightConnector1">
             <a:avLst/>
@@ -8324,8 +8324,8 @@
         </p:blipFill>
         <p:spPr>
           <a:xfrm rot="16200000">
-            <a:off x="10646280" y="5313240"/>
-            <a:ext cx="991440" cy="2097720"/>
+            <a:off x="10646280" y="5313600"/>
+            <a:ext cx="991080" cy="2097360"/>
           </a:xfrm>
           <a:prstGeom prst="rect">
             <a:avLst/>
@@ -8377,7 +8377,7 @@
         <p:spPr>
           <a:xfrm>
             <a:off x="11379960" y="214560"/>
-            <a:ext cx="574560" cy="162720"/>
+            <a:ext cx="574200" cy="162360"/>
           </a:xfrm>
           <a:prstGeom prst="rect">
             <a:avLst/>
@@ -8409,7 +8409,7 @@
                 <a:tab algn="l" pos="0"/>
               </a:tabLst>
             </a:pPr>
-            <a:fld id="{53F3D177-FB0D-4268-A575-44386F5BE25C}" type="slidenum">
+            <a:fld id="{D85BD9DB-99CE-4D14-916A-67EAFD30EB57}" type="slidenum">
               <a:rPr b="0" lang="ru-RU" sz="1000" spc="-1" strike="noStrike">
                 <a:solidFill>
                   <a:srgbClr val="bfbfbf"/>
@@ -8447,7 +8447,7 @@
         <p:spPr>
           <a:xfrm>
             <a:off x="442800" y="172080"/>
-            <a:ext cx="713880" cy="283320"/>
+            <a:ext cx="713520" cy="282960"/>
           </a:xfrm>
           <a:prstGeom prst="rect">
             <a:avLst/>
@@ -8466,7 +8466,7 @@
         <p:spPr>
           <a:xfrm>
             <a:off x="0" y="633960"/>
-            <a:ext cx="12192480" cy="720"/>
+            <a:ext cx="12192840" cy="1080"/>
           </a:xfrm>
           <a:prstGeom prst="straightConnector1">
             <a:avLst/>
@@ -8488,7 +8488,7 @@
         <p:spPr>
           <a:xfrm>
             <a:off x="3533760" y="633960"/>
-            <a:ext cx="2626200" cy="5589000"/>
+            <a:ext cx="2625840" cy="5588640"/>
           </a:xfrm>
           <a:prstGeom prst="rect">
             <a:avLst/>
@@ -8547,7 +8547,7 @@
         <p:spPr>
           <a:xfrm>
             <a:off x="9281160" y="633960"/>
-            <a:ext cx="2626200" cy="5589000"/>
+            <a:ext cx="2625840" cy="5588640"/>
           </a:xfrm>
           <a:prstGeom prst="rect">
             <a:avLst/>
@@ -8606,7 +8606,7 @@
         <p:spPr>
           <a:xfrm>
             <a:off x="0" y="6223680"/>
-            <a:ext cx="12192480" cy="720"/>
+            <a:ext cx="12192840" cy="1080"/>
           </a:xfrm>
           <a:prstGeom prst="straightConnector1">
             <a:avLst/>
@@ -8627,8 +8627,8 @@
         </p:nvSpPr>
         <p:spPr>
           <a:xfrm rot="10800000">
-            <a:off x="11480760" y="635040"/>
-            <a:ext cx="418320" cy="418320"/>
+            <a:off x="11481120" y="635400"/>
+            <a:ext cx="417960" cy="417960"/>
           </a:xfrm>
           <a:prstGeom prst="round1Rect">
             <a:avLst>
@@ -8688,8 +8688,8 @@
         </p:nvSpPr>
         <p:spPr>
           <a:xfrm rot="10800000">
-            <a:off x="5738040" y="635040"/>
-            <a:ext cx="418320" cy="418320"/>
+            <a:off x="5738400" y="635400"/>
+            <a:ext cx="417960" cy="417960"/>
           </a:xfrm>
           <a:prstGeom prst="round1Rect">
             <a:avLst>
@@ -8750,7 +8750,7 @@
         <p:spPr>
           <a:xfrm>
             <a:off x="6405480" y="633960"/>
-            <a:ext cx="2626200" cy="5589000"/>
+            <a:ext cx="2625840" cy="5588640"/>
           </a:xfrm>
           <a:prstGeom prst="rect">
             <a:avLst/>
@@ -8808,8 +8808,8 @@
         </p:nvSpPr>
         <p:spPr>
           <a:xfrm rot="10800000">
-            <a:off x="8609400" y="635040"/>
-            <a:ext cx="418320" cy="418320"/>
+            <a:off x="8609760" y="635400"/>
+            <a:ext cx="417960" cy="417960"/>
           </a:xfrm>
           <a:prstGeom prst="round1Rect">
             <a:avLst>
@@ -8870,7 +8870,7 @@
         <p:spPr>
           <a:xfrm>
             <a:off x="11638440" y="730080"/>
-            <a:ext cx="101160" cy="213480"/>
+            <a:ext cx="100800" cy="213120"/>
           </a:xfrm>
           <a:prstGeom prst="rect">
             <a:avLst/>
@@ -8929,7 +8929,7 @@
         <p:spPr>
           <a:xfrm>
             <a:off x="5896440" y="730080"/>
-            <a:ext cx="100080" cy="213480"/>
+            <a:ext cx="100080" cy="213120"/>
           </a:xfrm>
           <a:prstGeom prst="rect">
             <a:avLst/>
@@ -8988,7 +8988,7 @@
         <p:spPr>
           <a:xfrm>
             <a:off x="8767080" y="730080"/>
-            <a:ext cx="101160" cy="213480"/>
+            <a:ext cx="100800" cy="213120"/>
           </a:xfrm>
           <a:prstGeom prst="rect">
             <a:avLst/>
@@ -9050,8 +9050,8 @@
         </p:blipFill>
         <p:spPr>
           <a:xfrm flipH="1" rot="5400000">
-            <a:off x="9836640" y="4676760"/>
-            <a:ext cx="991440" cy="2097720"/>
+            <a:off x="9837000" y="4677120"/>
+            <a:ext cx="991080" cy="2097360"/>
           </a:xfrm>
           <a:prstGeom prst="rect">
             <a:avLst/>
@@ -9070,7 +9070,7 @@
         <p:spPr>
           <a:xfrm>
             <a:off x="3759120" y="890280"/>
-            <a:ext cx="831240" cy="493920"/>
+            <a:ext cx="830880" cy="493560"/>
           </a:xfrm>
           <a:prstGeom prst="rect">
             <a:avLst/>
@@ -9129,7 +9129,7 @@
         <p:spPr>
           <a:xfrm>
             <a:off x="6638040" y="890280"/>
-            <a:ext cx="831240" cy="493920"/>
+            <a:ext cx="830880" cy="493560"/>
           </a:xfrm>
           <a:prstGeom prst="rect">
             <a:avLst/>
@@ -9188,7 +9188,7 @@
         <p:spPr>
           <a:xfrm>
             <a:off x="9506520" y="890280"/>
-            <a:ext cx="831240" cy="493920"/>
+            <a:ext cx="830880" cy="493560"/>
           </a:xfrm>
           <a:prstGeom prst="rect">
             <a:avLst/>
@@ -9250,8 +9250,8 @@
         </p:blipFill>
         <p:spPr>
           <a:xfrm rot="16200000">
-            <a:off x="4608720" y="4670280"/>
-            <a:ext cx="991440" cy="2097720"/>
+            <a:off x="4608720" y="4670640"/>
+            <a:ext cx="991080" cy="2097360"/>
           </a:xfrm>
           <a:prstGeom prst="rect">
             <a:avLst/>
@@ -9270,7 +9270,7 @@
         <p:spPr>
           <a:xfrm>
             <a:off x="6409800" y="5222880"/>
-            <a:ext cx="2621520" cy="541440"/>
+            <a:ext cx="2621160" cy="541080"/>
           </a:xfrm>
           <a:prstGeom prst="rect">
             <a:avLst/>
@@ -9352,7 +9352,7 @@
         <p:spPr>
           <a:xfrm>
             <a:off x="11379960" y="214560"/>
-            <a:ext cx="574560" cy="162720"/>
+            <a:ext cx="574200" cy="162360"/>
           </a:xfrm>
           <a:prstGeom prst="rect">
             <a:avLst/>
@@ -9384,7 +9384,7 @@
                 <a:tab algn="l" pos="0"/>
               </a:tabLst>
             </a:pPr>
-            <a:fld id="{16973C41-9AC5-4E5A-AC28-C42C4C5F8F0A}" type="slidenum">
+            <a:fld id="{515251D6-FB0E-44B8-9669-775FC93CE7FA}" type="slidenum">
               <a:rPr b="0" lang="ru-RU" sz="1000" spc="-1" strike="noStrike">
                 <a:solidFill>
                   <a:srgbClr val="bfbfbf"/>
@@ -9422,7 +9422,7 @@
         <p:spPr>
           <a:xfrm>
             <a:off x="442800" y="172080"/>
-            <a:ext cx="713880" cy="283320"/>
+            <a:ext cx="713520" cy="282960"/>
           </a:xfrm>
           <a:prstGeom prst="rect">
             <a:avLst/>
@@ -9441,7 +9441,7 @@
         <p:spPr>
           <a:xfrm>
             <a:off x="0" y="633960"/>
-            <a:ext cx="12192480" cy="720"/>
+            <a:ext cx="12192840" cy="1080"/>
           </a:xfrm>
           <a:prstGeom prst="straightConnector1">
             <a:avLst/>
@@ -9496,7 +9496,7 @@
         <p:spPr>
           <a:xfrm>
             <a:off x="11379960" y="214560"/>
-            <a:ext cx="574560" cy="162720"/>
+            <a:ext cx="574200" cy="162360"/>
           </a:xfrm>
           <a:prstGeom prst="rect">
             <a:avLst/>
@@ -9528,7 +9528,7 @@
                 <a:tab algn="l" pos="0"/>
               </a:tabLst>
             </a:pPr>
-            <a:fld id="{9A217703-EED9-492F-93AB-E39625F85E28}" type="slidenum">
+            <a:fld id="{D1F08BB3-6EA3-47BC-8A1E-388510F450BA}" type="slidenum">
               <a:rPr b="0" lang="ru-RU" sz="1000" spc="-1" strike="noStrike">
                 <a:solidFill>
                   <a:srgbClr val="bfbfbf"/>
@@ -9566,7 +9566,7 @@
         <p:spPr>
           <a:xfrm>
             <a:off x="442800" y="172080"/>
-            <a:ext cx="713880" cy="283320"/>
+            <a:ext cx="713520" cy="282960"/>
           </a:xfrm>
           <a:prstGeom prst="rect">
             <a:avLst/>
@@ -9585,7 +9585,7 @@
         <p:spPr>
           <a:xfrm>
             <a:off x="0" y="633960"/>
-            <a:ext cx="12192480" cy="720"/>
+            <a:ext cx="12192840" cy="1080"/>
           </a:xfrm>
           <a:prstGeom prst="straightConnector1">
             <a:avLst/>
@@ -9611,8 +9611,8 @@
         </p:blipFill>
         <p:spPr>
           <a:xfrm rot="16200000">
-            <a:off x="10472400" y="4505040"/>
-            <a:ext cx="1670760" cy="1766880"/>
+            <a:off x="10472400" y="4505400"/>
+            <a:ext cx="1670400" cy="1766520"/>
           </a:xfrm>
           <a:prstGeom prst="rect">
             <a:avLst/>
@@ -9735,7 +9735,7 @@
         <p:spPr>
           <a:xfrm>
             <a:off x="442800" y="172080"/>
-            <a:ext cx="713880" cy="283320"/>
+            <a:ext cx="713520" cy="282960"/>
           </a:xfrm>
           <a:prstGeom prst="rect">
             <a:avLst/>
@@ -9754,7 +9754,7 @@
         <p:spPr>
           <a:xfrm>
             <a:off x="0" y="633960"/>
-            <a:ext cx="12192480" cy="720"/>
+            <a:ext cx="12192840" cy="1080"/>
           </a:xfrm>
           <a:prstGeom prst="straightConnector1">
             <a:avLst/>
@@ -9779,8 +9779,8 @@
         </p:nvSpPr>
         <p:spPr>
           <a:xfrm>
-            <a:off x="588960" y="1875600"/>
-            <a:ext cx="8178480" cy="971640"/>
+            <a:off x="609480" y="221040"/>
+            <a:ext cx="10972080" cy="1249920"/>
           </a:xfrm>
           <a:prstGeom prst="rect">
             <a:avLst/>
@@ -10083,7 +10083,7 @@
         <p:spPr>
           <a:xfrm>
             <a:off x="11379960" y="214560"/>
-            <a:ext cx="574560" cy="162720"/>
+            <a:ext cx="574200" cy="162360"/>
           </a:xfrm>
           <a:prstGeom prst="rect">
             <a:avLst/>
@@ -10115,7 +10115,7 @@
                 <a:tab algn="l" pos="0"/>
               </a:tabLst>
             </a:pPr>
-            <a:fld id="{B538AB5B-0D7D-4B8A-BE8C-28D37D702AE0}" type="slidenum">
+            <a:fld id="{E219E57F-877D-4853-8F1D-94AE0BD099E7}" type="slidenum">
               <a:rPr b="0" lang="ru-RU" sz="1000" spc="-1" strike="noStrike">
                 <a:solidFill>
                   <a:srgbClr val="bfbfbf"/>
@@ -10153,7 +10153,7 @@
         <p:spPr>
           <a:xfrm>
             <a:off x="442800" y="172080"/>
-            <a:ext cx="713880" cy="283320"/>
+            <a:ext cx="713520" cy="282960"/>
           </a:xfrm>
           <a:prstGeom prst="rect">
             <a:avLst/>
@@ -10172,7 +10172,7 @@
         <p:spPr>
           <a:xfrm>
             <a:off x="0" y="633960"/>
-            <a:ext cx="12192480" cy="720"/>
+            <a:ext cx="12192840" cy="1080"/>
           </a:xfrm>
           <a:prstGeom prst="straightConnector1">
             <a:avLst/>
@@ -10198,7 +10198,7 @@
         <p:spPr>
           <a:xfrm>
             <a:off x="442800" y="6343920"/>
-            <a:ext cx="7663320" cy="235440"/>
+            <a:ext cx="7662960" cy="235080"/>
           </a:xfrm>
           <a:prstGeom prst="rect">
             <a:avLst/>
@@ -10573,7 +10573,7 @@
         <p:spPr>
           <a:xfrm>
             <a:off x="11379960" y="214560"/>
-            <a:ext cx="574560" cy="162720"/>
+            <a:ext cx="574200" cy="162360"/>
           </a:xfrm>
           <a:prstGeom prst="rect">
             <a:avLst/>
@@ -10605,7 +10605,7 @@
                 <a:tab algn="l" pos="0"/>
               </a:tabLst>
             </a:pPr>
-            <a:fld id="{174CC6E0-EBE2-46D2-9D57-DF69C962010F}" type="slidenum">
+            <a:fld id="{8536658B-2A38-40ED-BBAC-4C764BE6811E}" type="slidenum">
               <a:rPr b="0" lang="ru-RU" sz="1000" spc="-1" strike="noStrike">
                 <a:solidFill>
                   <a:srgbClr val="bfbfbf"/>
@@ -10643,7 +10643,7 @@
         <p:spPr>
           <a:xfrm>
             <a:off x="442800" y="172080"/>
-            <a:ext cx="713880" cy="283320"/>
+            <a:ext cx="713520" cy="282960"/>
           </a:xfrm>
           <a:prstGeom prst="rect">
             <a:avLst/>
@@ -10662,7 +10662,7 @@
         <p:spPr>
           <a:xfrm>
             <a:off x="0" y="633960"/>
-            <a:ext cx="12192480" cy="720"/>
+            <a:ext cx="12192840" cy="1080"/>
           </a:xfrm>
           <a:prstGeom prst="straightConnector1">
             <a:avLst/>
@@ -10688,7 +10688,7 @@
         <p:spPr>
           <a:xfrm>
             <a:off x="442800" y="6343920"/>
-            <a:ext cx="7663320" cy="235440"/>
+            <a:ext cx="7662960" cy="235080"/>
           </a:xfrm>
           <a:prstGeom prst="rect">
             <a:avLst/>
@@ -11066,7 +11066,7 @@
         <p:spPr>
           <a:xfrm>
             <a:off x="11379960" y="214560"/>
-            <a:ext cx="574560" cy="162720"/>
+            <a:ext cx="574200" cy="162360"/>
           </a:xfrm>
           <a:prstGeom prst="rect">
             <a:avLst/>
@@ -11098,7 +11098,7 @@
                 <a:tab algn="l" pos="0"/>
               </a:tabLst>
             </a:pPr>
-            <a:fld id="{3B25BE84-5C50-4281-A725-25BA21872B33}" type="slidenum">
+            <a:fld id="{9760B269-9404-4C1F-B41E-3C740A5D9546}" type="slidenum">
               <a:rPr b="0" lang="ru-RU" sz="1000" spc="-1" strike="noStrike">
                 <a:solidFill>
                   <a:srgbClr val="bfbfbf"/>
@@ -11136,7 +11136,7 @@
         <p:spPr>
           <a:xfrm>
             <a:off x="442800" y="172080"/>
-            <a:ext cx="713880" cy="283320"/>
+            <a:ext cx="713520" cy="282960"/>
           </a:xfrm>
           <a:prstGeom prst="rect">
             <a:avLst/>
@@ -11155,7 +11155,7 @@
         <p:spPr>
           <a:xfrm>
             <a:off x="0" y="633960"/>
-            <a:ext cx="12192480" cy="720"/>
+            <a:ext cx="12192840" cy="1080"/>
           </a:xfrm>
           <a:prstGeom prst="straightConnector1">
             <a:avLst/>
@@ -11224,7 +11224,7 @@
         <p:spPr>
           <a:xfrm>
             <a:off x="599040" y="614880"/>
-            <a:ext cx="2207880" cy="876960"/>
+            <a:ext cx="2207520" cy="876600"/>
           </a:xfrm>
           <a:prstGeom prst="rect">
             <a:avLst/>
@@ -11295,8 +11295,8 @@
         </p:blipFill>
         <p:spPr>
           <a:xfrm flipH="1" rot="10800000">
-            <a:off x="10570680" y="720"/>
-            <a:ext cx="1620720" cy="3428280"/>
+            <a:off x="10570680" y="1080"/>
+            <a:ext cx="1620360" cy="3427920"/>
           </a:xfrm>
           <a:prstGeom prst="rect">
             <a:avLst/>
@@ -11324,8 +11324,8 @@
         </p:blipFill>
         <p:spPr>
           <a:xfrm flipH="1">
-            <a:off x="10571400" y="3429000"/>
-            <a:ext cx="1620720" cy="3428280"/>
+            <a:off x="10571760" y="3429000"/>
+            <a:ext cx="1620360" cy="3427920"/>
           </a:xfrm>
           <a:prstGeom prst="rect">
             <a:avLst/>
@@ -11423,7 +11423,7 @@
         <p:spPr>
           <a:xfrm>
             <a:off x="11379960" y="214560"/>
-            <a:ext cx="574560" cy="162720"/>
+            <a:ext cx="574200" cy="162360"/>
           </a:xfrm>
           <a:prstGeom prst="rect">
             <a:avLst/>
@@ -11455,7 +11455,7 @@
                 <a:tab algn="l" pos="0"/>
               </a:tabLst>
             </a:pPr>
-            <a:fld id="{4D739EBC-39F7-4DEB-AE43-9C374B13B436}" type="slidenum">
+            <a:fld id="{5B0FA71B-B98F-40D7-874A-F59ADFD35B91}" type="slidenum">
               <a:rPr b="0" lang="ru-RU" sz="1000" spc="-1" strike="noStrike">
                 <a:solidFill>
                   <a:srgbClr val="bfbfbf"/>
@@ -11493,7 +11493,7 @@
         <p:spPr>
           <a:xfrm>
             <a:off x="442800" y="172080"/>
-            <a:ext cx="713880" cy="283320"/>
+            <a:ext cx="713520" cy="282960"/>
           </a:xfrm>
           <a:prstGeom prst="rect">
             <a:avLst/>
@@ -11512,7 +11512,7 @@
         <p:spPr>
           <a:xfrm>
             <a:off x="0" y="633960"/>
-            <a:ext cx="12192480" cy="720"/>
+            <a:ext cx="12192840" cy="1080"/>
           </a:xfrm>
           <a:prstGeom prst="straightConnector1">
             <a:avLst/>
@@ -11581,7 +11581,7 @@
         <p:spPr>
           <a:xfrm>
             <a:off x="599040" y="614880"/>
-            <a:ext cx="1458360" cy="579240"/>
+            <a:ext cx="1458000" cy="578880"/>
           </a:xfrm>
           <a:prstGeom prst="rect">
             <a:avLst/>
@@ -11679,7 +11679,7 @@
         <p:spPr>
           <a:xfrm>
             <a:off x="11379960" y="214560"/>
-            <a:ext cx="574560" cy="162720"/>
+            <a:ext cx="574200" cy="162360"/>
           </a:xfrm>
           <a:prstGeom prst="rect">
             <a:avLst/>
@@ -11711,7 +11711,7 @@
                 <a:tab algn="l" pos="0"/>
               </a:tabLst>
             </a:pPr>
-            <a:fld id="{121C6FCF-5AE3-4FE9-A8D6-E1D62C4E64AA}" type="slidenum">
+            <a:fld id="{CC7171E8-A97C-4191-8ECC-40D969B2D28D}" type="slidenum">
               <a:rPr b="0" lang="ru-RU" sz="1000" spc="-1" strike="noStrike">
                 <a:solidFill>
                   <a:srgbClr val="bfbfbf"/>
@@ -11749,7 +11749,7 @@
         <p:spPr>
           <a:xfrm>
             <a:off x="442800" y="172080"/>
-            <a:ext cx="713880" cy="283320"/>
+            <a:ext cx="713520" cy="282960"/>
           </a:xfrm>
           <a:prstGeom prst="rect">
             <a:avLst/>
@@ -11768,7 +11768,7 @@
         <p:spPr>
           <a:xfrm>
             <a:off x="0" y="633960"/>
-            <a:ext cx="12192480" cy="720"/>
+            <a:ext cx="12192840" cy="1080"/>
           </a:xfrm>
           <a:prstGeom prst="straightConnector1">
             <a:avLst/>
@@ -11837,7 +11837,7 @@
         <p:spPr>
           <a:xfrm>
             <a:off x="442800" y="172080"/>
-            <a:ext cx="713880" cy="283320"/>
+            <a:ext cx="713520" cy="282960"/>
           </a:xfrm>
           <a:prstGeom prst="rect">
             <a:avLst/>
@@ -11856,7 +11856,7 @@
         <p:spPr>
           <a:xfrm>
             <a:off x="11379960" y="214560"/>
-            <a:ext cx="574560" cy="162720"/>
+            <a:ext cx="574200" cy="162360"/>
           </a:xfrm>
           <a:prstGeom prst="rect">
             <a:avLst/>
@@ -11888,7 +11888,7 @@
                 <a:tab algn="l" pos="0"/>
               </a:tabLst>
             </a:pPr>
-            <a:fld id="{08A2ED46-DC72-4749-B487-FD93BC2773B3}" type="slidenum">
+            <a:fld id="{FFA175C8-712B-4C6D-99F9-0EFFB796F61B}" type="slidenum">
               <a:rPr b="0" lang="ru-RU" sz="1000" spc="-1" strike="noStrike">
                 <a:solidFill>
                   <a:schemeClr val="dk1">
@@ -11923,7 +11923,7 @@
         <p:spPr>
           <a:xfrm>
             <a:off x="442800" y="6343920"/>
-            <a:ext cx="7663320" cy="235440"/>
+            <a:ext cx="7662960" cy="235080"/>
           </a:xfrm>
           <a:prstGeom prst="rect">
             <a:avLst/>
@@ -12027,7 +12027,7 @@
         <p:spPr>
           <a:xfrm>
             <a:off x="11379960" y="214560"/>
-            <a:ext cx="574560" cy="162720"/>
+            <a:ext cx="574200" cy="162360"/>
           </a:xfrm>
           <a:prstGeom prst="rect">
             <a:avLst/>
@@ -12059,7 +12059,7 @@
                 <a:tab algn="l" pos="0"/>
               </a:tabLst>
             </a:pPr>
-            <a:fld id="{6830F285-A4E1-4811-AAE9-20E3887C10B5}" type="slidenum">
+            <a:fld id="{25625BFA-503C-4024-9ECE-4F357E5FD223}" type="slidenum">
               <a:rPr b="0" lang="ru-RU" sz="1000" spc="-1" strike="noStrike">
                 <a:solidFill>
                   <a:srgbClr val="bfbfbf"/>
@@ -12097,7 +12097,7 @@
         <p:spPr>
           <a:xfrm>
             <a:off x="442800" y="172080"/>
-            <a:ext cx="713880" cy="283320"/>
+            <a:ext cx="713520" cy="282960"/>
           </a:xfrm>
           <a:prstGeom prst="rect">
             <a:avLst/>
@@ -12116,7 +12116,7 @@
         <p:spPr>
           <a:xfrm>
             <a:off x="0" y="633960"/>
-            <a:ext cx="12192480" cy="720"/>
+            <a:ext cx="12192840" cy="1080"/>
           </a:xfrm>
           <a:prstGeom prst="straightConnector1">
             <a:avLst/>
@@ -12144,7 +12144,7 @@
         <p:spPr>
           <a:xfrm>
             <a:off x="442800" y="172080"/>
-            <a:ext cx="713880" cy="283320"/>
+            <a:ext cx="713520" cy="282960"/>
           </a:xfrm>
           <a:prstGeom prst="rect">
             <a:avLst/>
@@ -12240,7 +12240,7 @@
         <p:spPr>
           <a:xfrm>
             <a:off x="11379960" y="214560"/>
-            <a:ext cx="574560" cy="162720"/>
+            <a:ext cx="574200" cy="162360"/>
           </a:xfrm>
           <a:prstGeom prst="rect">
             <a:avLst/>
@@ -12272,7 +12272,7 @@
                 <a:tab algn="l" pos="0"/>
               </a:tabLst>
             </a:pPr>
-            <a:fld id="{C9F516A6-A3A8-414E-B9AE-B8CD08CA11C9}" type="slidenum">
+            <a:fld id="{50ED2733-E20A-4990-ADCA-453856961598}" type="slidenum">
               <a:rPr b="0" lang="ru-RU" sz="1000" spc="-1" strike="noStrike">
                 <a:solidFill>
                   <a:srgbClr val="bfbfbf"/>
@@ -12310,7 +12310,7 @@
         <p:spPr>
           <a:xfrm>
             <a:off x="442800" y="172080"/>
-            <a:ext cx="713880" cy="283320"/>
+            <a:ext cx="713520" cy="282960"/>
           </a:xfrm>
           <a:prstGeom prst="rect">
             <a:avLst/>
@@ -12329,7 +12329,7 @@
         <p:spPr>
           <a:xfrm>
             <a:off x="0" y="633960"/>
-            <a:ext cx="12192480" cy="720"/>
+            <a:ext cx="12192840" cy="1080"/>
           </a:xfrm>
           <a:prstGeom prst="straightConnector1">
             <a:avLst/>
@@ -12398,7 +12398,7 @@
         <p:spPr>
           <a:xfrm>
             <a:off x="442800" y="172080"/>
-            <a:ext cx="713880" cy="283320"/>
+            <a:ext cx="713520" cy="282960"/>
           </a:xfrm>
           <a:prstGeom prst="rect">
             <a:avLst/>
@@ -12417,7 +12417,7 @@
         <p:spPr>
           <a:xfrm>
             <a:off x="11379960" y="214560"/>
-            <a:ext cx="574560" cy="162720"/>
+            <a:ext cx="574200" cy="162360"/>
           </a:xfrm>
           <a:prstGeom prst="rect">
             <a:avLst/>
@@ -12449,7 +12449,7 @@
                 <a:tab algn="l" pos="0"/>
               </a:tabLst>
             </a:pPr>
-            <a:fld id="{F7C955AD-6C02-4697-BF4F-085E19690F9C}" type="slidenum">
+            <a:fld id="{8D1BE4B5-F145-41F1-BBBC-385760369C7B}" type="slidenum">
               <a:rPr b="0" lang="ru-RU" sz="1000" spc="-1" strike="noStrike">
                 <a:solidFill>
                   <a:schemeClr val="dk1">
@@ -12516,7 +12516,7 @@
         <p:spPr>
           <a:xfrm>
             <a:off x="11379960" y="214560"/>
-            <a:ext cx="574560" cy="162720"/>
+            <a:ext cx="574200" cy="162360"/>
           </a:xfrm>
           <a:prstGeom prst="rect">
             <a:avLst/>
@@ -12548,7 +12548,7 @@
                 <a:tab algn="l" pos="0"/>
               </a:tabLst>
             </a:pPr>
-            <a:fld id="{89054D43-C429-4F65-B151-7EB66280A757}" type="slidenum">
+            <a:fld id="{111C4611-1EC5-4135-8D2E-09B0671E6EF5}" type="slidenum">
               <a:rPr b="0" lang="ru-RU" sz="1000" spc="-1" strike="noStrike">
                 <a:solidFill>
                   <a:srgbClr val="bfbfbf"/>
@@ -12586,7 +12586,7 @@
         <p:spPr>
           <a:xfrm>
             <a:off x="442800" y="172080"/>
-            <a:ext cx="713880" cy="283320"/>
+            <a:ext cx="713520" cy="282960"/>
           </a:xfrm>
           <a:prstGeom prst="rect">
             <a:avLst/>
@@ -12605,7 +12605,7 @@
         <p:spPr>
           <a:xfrm>
             <a:off x="0" y="633960"/>
-            <a:ext cx="12192480" cy="720"/>
+            <a:ext cx="12192840" cy="1080"/>
           </a:xfrm>
           <a:prstGeom prst="straightConnector1">
             <a:avLst/>
@@ -12838,7 +12838,7 @@
         <p:spPr>
           <a:xfrm>
             <a:off x="442800" y="172080"/>
-            <a:ext cx="713880" cy="283320"/>
+            <a:ext cx="713520" cy="282960"/>
           </a:xfrm>
           <a:prstGeom prst="rect">
             <a:avLst/>
@@ -12939,7 +12939,7 @@
         <p:spPr>
           <a:xfrm>
             <a:off x="11379960" y="214560"/>
-            <a:ext cx="574560" cy="162720"/>
+            <a:ext cx="574200" cy="162360"/>
           </a:xfrm>
           <a:prstGeom prst="rect">
             <a:avLst/>
@@ -12971,7 +12971,7 @@
                 <a:tab algn="l" pos="0"/>
               </a:tabLst>
             </a:pPr>
-            <a:fld id="{76B2510A-9E01-41F2-B92E-8B8CE0C0FEAB}" type="slidenum">
+            <a:fld id="{5F346600-F13F-48D3-855F-2054DC5AF0AF}" type="slidenum">
               <a:rPr b="0" lang="ru-RU" sz="1000" spc="-1" strike="noStrike">
                 <a:solidFill>
                   <a:schemeClr val="dk1">
@@ -13038,7 +13038,7 @@
         <p:spPr>
           <a:xfrm>
             <a:off x="11379960" y="214560"/>
-            <a:ext cx="574560" cy="162720"/>
+            <a:ext cx="574200" cy="162360"/>
           </a:xfrm>
           <a:prstGeom prst="rect">
             <a:avLst/>
@@ -13070,7 +13070,7 @@
                 <a:tab algn="l" pos="0"/>
               </a:tabLst>
             </a:pPr>
-            <a:fld id="{2081FE85-34DD-4BD9-BDBE-C9019C017E3E}" type="slidenum">
+            <a:fld id="{65957070-7403-49C7-B783-283A446F2484}" type="slidenum">
               <a:rPr b="0" lang="ru-RU" sz="1000" spc="-1" strike="noStrike">
                 <a:solidFill>
                   <a:srgbClr val="bfbfbf"/>
@@ -13108,7 +13108,7 @@
         <p:spPr>
           <a:xfrm>
             <a:off x="442800" y="172080"/>
-            <a:ext cx="713880" cy="283320"/>
+            <a:ext cx="713520" cy="282960"/>
           </a:xfrm>
           <a:prstGeom prst="rect">
             <a:avLst/>
@@ -13127,7 +13127,7 @@
         <p:spPr>
           <a:xfrm>
             <a:off x="0" y="633960"/>
-            <a:ext cx="12192480" cy="720"/>
+            <a:ext cx="12192840" cy="1080"/>
           </a:xfrm>
           <a:prstGeom prst="straightConnector1">
             <a:avLst/>
@@ -13196,7 +13196,7 @@
         <p:spPr>
           <a:xfrm>
             <a:off x="442800" y="172080"/>
-            <a:ext cx="713880" cy="283320"/>
+            <a:ext cx="713520" cy="282960"/>
           </a:xfrm>
           <a:prstGeom prst="rect">
             <a:avLst/>
@@ -13215,7 +13215,7 @@
         <p:spPr>
           <a:xfrm>
             <a:off x="11379960" y="214560"/>
-            <a:ext cx="574560" cy="162720"/>
+            <a:ext cx="574200" cy="162360"/>
           </a:xfrm>
           <a:prstGeom prst="rect">
             <a:avLst/>
@@ -13247,7 +13247,7 @@
                 <a:tab algn="l" pos="0"/>
               </a:tabLst>
             </a:pPr>
-            <a:fld id="{095DE3A5-AC15-48D0-89C2-42133AB2145C}" type="slidenum">
+            <a:fld id="{06C363D1-4385-43A6-8147-92131F1375B6}" type="slidenum">
               <a:rPr b="0" lang="ru-RU" sz="1000" spc="-1" strike="noStrike">
                 <a:solidFill>
                   <a:schemeClr val="dk1">
@@ -13308,7 +13308,7 @@
         <p:spPr>
           <a:xfrm>
             <a:off x="588960" y="2858400"/>
-            <a:ext cx="8178480" cy="1324800"/>
+            <a:ext cx="8178120" cy="1324440"/>
           </a:xfrm>
           <a:prstGeom prst="rect">
             <a:avLst/>
@@ -13367,7 +13367,7 @@
         <p:spPr>
           <a:xfrm>
             <a:off x="588960" y="4392720"/>
-            <a:ext cx="8178480" cy="1228680"/>
+            <a:ext cx="8178120" cy="1228320"/>
           </a:xfrm>
           <a:prstGeom prst="rect">
             <a:avLst/>
@@ -13421,8 +13421,8 @@
         </p:nvSpPr>
         <p:spPr>
           <a:xfrm>
-            <a:off x="6045120" y="5580000"/>
-            <a:ext cx="2594520" cy="345960"/>
+            <a:off x="631800" y="5532480"/>
+            <a:ext cx="2594160" cy="345600"/>
           </a:xfrm>
           <a:prstGeom prst="rect">
             <a:avLst/>
@@ -13509,7 +13509,7 @@
         <p:spPr>
           <a:xfrm>
             <a:off x="442800" y="651600"/>
-            <a:ext cx="11305440" cy="1076400"/>
+            <a:ext cx="11305080" cy="1076040"/>
           </a:xfrm>
           <a:prstGeom prst="rect">
             <a:avLst/>
@@ -13571,7 +13571,7 @@
         <p:spPr>
           <a:xfrm>
             <a:off x="428760" y="1620360"/>
-            <a:ext cx="11333880" cy="4913280"/>
+            <a:ext cx="11333520" cy="4912920"/>
           </a:xfrm>
           <a:prstGeom prst="rect">
             <a:avLst/>
@@ -13624,7 +13624,7 @@
         <p:spPr>
           <a:xfrm>
             <a:off x="588960" y="1875600"/>
-            <a:ext cx="8178480" cy="971640"/>
+            <a:ext cx="8178120" cy="971280"/>
           </a:xfrm>
           <a:prstGeom prst="rect">
             <a:avLst/>
@@ -13710,7 +13710,7 @@
         <p:spPr>
           <a:xfrm>
             <a:off x="442800" y="651600"/>
-            <a:ext cx="11305440" cy="1076400"/>
+            <a:ext cx="11305080" cy="1076040"/>
           </a:xfrm>
           <a:prstGeom prst="rect">
             <a:avLst/>
@@ -13772,7 +13772,7 @@
         <p:spPr>
           <a:xfrm>
             <a:off x="834840" y="1224000"/>
-            <a:ext cx="10522080" cy="5442120"/>
+            <a:ext cx="10521720" cy="5441760"/>
           </a:xfrm>
           <a:prstGeom prst="rect">
             <a:avLst/>
@@ -13825,7 +13825,7 @@
         <p:spPr>
           <a:xfrm>
             <a:off x="442800" y="651600"/>
-            <a:ext cx="11305440" cy="1076400"/>
+            <a:ext cx="11305080" cy="1076040"/>
           </a:xfrm>
           <a:prstGeom prst="rect">
             <a:avLst/>
@@ -13887,7 +13887,7 @@
         <p:spPr>
           <a:xfrm>
             <a:off x="2930400" y="1080360"/>
-            <a:ext cx="6330600" cy="5939280"/>
+            <a:ext cx="6330240" cy="5938920"/>
           </a:xfrm>
           <a:prstGeom prst="rect">
             <a:avLst/>
@@ -13940,7 +13940,7 @@
         <p:spPr>
           <a:xfrm>
             <a:off x="442800" y="651600"/>
-            <a:ext cx="11305440" cy="1076400"/>
+            <a:ext cx="11305080" cy="1076040"/>
           </a:xfrm>
           <a:prstGeom prst="rect">
             <a:avLst/>
@@ -14002,7 +14002,7 @@
         <p:spPr>
           <a:xfrm>
             <a:off x="173880" y="1548360"/>
-            <a:ext cx="11843640" cy="4822920"/>
+            <a:ext cx="11843280" cy="4822560"/>
           </a:xfrm>
           <a:prstGeom prst="rect">
             <a:avLst/>
@@ -14055,7 +14055,7 @@
         <p:spPr>
           <a:xfrm>
             <a:off x="442800" y="651600"/>
-            <a:ext cx="11305440" cy="1076400"/>
+            <a:ext cx="11305080" cy="1076040"/>
           </a:xfrm>
           <a:prstGeom prst="rect">
             <a:avLst/>
@@ -14117,7 +14117,7 @@
         <p:spPr>
           <a:xfrm>
             <a:off x="549000" y="1188360"/>
-            <a:ext cx="11093760" cy="5471280"/>
+            <a:ext cx="11093400" cy="5470920"/>
           </a:xfrm>
           <a:prstGeom prst="rect">
             <a:avLst/>
@@ -14170,7 +14170,7 @@
         <p:spPr>
           <a:xfrm>
             <a:off x="442800" y="651600"/>
-            <a:ext cx="11305440" cy="1076400"/>
+            <a:ext cx="11305080" cy="1076040"/>
           </a:xfrm>
           <a:prstGeom prst="rect">
             <a:avLst/>
@@ -14232,7 +14232,7 @@
         <p:spPr>
           <a:xfrm>
             <a:off x="2756880" y="875160"/>
-            <a:ext cx="6678000" cy="5733720"/>
+            <a:ext cx="6677640" cy="5733360"/>
           </a:xfrm>
           <a:prstGeom prst="rect">
             <a:avLst/>
@@ -14285,7 +14285,7 @@
         <p:spPr>
           <a:xfrm>
             <a:off x="442800" y="651600"/>
-            <a:ext cx="11305440" cy="1076400"/>
+            <a:ext cx="11305080" cy="1076040"/>
           </a:xfrm>
           <a:prstGeom prst="rect">
             <a:avLst/>
@@ -14347,7 +14347,7 @@
         <p:spPr>
           <a:xfrm>
             <a:off x="234720" y="1317240"/>
-            <a:ext cx="11794680" cy="5414040"/>
+            <a:ext cx="11794320" cy="5413680"/>
           </a:xfrm>
           <a:prstGeom prst="rect">
             <a:avLst/>
@@ -14400,7 +14400,7 @@
         <p:spPr>
           <a:xfrm>
             <a:off x="442800" y="651600"/>
-            <a:ext cx="11305440" cy="1076400"/>
+            <a:ext cx="11305080" cy="1076040"/>
           </a:xfrm>
           <a:prstGeom prst="rect">
             <a:avLst/>
@@ -14462,7 +14462,7 @@
         <p:spPr>
           <a:xfrm>
             <a:off x="264600" y="2292120"/>
-            <a:ext cx="11662560" cy="3719520"/>
+            <a:ext cx="11662200" cy="3719160"/>
           </a:xfrm>
           <a:prstGeom prst="rect">
             <a:avLst/>
@@ -14515,7 +14515,7 @@
         <p:spPr>
           <a:xfrm>
             <a:off x="442800" y="651600"/>
-            <a:ext cx="11305440" cy="1076400"/>
+            <a:ext cx="11305080" cy="1076040"/>
           </a:xfrm>
           <a:prstGeom prst="rect">
             <a:avLst/>
@@ -14577,7 +14577,7 @@
         <p:spPr>
           <a:xfrm>
             <a:off x="297720" y="2119680"/>
-            <a:ext cx="11595960" cy="4323600"/>
+            <a:ext cx="11595600" cy="4323240"/>
           </a:xfrm>
           <a:prstGeom prst="rect">
             <a:avLst/>

--- a/PGBootcamp2024/debugging-postgres-planner/presentation_ru.pptx
+++ b/PGBootcamp2024/debugging-postgres-planner/presentation_ru.pptx
@@ -895,7 +895,7 @@
         <p:spPr>
           <a:xfrm>
             <a:off x="11379960" y="214560"/>
-            <a:ext cx="574200" cy="162360"/>
+            <a:ext cx="573480" cy="161640"/>
           </a:xfrm>
           <a:prstGeom prst="rect">
             <a:avLst/>
@@ -927,7 +927,7 @@
                 <a:tab algn="l" pos="0"/>
               </a:tabLst>
             </a:pPr>
-            <a:fld id="{BD43F4B0-9FD6-4F9A-8A67-48D8CF3CB321}" type="slidenum">
+            <a:fld id="{F8EB5F14-9861-40CF-BB3E-CA5C83603CB0}" type="slidenum">
               <a:rPr b="0" lang="ru-RU" sz="1000" spc="-1" strike="noStrike">
                 <a:solidFill>
                   <a:srgbClr val="bfbfbf"/>
@@ -965,7 +965,7 @@
         <p:spPr>
           <a:xfrm>
             <a:off x="442800" y="172080"/>
-            <a:ext cx="713520" cy="282960"/>
+            <a:ext cx="712800" cy="282240"/>
           </a:xfrm>
           <a:prstGeom prst="rect">
             <a:avLst/>
@@ -984,7 +984,7 @@
         <p:spPr>
           <a:xfrm>
             <a:off x="0" y="633960"/>
-            <a:ext cx="12192840" cy="1080"/>
+            <a:ext cx="12193560" cy="1800"/>
           </a:xfrm>
           <a:prstGeom prst="straightConnector1">
             <a:avLst/>
@@ -1101,8 +1101,8 @@
         </p:blipFill>
         <p:spPr>
           <a:xfrm flipH="1" rot="10800000">
-            <a:off x="10570680" y="1080"/>
-            <a:ext cx="1620360" cy="3427920"/>
+            <a:off x="10570680" y="1800"/>
+            <a:ext cx="1619640" cy="3427200"/>
           </a:xfrm>
           <a:prstGeom prst="rect">
             <a:avLst/>
@@ -1130,8 +1130,8 @@
         </p:blipFill>
         <p:spPr>
           <a:xfrm flipH="1">
-            <a:off x="10571760" y="3429000"/>
-            <a:ext cx="1620360" cy="3427920"/>
+            <a:off x="10572480" y="3429000"/>
+            <a:ext cx="1619640" cy="3427200"/>
           </a:xfrm>
           <a:prstGeom prst="rect">
             <a:avLst/>
@@ -1193,9 +1193,9 @@
         <p:grpSpPr>
           <a:xfrm>
             <a:off x="588960" y="614880"/>
-            <a:ext cx="2219400" cy="876960"/>
+            <a:ext cx="2218680" cy="876240"/>
             <a:chOff x="588960" y="614880"/>
-            <a:chExt cx="2219400" cy="876960"/>
+            <a:chExt cx="2218680" cy="876240"/>
           </a:xfrm>
         </p:grpSpPr>
         <p:sp>
@@ -1207,15 +1207,15 @@
           <p:spPr>
             <a:xfrm>
               <a:off x="1879920" y="976320"/>
-              <a:ext cx="205560" cy="515160"/>
+              <a:ext cx="204840" cy="514440"/>
             </a:xfrm>
             <a:custGeom>
               <a:avLst/>
               <a:gdLst>
-                <a:gd name="textAreaLeft" fmla="*/ 0 w 205560"/>
-                <a:gd name="textAreaRight" fmla="*/ 206640 w 205560"/>
-                <a:gd name="textAreaTop" fmla="*/ 0 h 515160"/>
-                <a:gd name="textAreaBottom" fmla="*/ 516240 h 515160"/>
+                <a:gd name="textAreaLeft" fmla="*/ 0 w 204840"/>
+                <a:gd name="textAreaRight" fmla="*/ 206640 w 204840"/>
+                <a:gd name="textAreaTop" fmla="*/ 0 h 514440"/>
+                <a:gd name="textAreaBottom" fmla="*/ 516240 h 514440"/>
               </a:gdLst>
               <a:ahLst/>
               <a:rect l="textAreaLeft" t="textAreaTop" r="textAreaRight" b="textAreaBottom"/>
@@ -1306,15 +1306,15 @@
           <p:spPr>
             <a:xfrm>
               <a:off x="2138040" y="1079640"/>
-              <a:ext cx="412200" cy="412200"/>
+              <a:ext cx="411480" cy="411480"/>
             </a:xfrm>
             <a:custGeom>
               <a:avLst/>
               <a:gdLst>
-                <a:gd name="textAreaLeft" fmla="*/ 0 w 412200"/>
-                <a:gd name="textAreaRight" fmla="*/ 413280 w 412200"/>
-                <a:gd name="textAreaTop" fmla="*/ 0 h 412200"/>
-                <a:gd name="textAreaBottom" fmla="*/ 413280 h 412200"/>
+                <a:gd name="textAreaLeft" fmla="*/ 0 w 411480"/>
+                <a:gd name="textAreaRight" fmla="*/ 413280 w 411480"/>
+                <a:gd name="textAreaTop" fmla="*/ 0 h 411480"/>
+                <a:gd name="textAreaBottom" fmla="*/ 413280 h 411480"/>
               </a:gdLst>
               <a:ahLst/>
               <a:rect l="textAreaLeft" t="textAreaTop" r="textAreaRight" b="textAreaBottom"/>
@@ -1413,15 +1413,15 @@
           <p:spPr>
             <a:xfrm>
               <a:off x="2602800" y="1080000"/>
-              <a:ext cx="205560" cy="411840"/>
+              <a:ext cx="204840" cy="411120"/>
             </a:xfrm>
             <a:custGeom>
               <a:avLst/>
               <a:gdLst>
-                <a:gd name="textAreaLeft" fmla="*/ 0 w 205560"/>
-                <a:gd name="textAreaRight" fmla="*/ 206640 w 205560"/>
-                <a:gd name="textAreaTop" fmla="*/ 0 h 411840"/>
-                <a:gd name="textAreaBottom" fmla="*/ 412920 h 411840"/>
+                <a:gd name="textAreaLeft" fmla="*/ 0 w 204840"/>
+                <a:gd name="textAreaRight" fmla="*/ 206640 w 204840"/>
+                <a:gd name="textAreaTop" fmla="*/ 0 h 411120"/>
+                <a:gd name="textAreaBottom" fmla="*/ 412920 h 411120"/>
               </a:gdLst>
               <a:ahLst/>
               <a:rect l="textAreaLeft" t="textAreaTop" r="textAreaRight" b="textAreaBottom"/>
@@ -1499,15 +1499,15 @@
           <p:spPr>
             <a:xfrm>
               <a:off x="950400" y="1079640"/>
-              <a:ext cx="411840" cy="412200"/>
+              <a:ext cx="411120" cy="411480"/>
             </a:xfrm>
             <a:custGeom>
               <a:avLst/>
               <a:gdLst>
-                <a:gd name="textAreaLeft" fmla="*/ 0 w 411840"/>
-                <a:gd name="textAreaRight" fmla="*/ 412920 w 411840"/>
-                <a:gd name="textAreaTop" fmla="*/ 0 h 412200"/>
-                <a:gd name="textAreaBottom" fmla="*/ 413280 h 412200"/>
+                <a:gd name="textAreaLeft" fmla="*/ 0 w 411120"/>
+                <a:gd name="textAreaRight" fmla="*/ 412920 w 411120"/>
+                <a:gd name="textAreaTop" fmla="*/ 0 h 411480"/>
+                <a:gd name="textAreaBottom" fmla="*/ 413280 h 411480"/>
               </a:gdLst>
               <a:ahLst/>
               <a:rect l="textAreaLeft" t="textAreaTop" r="textAreaRight" b="textAreaBottom"/>
@@ -1615,15 +1615,15 @@
           <p:spPr>
             <a:xfrm>
               <a:off x="1415160" y="1079640"/>
-              <a:ext cx="411840" cy="412200"/>
+              <a:ext cx="411120" cy="411480"/>
             </a:xfrm>
             <a:custGeom>
               <a:avLst/>
               <a:gdLst>
-                <a:gd name="textAreaLeft" fmla="*/ 0 w 411840"/>
-                <a:gd name="textAreaRight" fmla="*/ 412920 w 411840"/>
-                <a:gd name="textAreaTop" fmla="*/ 0 h 412200"/>
-                <a:gd name="textAreaBottom" fmla="*/ 413280 h 412200"/>
+                <a:gd name="textAreaLeft" fmla="*/ 0 w 411120"/>
+                <a:gd name="textAreaRight" fmla="*/ 412920 w 411120"/>
+                <a:gd name="textAreaTop" fmla="*/ 0 h 411480"/>
+                <a:gd name="textAreaBottom" fmla="*/ 413280 h 411480"/>
               </a:gdLst>
               <a:ahLst/>
               <a:rect l="textAreaLeft" t="textAreaTop" r="textAreaRight" b="textAreaBottom"/>
@@ -1717,15 +1717,15 @@
           <p:spPr>
             <a:xfrm>
               <a:off x="588960" y="976680"/>
-              <a:ext cx="308880" cy="515160"/>
+              <a:ext cx="308160" cy="514440"/>
             </a:xfrm>
             <a:custGeom>
               <a:avLst/>
               <a:gdLst>
-                <a:gd name="textAreaLeft" fmla="*/ 0 w 308880"/>
-                <a:gd name="textAreaRight" fmla="*/ 309960 w 308880"/>
-                <a:gd name="textAreaTop" fmla="*/ 0 h 515160"/>
-                <a:gd name="textAreaBottom" fmla="*/ 516240 h 515160"/>
+                <a:gd name="textAreaLeft" fmla="*/ 0 w 308160"/>
+                <a:gd name="textAreaRight" fmla="*/ 309960 w 308160"/>
+                <a:gd name="textAreaTop" fmla="*/ 0 h 514440"/>
+                <a:gd name="textAreaBottom" fmla="*/ 516240 h 514440"/>
               </a:gdLst>
               <a:ahLst/>
               <a:rect l="textAreaLeft" t="textAreaTop" r="textAreaRight" b="textAreaBottom"/>
@@ -1830,15 +1830,15 @@
           <p:spPr>
             <a:xfrm>
               <a:off x="846720" y="924480"/>
-              <a:ext cx="102960" cy="102960"/>
+              <a:ext cx="102240" cy="102240"/>
             </a:xfrm>
             <a:custGeom>
               <a:avLst/>
               <a:gdLst>
-                <a:gd name="textAreaLeft" fmla="*/ 0 w 102960"/>
-                <a:gd name="textAreaRight" fmla="*/ 104040 w 102960"/>
-                <a:gd name="textAreaTop" fmla="*/ 0 h 102960"/>
-                <a:gd name="textAreaBottom" fmla="*/ 104040 h 102960"/>
+                <a:gd name="textAreaLeft" fmla="*/ 0 w 102240"/>
+                <a:gd name="textAreaRight" fmla="*/ 104040 w 102240"/>
+                <a:gd name="textAreaTop" fmla="*/ 0 h 102240"/>
+                <a:gd name="textAreaBottom" fmla="*/ 104040 h 102240"/>
               </a:gdLst>
               <a:ahLst/>
               <a:rect l="textAreaLeft" t="textAreaTop" r="textAreaRight" b="textAreaBottom"/>
@@ -1914,15 +1914,15 @@
           <p:spPr>
             <a:xfrm>
               <a:off x="692280" y="614880"/>
-              <a:ext cx="825120" cy="522720"/>
+              <a:ext cx="824400" cy="522000"/>
             </a:xfrm>
             <a:custGeom>
               <a:avLst/>
               <a:gdLst>
-                <a:gd name="textAreaLeft" fmla="*/ 0 w 825120"/>
-                <a:gd name="textAreaRight" fmla="*/ 826200 w 825120"/>
-                <a:gd name="textAreaTop" fmla="*/ 0 h 522720"/>
-                <a:gd name="textAreaBottom" fmla="*/ 523800 h 522720"/>
+                <a:gd name="textAreaLeft" fmla="*/ 0 w 824400"/>
+                <a:gd name="textAreaRight" fmla="*/ 826200 w 824400"/>
+                <a:gd name="textAreaTop" fmla="*/ 0 h 522000"/>
+                <a:gd name="textAreaBottom" fmla="*/ 523800 h 522000"/>
               </a:gdLst>
               <a:ahLst/>
               <a:rect l="textAreaLeft" t="textAreaTop" r="textAreaRight" b="textAreaBottom"/>
@@ -2234,16 +2234,7 @@
                 </a:solidFill>
                 <a:latin typeface="Arial"/>
               </a:rPr>
-              <a:t>Для правки структуры щёлкните </a:t>
-            </a:r>
-            <a:r>
-              <a:rPr b="0" lang="ru-RU" sz="3200" spc="-1" strike="noStrike">
-                <a:solidFill>
-                  <a:srgbClr val="000000"/>
-                </a:solidFill>
-                <a:latin typeface="Arial"/>
-              </a:rPr>
-              <a:t>мышью</a:t>
+              <a:t>Для правки структуры щёлкните мышью</a:t>
             </a:r>
             <a:endParaRPr b="0" lang="ru-RU" sz="3200" spc="-1" strike="noStrike">
               <a:solidFill>
@@ -2467,7 +2458,7 @@
         <p:spPr>
           <a:xfrm>
             <a:off x="11379960" y="214560"/>
-            <a:ext cx="574200" cy="162360"/>
+            <a:ext cx="573480" cy="161640"/>
           </a:xfrm>
           <a:prstGeom prst="rect">
             <a:avLst/>
@@ -2499,7 +2490,7 @@
                 <a:tab algn="l" pos="0"/>
               </a:tabLst>
             </a:pPr>
-            <a:fld id="{81867F00-3D7E-4478-9DBE-E5A345B53DF1}" type="slidenum">
+            <a:fld id="{59DE599F-D1EE-4ECC-A4AB-429A4BC58F28}" type="slidenum">
               <a:rPr b="0" lang="ru-RU" sz="1000" spc="-1" strike="noStrike">
                 <a:solidFill>
                   <a:srgbClr val="bfbfbf"/>
@@ -2537,7 +2528,7 @@
         <p:spPr>
           <a:xfrm>
             <a:off x="442800" y="172080"/>
-            <a:ext cx="713520" cy="282960"/>
+            <a:ext cx="712800" cy="282240"/>
           </a:xfrm>
           <a:prstGeom prst="rect">
             <a:avLst/>
@@ -2556,7 +2547,7 @@
         <p:spPr>
           <a:xfrm>
             <a:off x="0" y="633960"/>
-            <a:ext cx="12192840" cy="1080"/>
+            <a:ext cx="12193560" cy="1800"/>
           </a:xfrm>
           <a:prstGeom prst="straightConnector1">
             <a:avLst/>
@@ -2625,7 +2616,7 @@
         <p:spPr>
           <a:xfrm>
             <a:off x="442800" y="172080"/>
-            <a:ext cx="713520" cy="282960"/>
+            <a:ext cx="712800" cy="282240"/>
           </a:xfrm>
           <a:prstGeom prst="rect">
             <a:avLst/>
@@ -2680,7 +2671,7 @@
         <p:spPr>
           <a:xfrm>
             <a:off x="11379960" y="214560"/>
-            <a:ext cx="574200" cy="162360"/>
+            <a:ext cx="573480" cy="161640"/>
           </a:xfrm>
           <a:prstGeom prst="rect">
             <a:avLst/>
@@ -2712,7 +2703,7 @@
                 <a:tab algn="l" pos="0"/>
               </a:tabLst>
             </a:pPr>
-            <a:fld id="{05650F06-134C-4721-80EF-6A27D9C64AA5}" type="slidenum">
+            <a:fld id="{11AC5FB9-C6A5-43B4-AAB2-031543BF753F}" type="slidenum">
               <a:rPr b="0" lang="ru-RU" sz="1000" spc="-1" strike="noStrike">
                 <a:solidFill>
                   <a:srgbClr val="bfbfbf"/>
@@ -2750,7 +2741,7 @@
         <p:spPr>
           <a:xfrm>
             <a:off x="442800" y="172080"/>
-            <a:ext cx="713520" cy="282960"/>
+            <a:ext cx="712800" cy="282240"/>
           </a:xfrm>
           <a:prstGeom prst="rect">
             <a:avLst/>
@@ -2769,7 +2760,7 @@
         <p:spPr>
           <a:xfrm>
             <a:off x="0" y="633960"/>
-            <a:ext cx="12192840" cy="1080"/>
+            <a:ext cx="12193560" cy="1800"/>
           </a:xfrm>
           <a:prstGeom prst="straightConnector1">
             <a:avLst/>
@@ -2798,7 +2789,7 @@
         <p:spPr>
           <a:xfrm>
             <a:off x="0" y="0"/>
-            <a:ext cx="12156840" cy="6856920"/>
+            <a:ext cx="12156120" cy="6856200"/>
           </a:xfrm>
           <a:prstGeom prst="rect">
             <a:avLst/>
@@ -2864,7 +2855,7 @@
         <p:spPr>
           <a:xfrm>
             <a:off x="442800" y="172080"/>
-            <a:ext cx="713520" cy="282960"/>
+            <a:ext cx="712800" cy="282240"/>
           </a:xfrm>
           <a:prstGeom prst="rect">
             <a:avLst/>
@@ -2916,7 +2907,7 @@
         <p:spPr>
           <a:xfrm>
             <a:off x="11379960" y="214560"/>
-            <a:ext cx="574200" cy="162360"/>
+            <a:ext cx="573480" cy="161640"/>
           </a:xfrm>
           <a:prstGeom prst="rect">
             <a:avLst/>
@@ -2948,7 +2939,7 @@
                 <a:tab algn="l" pos="0"/>
               </a:tabLst>
             </a:pPr>
-            <a:fld id="{71B3CE0A-A1DE-4435-AD60-4F938F2F0309}" type="slidenum">
+            <a:fld id="{FADBEE6F-270D-4FFA-B4E5-B1FB39DE3D63}" type="slidenum">
               <a:rPr b="0" lang="ru-RU" sz="1000" spc="-1" strike="noStrike">
                 <a:solidFill>
                   <a:srgbClr val="bfbfbf"/>
@@ -2986,7 +2977,7 @@
         <p:spPr>
           <a:xfrm>
             <a:off x="442800" y="172080"/>
-            <a:ext cx="713520" cy="282960"/>
+            <a:ext cx="712800" cy="282240"/>
           </a:xfrm>
           <a:prstGeom prst="rect">
             <a:avLst/>
@@ -3005,7 +2996,7 @@
         <p:spPr>
           <a:xfrm>
             <a:off x="0" y="633960"/>
-            <a:ext cx="12192840" cy="1080"/>
+            <a:ext cx="12193560" cy="1800"/>
           </a:xfrm>
           <a:prstGeom prst="straightConnector1">
             <a:avLst/>
@@ -3027,9 +3018,9 @@
         <p:grpSpPr>
           <a:xfrm>
             <a:off x="588960" y="614160"/>
-            <a:ext cx="1468080" cy="579600"/>
+            <a:ext cx="1467360" cy="578880"/>
             <a:chOff x="588960" y="614160"/>
-            <a:chExt cx="1468080" cy="579600"/>
+            <a:chExt cx="1467360" cy="578880"/>
           </a:xfrm>
         </p:grpSpPr>
         <p:sp>
@@ -3041,15 +3032,15 @@
           <p:spPr>
             <a:xfrm>
               <a:off x="1443240" y="853200"/>
-              <a:ext cx="135720" cy="340560"/>
+              <a:ext cx="135000" cy="339840"/>
             </a:xfrm>
             <a:custGeom>
               <a:avLst/>
               <a:gdLst>
-                <a:gd name="textAreaLeft" fmla="*/ 0 w 135720"/>
-                <a:gd name="textAreaRight" fmla="*/ 136800 w 135720"/>
-                <a:gd name="textAreaTop" fmla="*/ 0 h 340560"/>
-                <a:gd name="textAreaBottom" fmla="*/ 341640 h 340560"/>
+                <a:gd name="textAreaLeft" fmla="*/ 0 w 135000"/>
+                <a:gd name="textAreaRight" fmla="*/ 136800 w 135000"/>
+                <a:gd name="textAreaTop" fmla="*/ 0 h 339840"/>
+                <a:gd name="textAreaBottom" fmla="*/ 341640 h 339840"/>
               </a:gdLst>
               <a:ahLst/>
               <a:rect l="textAreaLeft" t="textAreaTop" r="textAreaRight" b="textAreaBottom"/>
@@ -3140,15 +3131,15 @@
           <p:spPr>
             <a:xfrm>
               <a:off x="1613880" y="921600"/>
-              <a:ext cx="272160" cy="272160"/>
+              <a:ext cx="271440" cy="271440"/>
             </a:xfrm>
             <a:custGeom>
               <a:avLst/>
               <a:gdLst>
-                <a:gd name="textAreaLeft" fmla="*/ 0 w 272160"/>
-                <a:gd name="textAreaRight" fmla="*/ 273240 w 272160"/>
-                <a:gd name="textAreaTop" fmla="*/ 0 h 272160"/>
-                <a:gd name="textAreaBottom" fmla="*/ 273240 h 272160"/>
+                <a:gd name="textAreaLeft" fmla="*/ 0 w 271440"/>
+                <a:gd name="textAreaRight" fmla="*/ 273240 w 271440"/>
+                <a:gd name="textAreaTop" fmla="*/ 0 h 271440"/>
+                <a:gd name="textAreaBottom" fmla="*/ 273240 h 271440"/>
               </a:gdLst>
               <a:ahLst/>
               <a:rect l="textAreaLeft" t="textAreaTop" r="textAreaRight" b="textAreaBottom"/>
@@ -3247,15 +3238,15 @@
           <p:spPr>
             <a:xfrm>
               <a:off x="1921320" y="921600"/>
-              <a:ext cx="135720" cy="272160"/>
+              <a:ext cx="135000" cy="271440"/>
             </a:xfrm>
             <a:custGeom>
               <a:avLst/>
               <a:gdLst>
-                <a:gd name="textAreaLeft" fmla="*/ 0 w 135720"/>
-                <a:gd name="textAreaRight" fmla="*/ 136800 w 135720"/>
-                <a:gd name="textAreaTop" fmla="*/ 0 h 272160"/>
-                <a:gd name="textAreaBottom" fmla="*/ 273240 h 272160"/>
+                <a:gd name="textAreaLeft" fmla="*/ 0 w 135000"/>
+                <a:gd name="textAreaRight" fmla="*/ 136800 w 135000"/>
+                <a:gd name="textAreaTop" fmla="*/ 0 h 271440"/>
+                <a:gd name="textAreaBottom" fmla="*/ 273240 h 271440"/>
               </a:gdLst>
               <a:ahLst/>
               <a:rect l="textAreaLeft" t="textAreaTop" r="textAreaRight" b="textAreaBottom"/>
@@ -3333,15 +3324,15 @@
           <p:spPr>
             <a:xfrm>
               <a:off x="828000" y="921600"/>
-              <a:ext cx="272160" cy="272160"/>
+              <a:ext cx="271440" cy="271440"/>
             </a:xfrm>
             <a:custGeom>
               <a:avLst/>
               <a:gdLst>
-                <a:gd name="textAreaLeft" fmla="*/ 0 w 272160"/>
-                <a:gd name="textAreaRight" fmla="*/ 273240 w 272160"/>
-                <a:gd name="textAreaTop" fmla="*/ 0 h 272160"/>
-                <a:gd name="textAreaBottom" fmla="*/ 273240 h 272160"/>
+                <a:gd name="textAreaLeft" fmla="*/ 0 w 271440"/>
+                <a:gd name="textAreaRight" fmla="*/ 273240 w 271440"/>
+                <a:gd name="textAreaTop" fmla="*/ 0 h 271440"/>
+                <a:gd name="textAreaBottom" fmla="*/ 273240 h 271440"/>
               </a:gdLst>
               <a:ahLst/>
               <a:rect l="textAreaLeft" t="textAreaTop" r="textAreaRight" b="textAreaBottom"/>
@@ -3449,15 +3440,15 @@
           <p:spPr>
             <a:xfrm>
               <a:off x="1135440" y="921600"/>
-              <a:ext cx="272160" cy="272160"/>
+              <a:ext cx="271440" cy="271440"/>
             </a:xfrm>
             <a:custGeom>
               <a:avLst/>
               <a:gdLst>
-                <a:gd name="textAreaLeft" fmla="*/ 0 w 272160"/>
-                <a:gd name="textAreaRight" fmla="*/ 273240 w 272160"/>
-                <a:gd name="textAreaTop" fmla="*/ 0 h 272160"/>
-                <a:gd name="textAreaBottom" fmla="*/ 273240 h 272160"/>
+                <a:gd name="textAreaLeft" fmla="*/ 0 w 271440"/>
+                <a:gd name="textAreaRight" fmla="*/ 273240 w 271440"/>
+                <a:gd name="textAreaTop" fmla="*/ 0 h 271440"/>
+                <a:gd name="textAreaBottom" fmla="*/ 273240 h 271440"/>
               </a:gdLst>
               <a:ahLst/>
               <a:rect l="textAreaLeft" t="textAreaTop" r="textAreaRight" b="textAreaBottom"/>
@@ -3551,15 +3542,15 @@
           <p:spPr>
             <a:xfrm>
               <a:off x="588960" y="853200"/>
-              <a:ext cx="203760" cy="340560"/>
+              <a:ext cx="203040" cy="339840"/>
             </a:xfrm>
             <a:custGeom>
               <a:avLst/>
               <a:gdLst>
-                <a:gd name="textAreaLeft" fmla="*/ 0 w 203760"/>
-                <a:gd name="textAreaRight" fmla="*/ 204840 w 203760"/>
-                <a:gd name="textAreaTop" fmla="*/ 0 h 340560"/>
-                <a:gd name="textAreaBottom" fmla="*/ 341640 h 340560"/>
+                <a:gd name="textAreaLeft" fmla="*/ 0 w 203040"/>
+                <a:gd name="textAreaRight" fmla="*/ 204840 w 203040"/>
+                <a:gd name="textAreaTop" fmla="*/ 0 h 339840"/>
+                <a:gd name="textAreaBottom" fmla="*/ 341640 h 339840"/>
               </a:gdLst>
               <a:ahLst/>
               <a:rect l="textAreaLeft" t="textAreaTop" r="textAreaRight" b="textAreaBottom"/>
@@ -3664,15 +3655,15 @@
           <p:spPr>
             <a:xfrm>
               <a:off x="759600" y="819000"/>
-              <a:ext cx="67680" cy="67680"/>
+              <a:ext cx="66960" cy="66960"/>
             </a:xfrm>
             <a:custGeom>
               <a:avLst/>
               <a:gdLst>
-                <a:gd name="textAreaLeft" fmla="*/ 0 w 67680"/>
-                <a:gd name="textAreaRight" fmla="*/ 68760 w 67680"/>
-                <a:gd name="textAreaTop" fmla="*/ 0 h 67680"/>
-                <a:gd name="textAreaBottom" fmla="*/ 68760 h 67680"/>
+                <a:gd name="textAreaLeft" fmla="*/ 0 w 66960"/>
+                <a:gd name="textAreaRight" fmla="*/ 68760 w 66960"/>
+                <a:gd name="textAreaTop" fmla="*/ 0 h 66960"/>
+                <a:gd name="textAreaBottom" fmla="*/ 68760 h 66960"/>
               </a:gdLst>
               <a:ahLst/>
               <a:rect l="textAreaLeft" t="textAreaTop" r="textAreaRight" b="textAreaBottom"/>
@@ -3748,15 +3739,15 @@
           <p:spPr>
             <a:xfrm>
               <a:off x="657360" y="614160"/>
-              <a:ext cx="545400" cy="345240"/>
+              <a:ext cx="544680" cy="344520"/>
             </a:xfrm>
             <a:custGeom>
               <a:avLst/>
               <a:gdLst>
-                <a:gd name="textAreaLeft" fmla="*/ 0 w 545400"/>
-                <a:gd name="textAreaRight" fmla="*/ 546480 w 545400"/>
-                <a:gd name="textAreaTop" fmla="*/ 0 h 345240"/>
-                <a:gd name="textAreaBottom" fmla="*/ 346320 h 345240"/>
+                <a:gd name="textAreaLeft" fmla="*/ 0 w 544680"/>
+                <a:gd name="textAreaRight" fmla="*/ 546480 w 544680"/>
+                <a:gd name="textAreaTop" fmla="*/ 0 h 344520"/>
+                <a:gd name="textAreaBottom" fmla="*/ 346320 h 344520"/>
               </a:gdLst>
               <a:ahLst/>
               <a:rect l="textAreaLeft" t="textAreaTop" r="textAreaRight" b="textAreaBottom"/>
@@ -4057,7 +4048,7 @@
         <p:spPr>
           <a:xfrm>
             <a:off x="11379960" y="214560"/>
-            <a:ext cx="574200" cy="162360"/>
+            <a:ext cx="573480" cy="161640"/>
           </a:xfrm>
           <a:prstGeom prst="rect">
             <a:avLst/>
@@ -4089,7 +4080,7 @@
                 <a:tab algn="l" pos="0"/>
               </a:tabLst>
             </a:pPr>
-            <a:fld id="{2FB75F0E-D625-438F-87D8-E63D6FD29AFE}" type="slidenum">
+            <a:fld id="{A216D2F4-74E4-4AB0-804A-3496DEA999A8}" type="slidenum">
               <a:rPr b="0" lang="ru-RU" sz="1000" spc="-1" strike="noStrike">
                 <a:solidFill>
                   <a:srgbClr val="bfbfbf"/>
@@ -4127,7 +4118,7 @@
         <p:spPr>
           <a:xfrm>
             <a:off x="442800" y="172080"/>
-            <a:ext cx="713520" cy="282960"/>
+            <a:ext cx="712800" cy="282240"/>
           </a:xfrm>
           <a:prstGeom prst="rect">
             <a:avLst/>
@@ -4146,7 +4137,7 @@
         <p:spPr>
           <a:xfrm>
             <a:off x="0" y="633960"/>
-            <a:ext cx="12192840" cy="1080"/>
+            <a:ext cx="12193560" cy="1800"/>
           </a:xfrm>
           <a:prstGeom prst="straightConnector1">
             <a:avLst/>
@@ -4171,8 +4162,8 @@
         </p:blipFill>
         <p:spPr>
           <a:xfrm flipH="1" rot="5400000">
-            <a:off x="2667600" y="-2683800"/>
-            <a:ext cx="6858000" cy="12192480"/>
+            <a:off x="2668320" y="-2683080"/>
+            <a:ext cx="6857280" cy="12191760"/>
           </a:xfrm>
           <a:prstGeom prst="rect">
             <a:avLst/>
@@ -4195,8 +4186,8 @@
         </p:blipFill>
         <p:spPr>
           <a:xfrm flipH="1">
-            <a:off x="10521720" y="5103000"/>
-            <a:ext cx="1670400" cy="1766520"/>
+            <a:off x="10522440" y="5103000"/>
+            <a:ext cx="1669680" cy="1765800"/>
           </a:xfrm>
           <a:prstGeom prst="rect">
             <a:avLst/>
@@ -4219,7 +4210,7 @@
         <p:spPr>
           <a:xfrm>
             <a:off x="588960" y="614880"/>
-            <a:ext cx="1458000" cy="578880"/>
+            <a:ext cx="1457280" cy="578160"/>
           </a:xfrm>
           <a:prstGeom prst="rect">
             <a:avLst/>
@@ -4274,7 +4265,7 @@
         <p:spPr>
           <a:xfrm>
             <a:off x="11379960" y="214560"/>
-            <a:ext cx="574200" cy="162360"/>
+            <a:ext cx="573480" cy="161640"/>
           </a:xfrm>
           <a:prstGeom prst="rect">
             <a:avLst/>
@@ -4306,7 +4297,7 @@
                 <a:tab algn="l" pos="0"/>
               </a:tabLst>
             </a:pPr>
-            <a:fld id="{9239D9F8-97D5-403D-B8D4-42AF8369A566}" type="slidenum">
+            <a:fld id="{E58A344A-65DA-4EA0-B69E-7F0C64770163}" type="slidenum">
               <a:rPr b="0" lang="ru-RU" sz="1000" spc="-1" strike="noStrike">
                 <a:solidFill>
                   <a:srgbClr val="bfbfbf"/>
@@ -4344,7 +4335,7 @@
         <p:spPr>
           <a:xfrm>
             <a:off x="442800" y="172080"/>
-            <a:ext cx="713520" cy="282960"/>
+            <a:ext cx="712800" cy="282240"/>
           </a:xfrm>
           <a:prstGeom prst="rect">
             <a:avLst/>
@@ -4363,7 +4354,7 @@
         <p:spPr>
           <a:xfrm>
             <a:off x="0" y="633960"/>
-            <a:ext cx="12192840" cy="1080"/>
+            <a:ext cx="12193560" cy="1800"/>
           </a:xfrm>
           <a:prstGeom prst="straightConnector1">
             <a:avLst/>
@@ -4389,8 +4380,8 @@
         </p:blipFill>
         <p:spPr>
           <a:xfrm flipH="1">
-            <a:off x="10521720" y="5103000"/>
-            <a:ext cx="1670400" cy="1766520"/>
+            <a:off x="10522440" y="5103000"/>
+            <a:ext cx="1669680" cy="1765800"/>
           </a:xfrm>
           <a:prstGeom prst="rect">
             <a:avLst/>
@@ -4413,7 +4404,7 @@
         <p:spPr>
           <a:xfrm>
             <a:off x="588960" y="614880"/>
-            <a:ext cx="1458000" cy="578880"/>
+            <a:ext cx="1457280" cy="578160"/>
           </a:xfrm>
           <a:prstGeom prst="rect">
             <a:avLst/>
@@ -4468,7 +4459,7 @@
         <p:spPr>
           <a:xfrm>
             <a:off x="11379960" y="214560"/>
-            <a:ext cx="574200" cy="162360"/>
+            <a:ext cx="573480" cy="161640"/>
           </a:xfrm>
           <a:prstGeom prst="rect">
             <a:avLst/>
@@ -4500,7 +4491,7 @@
                 <a:tab algn="l" pos="0"/>
               </a:tabLst>
             </a:pPr>
-            <a:fld id="{4E4ABDEC-4DF1-4FE5-9257-01705E1702EF}" type="slidenum">
+            <a:fld id="{6C2F72FC-29EB-445F-897D-CF842568A58E}" type="slidenum">
               <a:rPr b="0" lang="ru-RU" sz="1000" spc="-1" strike="noStrike">
                 <a:solidFill>
                   <a:srgbClr val="bfbfbf"/>
@@ -4538,7 +4529,7 @@
         <p:spPr>
           <a:xfrm>
             <a:off x="442800" y="172080"/>
-            <a:ext cx="713520" cy="282960"/>
+            <a:ext cx="712800" cy="282240"/>
           </a:xfrm>
           <a:prstGeom prst="rect">
             <a:avLst/>
@@ -4557,7 +4548,7 @@
         <p:spPr>
           <a:xfrm>
             <a:off x="0" y="633960"/>
-            <a:ext cx="12192840" cy="1080"/>
+            <a:ext cx="12193560" cy="1800"/>
           </a:xfrm>
           <a:prstGeom prst="straightConnector1">
             <a:avLst/>
@@ -4624,8 +4615,8 @@
         </p:blipFill>
         <p:spPr>
           <a:xfrm rot="16200000">
-            <a:off x="2781720" y="4511520"/>
-            <a:ext cx="1670400" cy="1766520"/>
+            <a:off x="2781720" y="4512240"/>
+            <a:ext cx="1669680" cy="1765800"/>
           </a:xfrm>
           <a:prstGeom prst="rect">
             <a:avLst/>
@@ -4650,7 +4641,7 @@
         <p:spPr>
           <a:xfrm>
             <a:off x="442800" y="172080"/>
-            <a:ext cx="713520" cy="282960"/>
+            <a:ext cx="712800" cy="282240"/>
           </a:xfrm>
           <a:prstGeom prst="rect">
             <a:avLst/>
@@ -5061,7 +5052,7 @@
         <p:spPr>
           <a:xfrm>
             <a:off x="11379960" y="214560"/>
-            <a:ext cx="574200" cy="162360"/>
+            <a:ext cx="573480" cy="161640"/>
           </a:xfrm>
           <a:prstGeom prst="rect">
             <a:avLst/>
@@ -5093,7 +5084,7 @@
                 <a:tab algn="l" pos="0"/>
               </a:tabLst>
             </a:pPr>
-            <a:fld id="{E61DC10D-470E-43A1-AE84-215FA7101C8A}" type="slidenum">
+            <a:fld id="{AF0B1FCF-6B58-4BB1-ACF8-5B41E9E2F663}" type="slidenum">
               <a:rPr b="0" lang="ru-RU" sz="1000" spc="-1" strike="noStrike">
                 <a:solidFill>
                   <a:srgbClr val="bfbfbf"/>
@@ -5131,7 +5122,7 @@
         <p:spPr>
           <a:xfrm>
             <a:off x="442800" y="172080"/>
-            <a:ext cx="713520" cy="282960"/>
+            <a:ext cx="712800" cy="282240"/>
           </a:xfrm>
           <a:prstGeom prst="rect">
             <a:avLst/>
@@ -5150,7 +5141,7 @@
         <p:spPr>
           <a:xfrm>
             <a:off x="0" y="633960"/>
-            <a:ext cx="12192840" cy="1080"/>
+            <a:ext cx="12193560" cy="1800"/>
           </a:xfrm>
           <a:prstGeom prst="straightConnector1">
             <a:avLst/>
@@ -5219,7 +5210,7 @@
         <p:spPr>
           <a:xfrm>
             <a:off x="599040" y="614880"/>
-            <a:ext cx="2207520" cy="876600"/>
+            <a:ext cx="2206800" cy="875880"/>
           </a:xfrm>
           <a:prstGeom prst="rect">
             <a:avLst/>
@@ -5290,8 +5281,8 @@
         </p:blipFill>
         <p:spPr>
           <a:xfrm flipH="1" rot="10800000">
-            <a:off x="10570680" y="1080"/>
-            <a:ext cx="1620360" cy="3427920"/>
+            <a:off x="10570680" y="1800"/>
+            <a:ext cx="1619640" cy="3427200"/>
           </a:xfrm>
           <a:prstGeom prst="rect">
             <a:avLst/>
@@ -5319,8 +5310,8 @@
         </p:blipFill>
         <p:spPr>
           <a:xfrm flipH="1">
-            <a:off x="10571760" y="3429000"/>
-            <a:ext cx="1620360" cy="3427920"/>
+            <a:off x="10572480" y="3429000"/>
+            <a:ext cx="1619640" cy="3427200"/>
           </a:xfrm>
           <a:prstGeom prst="rect">
             <a:avLst/>
@@ -5487,7 +5478,7 @@
         <p:spPr>
           <a:xfrm>
             <a:off x="482760" y="4313880"/>
-            <a:ext cx="2077200" cy="2077200"/>
+            <a:ext cx="2076480" cy="2076480"/>
           </a:xfrm>
           <a:prstGeom prst="rect">
             <a:avLst/>
@@ -5539,7 +5530,7 @@
         <p:spPr>
           <a:xfrm>
             <a:off x="11379960" y="214560"/>
-            <a:ext cx="574200" cy="162360"/>
+            <a:ext cx="573480" cy="161640"/>
           </a:xfrm>
           <a:prstGeom prst="rect">
             <a:avLst/>
@@ -5571,7 +5562,7 @@
                 <a:tab algn="l" pos="0"/>
               </a:tabLst>
             </a:pPr>
-            <a:fld id="{451F6B4E-B389-419D-B24E-E4ECBD21403F}" type="slidenum">
+            <a:fld id="{8AD1B334-E09B-4C19-8B18-6611A89A13FE}" type="slidenum">
               <a:rPr b="0" lang="ru-RU" sz="1000" spc="-1" strike="noStrike">
                 <a:solidFill>
                   <a:srgbClr val="bfbfbf"/>
@@ -5609,7 +5600,7 @@
         <p:spPr>
           <a:xfrm>
             <a:off x="442800" y="172080"/>
-            <a:ext cx="713520" cy="282960"/>
+            <a:ext cx="712800" cy="282240"/>
           </a:xfrm>
           <a:prstGeom prst="rect">
             <a:avLst/>
@@ -5628,7 +5619,7 @@
         <p:spPr>
           <a:xfrm>
             <a:off x="0" y="633960"/>
-            <a:ext cx="12192840" cy="1080"/>
+            <a:ext cx="12193560" cy="1800"/>
           </a:xfrm>
           <a:prstGeom prst="straightConnector1">
             <a:avLst/>
@@ -5654,7 +5645,7 @@
         <p:spPr>
           <a:xfrm>
             <a:off x="442800" y="6343920"/>
-            <a:ext cx="7662960" cy="235080"/>
+            <a:ext cx="7662240" cy="234360"/>
           </a:xfrm>
           <a:prstGeom prst="rect">
             <a:avLst/>
@@ -6029,7 +6020,7 @@
         <p:spPr>
           <a:xfrm>
             <a:off x="11379960" y="214560"/>
-            <a:ext cx="574200" cy="162360"/>
+            <a:ext cx="573480" cy="161640"/>
           </a:xfrm>
           <a:prstGeom prst="rect">
             <a:avLst/>
@@ -6061,7 +6052,7 @@
                 <a:tab algn="l" pos="0"/>
               </a:tabLst>
             </a:pPr>
-            <a:fld id="{4C834D65-5867-4C2A-B639-0A359625BC03}" type="slidenum">
+            <a:fld id="{80F3ADB6-287F-4702-B59E-D071B936D1BD}" type="slidenum">
               <a:rPr b="0" lang="ru-RU" sz="1000" spc="-1" strike="noStrike">
                 <a:solidFill>
                   <a:srgbClr val="bfbfbf"/>
@@ -6099,7 +6090,7 @@
         <p:spPr>
           <a:xfrm>
             <a:off x="442800" y="172080"/>
-            <a:ext cx="713520" cy="282960"/>
+            <a:ext cx="712800" cy="282240"/>
           </a:xfrm>
           <a:prstGeom prst="rect">
             <a:avLst/>
@@ -6118,7 +6109,7 @@
         <p:spPr>
           <a:xfrm>
             <a:off x="0" y="633960"/>
-            <a:ext cx="12192840" cy="1080"/>
+            <a:ext cx="12193560" cy="1800"/>
           </a:xfrm>
           <a:prstGeom prst="straightConnector1">
             <a:avLst/>
@@ -6144,7 +6135,7 @@
         <p:spPr>
           <a:xfrm>
             <a:off x="442800" y="6343920"/>
-            <a:ext cx="7662960" cy="235080"/>
+            <a:ext cx="7662240" cy="234360"/>
           </a:xfrm>
           <a:prstGeom prst="rect">
             <a:avLst/>
@@ -6245,7 +6236,7 @@
         <p:spPr>
           <a:xfrm>
             <a:off x="11379960" y="214560"/>
-            <a:ext cx="574200" cy="162360"/>
+            <a:ext cx="573480" cy="161640"/>
           </a:xfrm>
           <a:prstGeom prst="rect">
             <a:avLst/>
@@ -6277,7 +6268,7 @@
                 <a:tab algn="l" pos="0"/>
               </a:tabLst>
             </a:pPr>
-            <a:fld id="{A83DC4E2-EA01-41D5-AB1F-493722CA5F67}" type="slidenum">
+            <a:fld id="{0ED6F6A3-F789-4125-A174-B3A6DCC0BD19}" type="slidenum">
               <a:rPr b="0" lang="ru-RU" sz="1000" spc="-1" strike="noStrike">
                 <a:solidFill>
                   <a:srgbClr val="bfbfbf"/>
@@ -6315,7 +6306,7 @@
         <p:spPr>
           <a:xfrm>
             <a:off x="442800" y="172080"/>
-            <a:ext cx="713520" cy="282960"/>
+            <a:ext cx="712800" cy="282240"/>
           </a:xfrm>
           <a:prstGeom prst="rect">
             <a:avLst/>
@@ -6334,7 +6325,7 @@
         <p:spPr>
           <a:xfrm>
             <a:off x="0" y="633960"/>
-            <a:ext cx="12192840" cy="1080"/>
+            <a:ext cx="12193560" cy="1800"/>
           </a:xfrm>
           <a:prstGeom prst="straightConnector1">
             <a:avLst/>
@@ -6389,7 +6380,7 @@
         <p:spPr>
           <a:xfrm>
             <a:off x="11379960" y="214560"/>
-            <a:ext cx="574200" cy="162360"/>
+            <a:ext cx="573480" cy="161640"/>
           </a:xfrm>
           <a:prstGeom prst="rect">
             <a:avLst/>
@@ -6421,7 +6412,7 @@
                 <a:tab algn="l" pos="0"/>
               </a:tabLst>
             </a:pPr>
-            <a:fld id="{779A008A-67E8-434F-94FB-B006A32A46A9}" type="slidenum">
+            <a:fld id="{EAFC3CEA-818C-4D20-B948-55F2FBE4B270}" type="slidenum">
               <a:rPr b="0" lang="ru-RU" sz="1000" spc="-1" strike="noStrike">
                 <a:solidFill>
                   <a:srgbClr val="bfbfbf"/>
@@ -6459,7 +6450,7 @@
         <p:spPr>
           <a:xfrm>
             <a:off x="442800" y="172080"/>
-            <a:ext cx="713520" cy="282960"/>
+            <a:ext cx="712800" cy="282240"/>
           </a:xfrm>
           <a:prstGeom prst="rect">
             <a:avLst/>
@@ -6478,7 +6469,7 @@
         <p:spPr>
           <a:xfrm>
             <a:off x="0" y="633960"/>
-            <a:ext cx="12192840" cy="1080"/>
+            <a:ext cx="12193560" cy="1800"/>
           </a:xfrm>
           <a:prstGeom prst="straightConnector1">
             <a:avLst/>
@@ -6552,8 +6543,8 @@
         </p:blipFill>
         <p:spPr>
           <a:xfrm flipH="1" rot="10800000">
-            <a:off x="10570680" y="1080"/>
-            <a:ext cx="1620360" cy="3427920"/>
+            <a:off x="10570680" y="1800"/>
+            <a:ext cx="1619640" cy="3427200"/>
           </a:xfrm>
           <a:prstGeom prst="rect">
             <a:avLst/>
@@ -6581,8 +6572,8 @@
         </p:blipFill>
         <p:spPr>
           <a:xfrm flipH="1">
-            <a:off x="10571760" y="3429000"/>
-            <a:ext cx="1620360" cy="3427920"/>
+            <a:off x="10572480" y="3429000"/>
+            <a:ext cx="1619640" cy="3427200"/>
           </a:xfrm>
           <a:prstGeom prst="rect">
             <a:avLst/>
@@ -6702,9 +6693,9 @@
         <p:grpSpPr>
           <a:xfrm>
             <a:off x="588960" y="614880"/>
-            <a:ext cx="2219400" cy="876960"/>
+            <a:ext cx="2218680" cy="876240"/>
             <a:chOff x="588960" y="614880"/>
-            <a:chExt cx="2219400" cy="876960"/>
+            <a:chExt cx="2218680" cy="876240"/>
           </a:xfrm>
         </p:grpSpPr>
         <p:sp>
@@ -6716,15 +6707,15 @@
           <p:spPr>
             <a:xfrm>
               <a:off x="1879920" y="976320"/>
-              <a:ext cx="205560" cy="515160"/>
+              <a:ext cx="204840" cy="514440"/>
             </a:xfrm>
             <a:custGeom>
               <a:avLst/>
               <a:gdLst>
-                <a:gd name="textAreaLeft" fmla="*/ 0 w 205560"/>
-                <a:gd name="textAreaRight" fmla="*/ 206640 w 205560"/>
-                <a:gd name="textAreaTop" fmla="*/ 0 h 515160"/>
-                <a:gd name="textAreaBottom" fmla="*/ 516240 h 515160"/>
+                <a:gd name="textAreaLeft" fmla="*/ 0 w 204840"/>
+                <a:gd name="textAreaRight" fmla="*/ 206640 w 204840"/>
+                <a:gd name="textAreaTop" fmla="*/ 0 h 514440"/>
+                <a:gd name="textAreaBottom" fmla="*/ 516240 h 514440"/>
               </a:gdLst>
               <a:ahLst/>
               <a:rect l="textAreaLeft" t="textAreaTop" r="textAreaRight" b="textAreaBottom"/>
@@ -6815,15 +6806,15 @@
           <p:spPr>
             <a:xfrm>
               <a:off x="2138040" y="1079640"/>
-              <a:ext cx="412200" cy="412200"/>
+              <a:ext cx="411480" cy="411480"/>
             </a:xfrm>
             <a:custGeom>
               <a:avLst/>
               <a:gdLst>
-                <a:gd name="textAreaLeft" fmla="*/ 0 w 412200"/>
-                <a:gd name="textAreaRight" fmla="*/ 413280 w 412200"/>
-                <a:gd name="textAreaTop" fmla="*/ 0 h 412200"/>
-                <a:gd name="textAreaBottom" fmla="*/ 413280 h 412200"/>
+                <a:gd name="textAreaLeft" fmla="*/ 0 w 411480"/>
+                <a:gd name="textAreaRight" fmla="*/ 413280 w 411480"/>
+                <a:gd name="textAreaTop" fmla="*/ 0 h 411480"/>
+                <a:gd name="textAreaBottom" fmla="*/ 413280 h 411480"/>
               </a:gdLst>
               <a:ahLst/>
               <a:rect l="textAreaLeft" t="textAreaTop" r="textAreaRight" b="textAreaBottom"/>
@@ -6922,15 +6913,15 @@
           <p:spPr>
             <a:xfrm>
               <a:off x="2602800" y="1080000"/>
-              <a:ext cx="205560" cy="411840"/>
+              <a:ext cx="204840" cy="411120"/>
             </a:xfrm>
             <a:custGeom>
               <a:avLst/>
               <a:gdLst>
-                <a:gd name="textAreaLeft" fmla="*/ 0 w 205560"/>
-                <a:gd name="textAreaRight" fmla="*/ 206640 w 205560"/>
-                <a:gd name="textAreaTop" fmla="*/ 0 h 411840"/>
-                <a:gd name="textAreaBottom" fmla="*/ 412920 h 411840"/>
+                <a:gd name="textAreaLeft" fmla="*/ 0 w 204840"/>
+                <a:gd name="textAreaRight" fmla="*/ 206640 w 204840"/>
+                <a:gd name="textAreaTop" fmla="*/ 0 h 411120"/>
+                <a:gd name="textAreaBottom" fmla="*/ 412920 h 411120"/>
               </a:gdLst>
               <a:ahLst/>
               <a:rect l="textAreaLeft" t="textAreaTop" r="textAreaRight" b="textAreaBottom"/>
@@ -7008,15 +6999,15 @@
           <p:spPr>
             <a:xfrm>
               <a:off x="950400" y="1079640"/>
-              <a:ext cx="411840" cy="412200"/>
+              <a:ext cx="411120" cy="411480"/>
             </a:xfrm>
             <a:custGeom>
               <a:avLst/>
               <a:gdLst>
-                <a:gd name="textAreaLeft" fmla="*/ 0 w 411840"/>
-                <a:gd name="textAreaRight" fmla="*/ 412920 w 411840"/>
-                <a:gd name="textAreaTop" fmla="*/ 0 h 412200"/>
-                <a:gd name="textAreaBottom" fmla="*/ 413280 h 412200"/>
+                <a:gd name="textAreaLeft" fmla="*/ 0 w 411120"/>
+                <a:gd name="textAreaRight" fmla="*/ 412920 w 411120"/>
+                <a:gd name="textAreaTop" fmla="*/ 0 h 411480"/>
+                <a:gd name="textAreaBottom" fmla="*/ 413280 h 411480"/>
               </a:gdLst>
               <a:ahLst/>
               <a:rect l="textAreaLeft" t="textAreaTop" r="textAreaRight" b="textAreaBottom"/>
@@ -7124,15 +7115,15 @@
           <p:spPr>
             <a:xfrm>
               <a:off x="1415160" y="1079640"/>
-              <a:ext cx="411840" cy="412200"/>
+              <a:ext cx="411120" cy="411480"/>
             </a:xfrm>
             <a:custGeom>
               <a:avLst/>
               <a:gdLst>
-                <a:gd name="textAreaLeft" fmla="*/ 0 w 411840"/>
-                <a:gd name="textAreaRight" fmla="*/ 412920 w 411840"/>
-                <a:gd name="textAreaTop" fmla="*/ 0 h 412200"/>
-                <a:gd name="textAreaBottom" fmla="*/ 413280 h 412200"/>
+                <a:gd name="textAreaLeft" fmla="*/ 0 w 411120"/>
+                <a:gd name="textAreaRight" fmla="*/ 412920 w 411120"/>
+                <a:gd name="textAreaTop" fmla="*/ 0 h 411480"/>
+                <a:gd name="textAreaBottom" fmla="*/ 413280 h 411480"/>
               </a:gdLst>
               <a:ahLst/>
               <a:rect l="textAreaLeft" t="textAreaTop" r="textAreaRight" b="textAreaBottom"/>
@@ -7226,15 +7217,15 @@
           <p:spPr>
             <a:xfrm>
               <a:off x="588960" y="976680"/>
-              <a:ext cx="308880" cy="515160"/>
+              <a:ext cx="308160" cy="514440"/>
             </a:xfrm>
             <a:custGeom>
               <a:avLst/>
               <a:gdLst>
-                <a:gd name="textAreaLeft" fmla="*/ 0 w 308880"/>
-                <a:gd name="textAreaRight" fmla="*/ 309960 w 308880"/>
-                <a:gd name="textAreaTop" fmla="*/ 0 h 515160"/>
-                <a:gd name="textAreaBottom" fmla="*/ 516240 h 515160"/>
+                <a:gd name="textAreaLeft" fmla="*/ 0 w 308160"/>
+                <a:gd name="textAreaRight" fmla="*/ 309960 w 308160"/>
+                <a:gd name="textAreaTop" fmla="*/ 0 h 514440"/>
+                <a:gd name="textAreaBottom" fmla="*/ 516240 h 514440"/>
               </a:gdLst>
               <a:ahLst/>
               <a:rect l="textAreaLeft" t="textAreaTop" r="textAreaRight" b="textAreaBottom"/>
@@ -7339,15 +7330,15 @@
           <p:spPr>
             <a:xfrm>
               <a:off x="846720" y="924480"/>
-              <a:ext cx="102960" cy="102960"/>
+              <a:ext cx="102240" cy="102240"/>
             </a:xfrm>
             <a:custGeom>
               <a:avLst/>
               <a:gdLst>
-                <a:gd name="textAreaLeft" fmla="*/ 0 w 102960"/>
-                <a:gd name="textAreaRight" fmla="*/ 104040 w 102960"/>
-                <a:gd name="textAreaTop" fmla="*/ 0 h 102960"/>
-                <a:gd name="textAreaBottom" fmla="*/ 104040 h 102960"/>
+                <a:gd name="textAreaLeft" fmla="*/ 0 w 102240"/>
+                <a:gd name="textAreaRight" fmla="*/ 104040 w 102240"/>
+                <a:gd name="textAreaTop" fmla="*/ 0 h 102240"/>
+                <a:gd name="textAreaBottom" fmla="*/ 104040 h 102240"/>
               </a:gdLst>
               <a:ahLst/>
               <a:rect l="textAreaLeft" t="textAreaTop" r="textAreaRight" b="textAreaBottom"/>
@@ -7423,15 +7414,15 @@
           <p:spPr>
             <a:xfrm>
               <a:off x="692280" y="614880"/>
-              <a:ext cx="825120" cy="522720"/>
+              <a:ext cx="824400" cy="522000"/>
             </a:xfrm>
             <a:custGeom>
               <a:avLst/>
               <a:gdLst>
-                <a:gd name="textAreaLeft" fmla="*/ 0 w 825120"/>
-                <a:gd name="textAreaRight" fmla="*/ 826200 w 825120"/>
-                <a:gd name="textAreaTop" fmla="*/ 0 h 522720"/>
-                <a:gd name="textAreaBottom" fmla="*/ 523800 h 522720"/>
+                <a:gd name="textAreaLeft" fmla="*/ 0 w 824400"/>
+                <a:gd name="textAreaRight" fmla="*/ 826200 w 824400"/>
+                <a:gd name="textAreaTop" fmla="*/ 0 h 522000"/>
+                <a:gd name="textAreaBottom" fmla="*/ 523800 h 522000"/>
               </a:gdLst>
               <a:ahLst/>
               <a:rect l="textAreaLeft" t="textAreaTop" r="textAreaRight" b="textAreaBottom"/>
@@ -7714,7 +7705,7 @@
         <p:spPr>
           <a:xfrm>
             <a:off x="482760" y="4425120"/>
-            <a:ext cx="1944360" cy="1944360"/>
+            <a:ext cx="1943640" cy="1943640"/>
           </a:xfrm>
           <a:prstGeom prst="rect">
             <a:avLst/>
@@ -8040,7 +8031,7 @@
         <p:spPr>
           <a:xfrm>
             <a:off x="11379960" y="214560"/>
-            <a:ext cx="574200" cy="162360"/>
+            <a:ext cx="573480" cy="161640"/>
           </a:xfrm>
           <a:prstGeom prst="rect">
             <a:avLst/>
@@ -8072,7 +8063,7 @@
                 <a:tab algn="l" pos="0"/>
               </a:tabLst>
             </a:pPr>
-            <a:fld id="{884FE4D5-47D7-4953-B270-49DDE93F157C}" type="slidenum">
+            <a:fld id="{5D8D79C2-1A2B-49B6-8194-F4237231C11C}" type="slidenum">
               <a:rPr b="0" lang="ru-RU" sz="1000" spc="-1" strike="noStrike">
                 <a:solidFill>
                   <a:srgbClr val="bfbfbf"/>
@@ -8110,7 +8101,7 @@
         <p:spPr>
           <a:xfrm>
             <a:off x="442800" y="172080"/>
-            <a:ext cx="713520" cy="282960"/>
+            <a:ext cx="712800" cy="282240"/>
           </a:xfrm>
           <a:prstGeom prst="rect">
             <a:avLst/>
@@ -8129,7 +8120,7 @@
         <p:spPr>
           <a:xfrm>
             <a:off x="0" y="633960"/>
-            <a:ext cx="12192840" cy="1080"/>
+            <a:ext cx="12193560" cy="1800"/>
           </a:xfrm>
           <a:prstGeom prst="straightConnector1">
             <a:avLst/>
@@ -8324,8 +8315,8 @@
         </p:blipFill>
         <p:spPr>
           <a:xfrm rot="16200000">
-            <a:off x="10646280" y="5313600"/>
-            <a:ext cx="991080" cy="2097360"/>
+            <a:off x="10646280" y="5314320"/>
+            <a:ext cx="990360" cy="2096640"/>
           </a:xfrm>
           <a:prstGeom prst="rect">
             <a:avLst/>
@@ -8377,7 +8368,7 @@
         <p:spPr>
           <a:xfrm>
             <a:off x="11379960" y="214560"/>
-            <a:ext cx="574200" cy="162360"/>
+            <a:ext cx="573480" cy="161640"/>
           </a:xfrm>
           <a:prstGeom prst="rect">
             <a:avLst/>
@@ -8409,7 +8400,7 @@
                 <a:tab algn="l" pos="0"/>
               </a:tabLst>
             </a:pPr>
-            <a:fld id="{D85BD9DB-99CE-4D14-916A-67EAFD30EB57}" type="slidenum">
+            <a:fld id="{8FA03705-1B02-4DF1-B42C-AD3C23B44A2E}" type="slidenum">
               <a:rPr b="0" lang="ru-RU" sz="1000" spc="-1" strike="noStrike">
                 <a:solidFill>
                   <a:srgbClr val="bfbfbf"/>
@@ -8447,7 +8438,7 @@
         <p:spPr>
           <a:xfrm>
             <a:off x="442800" y="172080"/>
-            <a:ext cx="713520" cy="282960"/>
+            <a:ext cx="712800" cy="282240"/>
           </a:xfrm>
           <a:prstGeom prst="rect">
             <a:avLst/>
@@ -8466,7 +8457,7 @@
         <p:spPr>
           <a:xfrm>
             <a:off x="0" y="633960"/>
-            <a:ext cx="12192840" cy="1080"/>
+            <a:ext cx="12193560" cy="1800"/>
           </a:xfrm>
           <a:prstGeom prst="straightConnector1">
             <a:avLst/>
@@ -8488,7 +8479,7 @@
         <p:spPr>
           <a:xfrm>
             <a:off x="3533760" y="633960"/>
-            <a:ext cx="2625840" cy="5588640"/>
+            <a:ext cx="2625120" cy="5587920"/>
           </a:xfrm>
           <a:prstGeom prst="rect">
             <a:avLst/>
@@ -8547,7 +8538,7 @@
         <p:spPr>
           <a:xfrm>
             <a:off x="9281160" y="633960"/>
-            <a:ext cx="2625840" cy="5588640"/>
+            <a:ext cx="2625120" cy="5587920"/>
           </a:xfrm>
           <a:prstGeom prst="rect">
             <a:avLst/>
@@ -8606,7 +8597,7 @@
         <p:spPr>
           <a:xfrm>
             <a:off x="0" y="6223680"/>
-            <a:ext cx="12192840" cy="1080"/>
+            <a:ext cx="12193560" cy="1800"/>
           </a:xfrm>
           <a:prstGeom prst="straightConnector1">
             <a:avLst/>
@@ -8627,8 +8618,8 @@
         </p:nvSpPr>
         <p:spPr>
           <a:xfrm rot="10800000">
-            <a:off x="11481120" y="635400"/>
-            <a:ext cx="417960" cy="417960"/>
+            <a:off x="11481840" y="636120"/>
+            <a:ext cx="417240" cy="417240"/>
           </a:xfrm>
           <a:prstGeom prst="round1Rect">
             <a:avLst>
@@ -8688,8 +8679,8 @@
         </p:nvSpPr>
         <p:spPr>
           <a:xfrm rot="10800000">
-            <a:off x="5738400" y="635400"/>
-            <a:ext cx="417960" cy="417960"/>
+            <a:off x="5739120" y="636120"/>
+            <a:ext cx="417240" cy="417240"/>
           </a:xfrm>
           <a:prstGeom prst="round1Rect">
             <a:avLst>
@@ -8750,7 +8741,7 @@
         <p:spPr>
           <a:xfrm>
             <a:off x="6405480" y="633960"/>
-            <a:ext cx="2625840" cy="5588640"/>
+            <a:ext cx="2625120" cy="5587920"/>
           </a:xfrm>
           <a:prstGeom prst="rect">
             <a:avLst/>
@@ -8808,8 +8799,8 @@
         </p:nvSpPr>
         <p:spPr>
           <a:xfrm rot="10800000">
-            <a:off x="8609760" y="635400"/>
-            <a:ext cx="417960" cy="417960"/>
+            <a:off x="8610480" y="636120"/>
+            <a:ext cx="417240" cy="417240"/>
           </a:xfrm>
           <a:prstGeom prst="round1Rect">
             <a:avLst>
@@ -8870,7 +8861,7 @@
         <p:spPr>
           <a:xfrm>
             <a:off x="11638440" y="730080"/>
-            <a:ext cx="100800" cy="213120"/>
+            <a:ext cx="100080" cy="213120"/>
           </a:xfrm>
           <a:prstGeom prst="rect">
             <a:avLst/>
@@ -8988,7 +8979,7 @@
         <p:spPr>
           <a:xfrm>
             <a:off x="8767080" y="730080"/>
-            <a:ext cx="100800" cy="213120"/>
+            <a:ext cx="100080" cy="213120"/>
           </a:xfrm>
           <a:prstGeom prst="rect">
             <a:avLst/>
@@ -9050,8 +9041,8 @@
         </p:blipFill>
         <p:spPr>
           <a:xfrm flipH="1" rot="5400000">
-            <a:off x="9837000" y="4677120"/>
-            <a:ext cx="991080" cy="2097360"/>
+            <a:off x="9837720" y="4677840"/>
+            <a:ext cx="990360" cy="2096640"/>
           </a:xfrm>
           <a:prstGeom prst="rect">
             <a:avLst/>
@@ -9070,7 +9061,7 @@
         <p:spPr>
           <a:xfrm>
             <a:off x="3759120" y="890280"/>
-            <a:ext cx="830880" cy="493560"/>
+            <a:ext cx="830160" cy="493560"/>
           </a:xfrm>
           <a:prstGeom prst="rect">
             <a:avLst/>
@@ -9129,7 +9120,7 @@
         <p:spPr>
           <a:xfrm>
             <a:off x="6638040" y="890280"/>
-            <a:ext cx="830880" cy="493560"/>
+            <a:ext cx="830160" cy="493560"/>
           </a:xfrm>
           <a:prstGeom prst="rect">
             <a:avLst/>
@@ -9188,7 +9179,7 @@
         <p:spPr>
           <a:xfrm>
             <a:off x="9506520" y="890280"/>
-            <a:ext cx="830880" cy="493560"/>
+            <a:ext cx="830160" cy="493560"/>
           </a:xfrm>
           <a:prstGeom prst="rect">
             <a:avLst/>
@@ -9250,8 +9241,8 @@
         </p:blipFill>
         <p:spPr>
           <a:xfrm rot="16200000">
-            <a:off x="4608720" y="4670640"/>
-            <a:ext cx="991080" cy="2097360"/>
+            <a:off x="4608720" y="4671360"/>
+            <a:ext cx="990360" cy="2096640"/>
           </a:xfrm>
           <a:prstGeom prst="rect">
             <a:avLst/>
@@ -9270,7 +9261,7 @@
         <p:spPr>
           <a:xfrm>
             <a:off x="6409800" y="5222880"/>
-            <a:ext cx="2621160" cy="541080"/>
+            <a:ext cx="2620440" cy="540360"/>
           </a:xfrm>
           <a:prstGeom prst="rect">
             <a:avLst/>
@@ -9352,7 +9343,7 @@
         <p:spPr>
           <a:xfrm>
             <a:off x="11379960" y="214560"/>
-            <a:ext cx="574200" cy="162360"/>
+            <a:ext cx="573480" cy="161640"/>
           </a:xfrm>
           <a:prstGeom prst="rect">
             <a:avLst/>
@@ -9384,7 +9375,7 @@
                 <a:tab algn="l" pos="0"/>
               </a:tabLst>
             </a:pPr>
-            <a:fld id="{515251D6-FB0E-44B8-9669-775FC93CE7FA}" type="slidenum">
+            <a:fld id="{EBE4AD01-502F-48A5-A6CE-89CDDC767BF6}" type="slidenum">
               <a:rPr b="0" lang="ru-RU" sz="1000" spc="-1" strike="noStrike">
                 <a:solidFill>
                   <a:srgbClr val="bfbfbf"/>
@@ -9422,7 +9413,7 @@
         <p:spPr>
           <a:xfrm>
             <a:off x="442800" y="172080"/>
-            <a:ext cx="713520" cy="282960"/>
+            <a:ext cx="712800" cy="282240"/>
           </a:xfrm>
           <a:prstGeom prst="rect">
             <a:avLst/>
@@ -9441,7 +9432,7 @@
         <p:spPr>
           <a:xfrm>
             <a:off x="0" y="633960"/>
-            <a:ext cx="12192840" cy="1080"/>
+            <a:ext cx="12193560" cy="1800"/>
           </a:xfrm>
           <a:prstGeom prst="straightConnector1">
             <a:avLst/>
@@ -9496,7 +9487,7 @@
         <p:spPr>
           <a:xfrm>
             <a:off x="11379960" y="214560"/>
-            <a:ext cx="574200" cy="162360"/>
+            <a:ext cx="573480" cy="161640"/>
           </a:xfrm>
           <a:prstGeom prst="rect">
             <a:avLst/>
@@ -9528,7 +9519,7 @@
                 <a:tab algn="l" pos="0"/>
               </a:tabLst>
             </a:pPr>
-            <a:fld id="{D1F08BB3-6EA3-47BC-8A1E-388510F450BA}" type="slidenum">
+            <a:fld id="{267E9409-1032-4C0F-8072-EA43DA4A9942}" type="slidenum">
               <a:rPr b="0" lang="ru-RU" sz="1000" spc="-1" strike="noStrike">
                 <a:solidFill>
                   <a:srgbClr val="bfbfbf"/>
@@ -9566,7 +9557,7 @@
         <p:spPr>
           <a:xfrm>
             <a:off x="442800" y="172080"/>
-            <a:ext cx="713520" cy="282960"/>
+            <a:ext cx="712800" cy="282240"/>
           </a:xfrm>
           <a:prstGeom prst="rect">
             <a:avLst/>
@@ -9585,7 +9576,7 @@
         <p:spPr>
           <a:xfrm>
             <a:off x="0" y="633960"/>
-            <a:ext cx="12192840" cy="1080"/>
+            <a:ext cx="12193560" cy="1800"/>
           </a:xfrm>
           <a:prstGeom prst="straightConnector1">
             <a:avLst/>
@@ -9611,8 +9602,8 @@
         </p:blipFill>
         <p:spPr>
           <a:xfrm rot="16200000">
-            <a:off x="10472400" y="4505400"/>
-            <a:ext cx="1670400" cy="1766520"/>
+            <a:off x="10472400" y="4506120"/>
+            <a:ext cx="1669680" cy="1765800"/>
           </a:xfrm>
           <a:prstGeom prst="rect">
             <a:avLst/>
@@ -9735,7 +9726,7 @@
         <p:spPr>
           <a:xfrm>
             <a:off x="442800" y="172080"/>
-            <a:ext cx="713520" cy="282960"/>
+            <a:ext cx="712800" cy="282240"/>
           </a:xfrm>
           <a:prstGeom prst="rect">
             <a:avLst/>
@@ -9754,7 +9745,7 @@
         <p:spPr>
           <a:xfrm>
             <a:off x="0" y="633960"/>
-            <a:ext cx="12192840" cy="1080"/>
+            <a:ext cx="12193560" cy="1800"/>
           </a:xfrm>
           <a:prstGeom prst="straightConnector1">
             <a:avLst/>
@@ -10083,7 +10074,7 @@
         <p:spPr>
           <a:xfrm>
             <a:off x="11379960" y="214560"/>
-            <a:ext cx="574200" cy="162360"/>
+            <a:ext cx="573480" cy="161640"/>
           </a:xfrm>
           <a:prstGeom prst="rect">
             <a:avLst/>
@@ -10115,7 +10106,7 @@
                 <a:tab algn="l" pos="0"/>
               </a:tabLst>
             </a:pPr>
-            <a:fld id="{E219E57F-877D-4853-8F1D-94AE0BD099E7}" type="slidenum">
+            <a:fld id="{CA1EA013-BB3B-4696-A939-8FE2C928A21F}" type="slidenum">
               <a:rPr b="0" lang="ru-RU" sz="1000" spc="-1" strike="noStrike">
                 <a:solidFill>
                   <a:srgbClr val="bfbfbf"/>
@@ -10153,7 +10144,7 @@
         <p:spPr>
           <a:xfrm>
             <a:off x="442800" y="172080"/>
-            <a:ext cx="713520" cy="282960"/>
+            <a:ext cx="712800" cy="282240"/>
           </a:xfrm>
           <a:prstGeom prst="rect">
             <a:avLst/>
@@ -10172,7 +10163,7 @@
         <p:spPr>
           <a:xfrm>
             <a:off x="0" y="633960"/>
-            <a:ext cx="12192840" cy="1080"/>
+            <a:ext cx="12193560" cy="1800"/>
           </a:xfrm>
           <a:prstGeom prst="straightConnector1">
             <a:avLst/>
@@ -10198,7 +10189,7 @@
         <p:spPr>
           <a:xfrm>
             <a:off x="442800" y="6343920"/>
-            <a:ext cx="7662960" cy="235080"/>
+            <a:ext cx="7662240" cy="234360"/>
           </a:xfrm>
           <a:prstGeom prst="rect">
             <a:avLst/>
@@ -10573,7 +10564,7 @@
         <p:spPr>
           <a:xfrm>
             <a:off x="11379960" y="214560"/>
-            <a:ext cx="574200" cy="162360"/>
+            <a:ext cx="573480" cy="161640"/>
           </a:xfrm>
           <a:prstGeom prst="rect">
             <a:avLst/>
@@ -10605,7 +10596,7 @@
                 <a:tab algn="l" pos="0"/>
               </a:tabLst>
             </a:pPr>
-            <a:fld id="{8536658B-2A38-40ED-BBAC-4C764BE6811E}" type="slidenum">
+            <a:fld id="{5B5516CB-B36C-4123-9A84-92049F83F3AD}" type="slidenum">
               <a:rPr b="0" lang="ru-RU" sz="1000" spc="-1" strike="noStrike">
                 <a:solidFill>
                   <a:srgbClr val="bfbfbf"/>
@@ -10643,7 +10634,7 @@
         <p:spPr>
           <a:xfrm>
             <a:off x="442800" y="172080"/>
-            <a:ext cx="713520" cy="282960"/>
+            <a:ext cx="712800" cy="282240"/>
           </a:xfrm>
           <a:prstGeom prst="rect">
             <a:avLst/>
@@ -10662,7 +10653,7 @@
         <p:spPr>
           <a:xfrm>
             <a:off x="0" y="633960"/>
-            <a:ext cx="12192840" cy="1080"/>
+            <a:ext cx="12193560" cy="1800"/>
           </a:xfrm>
           <a:prstGeom prst="straightConnector1">
             <a:avLst/>
@@ -10688,7 +10679,7 @@
         <p:spPr>
           <a:xfrm>
             <a:off x="442800" y="6343920"/>
-            <a:ext cx="7662960" cy="235080"/>
+            <a:ext cx="7662240" cy="234360"/>
           </a:xfrm>
           <a:prstGeom prst="rect">
             <a:avLst/>
@@ -11066,7 +11057,7 @@
         <p:spPr>
           <a:xfrm>
             <a:off x="11379960" y="214560"/>
-            <a:ext cx="574200" cy="162360"/>
+            <a:ext cx="573480" cy="161640"/>
           </a:xfrm>
           <a:prstGeom prst="rect">
             <a:avLst/>
@@ -11098,7 +11089,7 @@
                 <a:tab algn="l" pos="0"/>
               </a:tabLst>
             </a:pPr>
-            <a:fld id="{9760B269-9404-4C1F-B41E-3C740A5D9546}" type="slidenum">
+            <a:fld id="{F06845C6-6AD5-480F-AB52-DF779A83A26F}" type="slidenum">
               <a:rPr b="0" lang="ru-RU" sz="1000" spc="-1" strike="noStrike">
                 <a:solidFill>
                   <a:srgbClr val="bfbfbf"/>
@@ -11136,7 +11127,7 @@
         <p:spPr>
           <a:xfrm>
             <a:off x="442800" y="172080"/>
-            <a:ext cx="713520" cy="282960"/>
+            <a:ext cx="712800" cy="282240"/>
           </a:xfrm>
           <a:prstGeom prst="rect">
             <a:avLst/>
@@ -11155,7 +11146,7 @@
         <p:spPr>
           <a:xfrm>
             <a:off x="0" y="633960"/>
-            <a:ext cx="12192840" cy="1080"/>
+            <a:ext cx="12193560" cy="1800"/>
           </a:xfrm>
           <a:prstGeom prst="straightConnector1">
             <a:avLst/>
@@ -11224,7 +11215,7 @@
         <p:spPr>
           <a:xfrm>
             <a:off x="599040" y="614880"/>
-            <a:ext cx="2207520" cy="876600"/>
+            <a:ext cx="2206800" cy="875880"/>
           </a:xfrm>
           <a:prstGeom prst="rect">
             <a:avLst/>
@@ -11295,8 +11286,8 @@
         </p:blipFill>
         <p:spPr>
           <a:xfrm flipH="1" rot="10800000">
-            <a:off x="10570680" y="1080"/>
-            <a:ext cx="1620360" cy="3427920"/>
+            <a:off x="10570680" y="1800"/>
+            <a:ext cx="1619640" cy="3427200"/>
           </a:xfrm>
           <a:prstGeom prst="rect">
             <a:avLst/>
@@ -11324,8 +11315,8 @@
         </p:blipFill>
         <p:spPr>
           <a:xfrm flipH="1">
-            <a:off x="10571760" y="3429000"/>
-            <a:ext cx="1620360" cy="3427920"/>
+            <a:off x="10572480" y="3429000"/>
+            <a:ext cx="1619640" cy="3427200"/>
           </a:xfrm>
           <a:prstGeom prst="rect">
             <a:avLst/>
@@ -11423,7 +11414,7 @@
         <p:spPr>
           <a:xfrm>
             <a:off x="11379960" y="214560"/>
-            <a:ext cx="574200" cy="162360"/>
+            <a:ext cx="573480" cy="161640"/>
           </a:xfrm>
           <a:prstGeom prst="rect">
             <a:avLst/>
@@ -11455,7 +11446,7 @@
                 <a:tab algn="l" pos="0"/>
               </a:tabLst>
             </a:pPr>
-            <a:fld id="{5B0FA71B-B98F-40D7-874A-F59ADFD35B91}" type="slidenum">
+            <a:fld id="{6D12DDEE-4D06-406B-AF16-02A32EE0B464}" type="slidenum">
               <a:rPr b="0" lang="ru-RU" sz="1000" spc="-1" strike="noStrike">
                 <a:solidFill>
                   <a:srgbClr val="bfbfbf"/>
@@ -11493,7 +11484,7 @@
         <p:spPr>
           <a:xfrm>
             <a:off x="442800" y="172080"/>
-            <a:ext cx="713520" cy="282960"/>
+            <a:ext cx="712800" cy="282240"/>
           </a:xfrm>
           <a:prstGeom prst="rect">
             <a:avLst/>
@@ -11512,7 +11503,7 @@
         <p:spPr>
           <a:xfrm>
             <a:off x="0" y="633960"/>
-            <a:ext cx="12192840" cy="1080"/>
+            <a:ext cx="12193560" cy="1800"/>
           </a:xfrm>
           <a:prstGeom prst="straightConnector1">
             <a:avLst/>
@@ -11581,7 +11572,7 @@
         <p:spPr>
           <a:xfrm>
             <a:off x="599040" y="614880"/>
-            <a:ext cx="1458000" cy="578880"/>
+            <a:ext cx="1457280" cy="578160"/>
           </a:xfrm>
           <a:prstGeom prst="rect">
             <a:avLst/>
@@ -11679,7 +11670,7 @@
         <p:spPr>
           <a:xfrm>
             <a:off x="11379960" y="214560"/>
-            <a:ext cx="574200" cy="162360"/>
+            <a:ext cx="573480" cy="161640"/>
           </a:xfrm>
           <a:prstGeom prst="rect">
             <a:avLst/>
@@ -11711,7 +11702,7 @@
                 <a:tab algn="l" pos="0"/>
               </a:tabLst>
             </a:pPr>
-            <a:fld id="{CC7171E8-A97C-4191-8ECC-40D969B2D28D}" type="slidenum">
+            <a:fld id="{5A93A2AA-2425-4BEA-8695-D7BE27B8253B}" type="slidenum">
               <a:rPr b="0" lang="ru-RU" sz="1000" spc="-1" strike="noStrike">
                 <a:solidFill>
                   <a:srgbClr val="bfbfbf"/>
@@ -11749,7 +11740,7 @@
         <p:spPr>
           <a:xfrm>
             <a:off x="442800" y="172080"/>
-            <a:ext cx="713520" cy="282960"/>
+            <a:ext cx="712800" cy="282240"/>
           </a:xfrm>
           <a:prstGeom prst="rect">
             <a:avLst/>
@@ -11768,7 +11759,7 @@
         <p:spPr>
           <a:xfrm>
             <a:off x="0" y="633960"/>
-            <a:ext cx="12192840" cy="1080"/>
+            <a:ext cx="12193560" cy="1800"/>
           </a:xfrm>
           <a:prstGeom prst="straightConnector1">
             <a:avLst/>
@@ -11837,7 +11828,7 @@
         <p:spPr>
           <a:xfrm>
             <a:off x="442800" y="172080"/>
-            <a:ext cx="713520" cy="282960"/>
+            <a:ext cx="712800" cy="282240"/>
           </a:xfrm>
           <a:prstGeom prst="rect">
             <a:avLst/>
@@ -11856,7 +11847,7 @@
         <p:spPr>
           <a:xfrm>
             <a:off x="11379960" y="214560"/>
-            <a:ext cx="574200" cy="162360"/>
+            <a:ext cx="573480" cy="161640"/>
           </a:xfrm>
           <a:prstGeom prst="rect">
             <a:avLst/>
@@ -11888,7 +11879,7 @@
                 <a:tab algn="l" pos="0"/>
               </a:tabLst>
             </a:pPr>
-            <a:fld id="{FFA175C8-712B-4C6D-99F9-0EFFB796F61B}" type="slidenum">
+            <a:fld id="{55FD8C02-8FCA-4572-A9D9-B4EBDD1529C3}" type="slidenum">
               <a:rPr b="0" lang="ru-RU" sz="1000" spc="-1" strike="noStrike">
                 <a:solidFill>
                   <a:schemeClr val="dk1">
@@ -11923,7 +11914,7 @@
         <p:spPr>
           <a:xfrm>
             <a:off x="442800" y="6343920"/>
-            <a:ext cx="7662960" cy="235080"/>
+            <a:ext cx="7662240" cy="234360"/>
           </a:xfrm>
           <a:prstGeom prst="rect">
             <a:avLst/>
@@ -12027,7 +12018,7 @@
         <p:spPr>
           <a:xfrm>
             <a:off x="11379960" y="214560"/>
-            <a:ext cx="574200" cy="162360"/>
+            <a:ext cx="573480" cy="161640"/>
           </a:xfrm>
           <a:prstGeom prst="rect">
             <a:avLst/>
@@ -12059,7 +12050,7 @@
                 <a:tab algn="l" pos="0"/>
               </a:tabLst>
             </a:pPr>
-            <a:fld id="{25625BFA-503C-4024-9ECE-4F357E5FD223}" type="slidenum">
+            <a:fld id="{ED39738A-C534-432E-866C-333A42634C98}" type="slidenum">
               <a:rPr b="0" lang="ru-RU" sz="1000" spc="-1" strike="noStrike">
                 <a:solidFill>
                   <a:srgbClr val="bfbfbf"/>
@@ -12097,7 +12088,7 @@
         <p:spPr>
           <a:xfrm>
             <a:off x="442800" y="172080"/>
-            <a:ext cx="713520" cy="282960"/>
+            <a:ext cx="712800" cy="282240"/>
           </a:xfrm>
           <a:prstGeom prst="rect">
             <a:avLst/>
@@ -12116,7 +12107,7 @@
         <p:spPr>
           <a:xfrm>
             <a:off x="0" y="633960"/>
-            <a:ext cx="12192840" cy="1080"/>
+            <a:ext cx="12193560" cy="1800"/>
           </a:xfrm>
           <a:prstGeom prst="straightConnector1">
             <a:avLst/>
@@ -12144,7 +12135,7 @@
         <p:spPr>
           <a:xfrm>
             <a:off x="442800" y="172080"/>
-            <a:ext cx="713520" cy="282960"/>
+            <a:ext cx="712800" cy="282240"/>
           </a:xfrm>
           <a:prstGeom prst="rect">
             <a:avLst/>
@@ -12240,7 +12231,7 @@
         <p:spPr>
           <a:xfrm>
             <a:off x="11379960" y="214560"/>
-            <a:ext cx="574200" cy="162360"/>
+            <a:ext cx="573480" cy="161640"/>
           </a:xfrm>
           <a:prstGeom prst="rect">
             <a:avLst/>
@@ -12272,7 +12263,7 @@
                 <a:tab algn="l" pos="0"/>
               </a:tabLst>
             </a:pPr>
-            <a:fld id="{50ED2733-E20A-4990-ADCA-453856961598}" type="slidenum">
+            <a:fld id="{6C56F7D7-E1D0-4CB6-B7A2-9877481C6B3C}" type="slidenum">
               <a:rPr b="0" lang="ru-RU" sz="1000" spc="-1" strike="noStrike">
                 <a:solidFill>
                   <a:srgbClr val="bfbfbf"/>
@@ -12310,7 +12301,7 @@
         <p:spPr>
           <a:xfrm>
             <a:off x="442800" y="172080"/>
-            <a:ext cx="713520" cy="282960"/>
+            <a:ext cx="712800" cy="282240"/>
           </a:xfrm>
           <a:prstGeom prst="rect">
             <a:avLst/>
@@ -12329,7 +12320,7 @@
         <p:spPr>
           <a:xfrm>
             <a:off x="0" y="633960"/>
-            <a:ext cx="12192840" cy="1080"/>
+            <a:ext cx="12193560" cy="1800"/>
           </a:xfrm>
           <a:prstGeom prst="straightConnector1">
             <a:avLst/>
@@ -12398,7 +12389,7 @@
         <p:spPr>
           <a:xfrm>
             <a:off x="442800" y="172080"/>
-            <a:ext cx="713520" cy="282960"/>
+            <a:ext cx="712800" cy="282240"/>
           </a:xfrm>
           <a:prstGeom prst="rect">
             <a:avLst/>
@@ -12417,7 +12408,7 @@
         <p:spPr>
           <a:xfrm>
             <a:off x="11379960" y="214560"/>
-            <a:ext cx="574200" cy="162360"/>
+            <a:ext cx="573480" cy="161640"/>
           </a:xfrm>
           <a:prstGeom prst="rect">
             <a:avLst/>
@@ -12449,7 +12440,7 @@
                 <a:tab algn="l" pos="0"/>
               </a:tabLst>
             </a:pPr>
-            <a:fld id="{8D1BE4B5-F145-41F1-BBBC-385760369C7B}" type="slidenum">
+            <a:fld id="{9C69C188-CCFF-4AAB-8282-0B847C73A980}" type="slidenum">
               <a:rPr b="0" lang="ru-RU" sz="1000" spc="-1" strike="noStrike">
                 <a:solidFill>
                   <a:schemeClr val="dk1">
@@ -12516,7 +12507,7 @@
         <p:spPr>
           <a:xfrm>
             <a:off x="11379960" y="214560"/>
-            <a:ext cx="574200" cy="162360"/>
+            <a:ext cx="573480" cy="161640"/>
           </a:xfrm>
           <a:prstGeom prst="rect">
             <a:avLst/>
@@ -12548,7 +12539,7 @@
                 <a:tab algn="l" pos="0"/>
               </a:tabLst>
             </a:pPr>
-            <a:fld id="{111C4611-1EC5-4135-8D2E-09B0671E6EF5}" type="slidenum">
+            <a:fld id="{B719F89D-A795-4747-BC7A-27CF1CB9A0D4}" type="slidenum">
               <a:rPr b="0" lang="ru-RU" sz="1000" spc="-1" strike="noStrike">
                 <a:solidFill>
                   <a:srgbClr val="bfbfbf"/>
@@ -12586,7 +12577,7 @@
         <p:spPr>
           <a:xfrm>
             <a:off x="442800" y="172080"/>
-            <a:ext cx="713520" cy="282960"/>
+            <a:ext cx="712800" cy="282240"/>
           </a:xfrm>
           <a:prstGeom prst="rect">
             <a:avLst/>
@@ -12605,7 +12596,7 @@
         <p:spPr>
           <a:xfrm>
             <a:off x="0" y="633960"/>
-            <a:ext cx="12192840" cy="1080"/>
+            <a:ext cx="12193560" cy="1800"/>
           </a:xfrm>
           <a:prstGeom prst="straightConnector1">
             <a:avLst/>
@@ -12838,7 +12829,7 @@
         <p:spPr>
           <a:xfrm>
             <a:off x="442800" y="172080"/>
-            <a:ext cx="713520" cy="282960"/>
+            <a:ext cx="712800" cy="282240"/>
           </a:xfrm>
           <a:prstGeom prst="rect">
             <a:avLst/>
@@ -12939,7 +12930,7 @@
         <p:spPr>
           <a:xfrm>
             <a:off x="11379960" y="214560"/>
-            <a:ext cx="574200" cy="162360"/>
+            <a:ext cx="573480" cy="161640"/>
           </a:xfrm>
           <a:prstGeom prst="rect">
             <a:avLst/>
@@ -12971,7 +12962,7 @@
                 <a:tab algn="l" pos="0"/>
               </a:tabLst>
             </a:pPr>
-            <a:fld id="{5F346600-F13F-48D3-855F-2054DC5AF0AF}" type="slidenum">
+            <a:fld id="{6CBF5BE4-4C0F-44EF-9727-F61AAC4E98B7}" type="slidenum">
               <a:rPr b="0" lang="ru-RU" sz="1000" spc="-1" strike="noStrike">
                 <a:solidFill>
                   <a:schemeClr val="dk1">
@@ -13038,7 +13029,7 @@
         <p:spPr>
           <a:xfrm>
             <a:off x="11379960" y="214560"/>
-            <a:ext cx="574200" cy="162360"/>
+            <a:ext cx="573480" cy="161640"/>
           </a:xfrm>
           <a:prstGeom prst="rect">
             <a:avLst/>
@@ -13070,7 +13061,7 @@
                 <a:tab algn="l" pos="0"/>
               </a:tabLst>
             </a:pPr>
-            <a:fld id="{65957070-7403-49C7-B783-283A446F2484}" type="slidenum">
+            <a:fld id="{28B7BF53-88CA-46C2-A29D-366DCED1B3F8}" type="slidenum">
               <a:rPr b="0" lang="ru-RU" sz="1000" spc="-1" strike="noStrike">
                 <a:solidFill>
                   <a:srgbClr val="bfbfbf"/>
@@ -13108,7 +13099,7 @@
         <p:spPr>
           <a:xfrm>
             <a:off x="442800" y="172080"/>
-            <a:ext cx="713520" cy="282960"/>
+            <a:ext cx="712800" cy="282240"/>
           </a:xfrm>
           <a:prstGeom prst="rect">
             <a:avLst/>
@@ -13127,7 +13118,7 @@
         <p:spPr>
           <a:xfrm>
             <a:off x="0" y="633960"/>
-            <a:ext cx="12192840" cy="1080"/>
+            <a:ext cx="12193560" cy="1800"/>
           </a:xfrm>
           <a:prstGeom prst="straightConnector1">
             <a:avLst/>
@@ -13196,7 +13187,7 @@
         <p:spPr>
           <a:xfrm>
             <a:off x="442800" y="172080"/>
-            <a:ext cx="713520" cy="282960"/>
+            <a:ext cx="712800" cy="282240"/>
           </a:xfrm>
           <a:prstGeom prst="rect">
             <a:avLst/>
@@ -13215,7 +13206,7 @@
         <p:spPr>
           <a:xfrm>
             <a:off x="11379960" y="214560"/>
-            <a:ext cx="574200" cy="162360"/>
+            <a:ext cx="573480" cy="161640"/>
           </a:xfrm>
           <a:prstGeom prst="rect">
             <a:avLst/>
@@ -13247,7 +13238,7 @@
                 <a:tab algn="l" pos="0"/>
               </a:tabLst>
             </a:pPr>
-            <a:fld id="{06C363D1-4385-43A6-8147-92131F1375B6}" type="slidenum">
+            <a:fld id="{C8E300CE-2732-495B-9C73-77F056CFA39E}" type="slidenum">
               <a:rPr b="0" lang="ru-RU" sz="1000" spc="-1" strike="noStrike">
                 <a:solidFill>
                   <a:schemeClr val="dk1">
@@ -13308,7 +13299,7 @@
         <p:spPr>
           <a:xfrm>
             <a:off x="588960" y="2858400"/>
-            <a:ext cx="8178120" cy="1324440"/>
+            <a:ext cx="8177400" cy="1323720"/>
           </a:xfrm>
           <a:prstGeom prst="rect">
             <a:avLst/>
@@ -13367,7 +13358,7 @@
         <p:spPr>
           <a:xfrm>
             <a:off x="588960" y="4392720"/>
-            <a:ext cx="8178120" cy="1228320"/>
+            <a:ext cx="8177400" cy="1227600"/>
           </a:xfrm>
           <a:prstGeom prst="rect">
             <a:avLst/>
@@ -13422,7 +13413,7 @@
         <p:spPr>
           <a:xfrm>
             <a:off x="631800" y="5532480"/>
-            <a:ext cx="2594160" cy="345600"/>
+            <a:ext cx="2593440" cy="344880"/>
           </a:xfrm>
           <a:prstGeom prst="rect">
             <a:avLst/>
@@ -13509,7 +13500,7 @@
         <p:spPr>
           <a:xfrm>
             <a:off x="442800" y="651600"/>
-            <a:ext cx="11305080" cy="1076040"/>
+            <a:ext cx="11304360" cy="1075320"/>
           </a:xfrm>
           <a:prstGeom prst="rect">
             <a:avLst/>
@@ -13571,7 +13562,7 @@
         <p:spPr>
           <a:xfrm>
             <a:off x="428760" y="1620360"/>
-            <a:ext cx="11333520" cy="4912920"/>
+            <a:ext cx="11332800" cy="4912200"/>
           </a:xfrm>
           <a:prstGeom prst="rect">
             <a:avLst/>
@@ -13624,7 +13615,7 @@
         <p:spPr>
           <a:xfrm>
             <a:off x="588960" y="1875600"/>
-            <a:ext cx="8178120" cy="971280"/>
+            <a:ext cx="8177400" cy="970560"/>
           </a:xfrm>
           <a:prstGeom prst="rect">
             <a:avLst/>
@@ -13710,7 +13701,7 @@
         <p:spPr>
           <a:xfrm>
             <a:off x="442800" y="651600"/>
-            <a:ext cx="11305080" cy="1076040"/>
+            <a:ext cx="11304360" cy="1075320"/>
           </a:xfrm>
           <a:prstGeom prst="rect">
             <a:avLst/>
@@ -13772,7 +13763,7 @@
         <p:spPr>
           <a:xfrm>
             <a:off x="834840" y="1224000"/>
-            <a:ext cx="10521720" cy="5441760"/>
+            <a:ext cx="10521000" cy="5441040"/>
           </a:xfrm>
           <a:prstGeom prst="rect">
             <a:avLst/>
@@ -13825,7 +13816,7 @@
         <p:spPr>
           <a:xfrm>
             <a:off x="442800" y="651600"/>
-            <a:ext cx="11305080" cy="1076040"/>
+            <a:ext cx="11304360" cy="1075320"/>
           </a:xfrm>
           <a:prstGeom prst="rect">
             <a:avLst/>
@@ -13887,7 +13878,7 @@
         <p:spPr>
           <a:xfrm>
             <a:off x="2930400" y="1080360"/>
-            <a:ext cx="6330240" cy="5938920"/>
+            <a:ext cx="6329520" cy="5938200"/>
           </a:xfrm>
           <a:prstGeom prst="rect">
             <a:avLst/>
@@ -13940,7 +13931,7 @@
         <p:spPr>
           <a:xfrm>
             <a:off x="442800" y="651600"/>
-            <a:ext cx="11305080" cy="1076040"/>
+            <a:ext cx="11304360" cy="1075320"/>
           </a:xfrm>
           <a:prstGeom prst="rect">
             <a:avLst/>
@@ -14002,7 +13993,7 @@
         <p:spPr>
           <a:xfrm>
             <a:off x="173880" y="1548360"/>
-            <a:ext cx="11843280" cy="4822560"/>
+            <a:ext cx="11842560" cy="4821840"/>
           </a:xfrm>
           <a:prstGeom prst="rect">
             <a:avLst/>
@@ -14055,7 +14046,7 @@
         <p:spPr>
           <a:xfrm>
             <a:off x="442800" y="651600"/>
-            <a:ext cx="11305080" cy="1076040"/>
+            <a:ext cx="11304360" cy="1075320"/>
           </a:xfrm>
           <a:prstGeom prst="rect">
             <a:avLst/>
@@ -14117,7 +14108,7 @@
         <p:spPr>
           <a:xfrm>
             <a:off x="549000" y="1188360"/>
-            <a:ext cx="11093400" cy="5470920"/>
+            <a:ext cx="11092680" cy="5470200"/>
           </a:xfrm>
           <a:prstGeom prst="rect">
             <a:avLst/>
@@ -14170,7 +14161,7 @@
         <p:spPr>
           <a:xfrm>
             <a:off x="442800" y="651600"/>
-            <a:ext cx="11305080" cy="1076040"/>
+            <a:ext cx="11304360" cy="1075320"/>
           </a:xfrm>
           <a:prstGeom prst="rect">
             <a:avLst/>
@@ -14232,7 +14223,7 @@
         <p:spPr>
           <a:xfrm>
             <a:off x="2756880" y="875160"/>
-            <a:ext cx="6677640" cy="5733360"/>
+            <a:ext cx="6676920" cy="5732640"/>
           </a:xfrm>
           <a:prstGeom prst="rect">
             <a:avLst/>
@@ -14285,7 +14276,7 @@
         <p:spPr>
           <a:xfrm>
             <a:off x="442800" y="651600"/>
-            <a:ext cx="11305080" cy="1076040"/>
+            <a:ext cx="11304360" cy="1075320"/>
           </a:xfrm>
           <a:prstGeom prst="rect">
             <a:avLst/>
@@ -14347,7 +14338,7 @@
         <p:spPr>
           <a:xfrm>
             <a:off x="234720" y="1317240"/>
-            <a:ext cx="11794320" cy="5413680"/>
+            <a:ext cx="11793600" cy="5412960"/>
           </a:xfrm>
           <a:prstGeom prst="rect">
             <a:avLst/>
@@ -14400,7 +14391,7 @@
         <p:spPr>
           <a:xfrm>
             <a:off x="442800" y="651600"/>
-            <a:ext cx="11305080" cy="1076040"/>
+            <a:ext cx="11304360" cy="1075320"/>
           </a:xfrm>
           <a:prstGeom prst="rect">
             <a:avLst/>
@@ -14462,7 +14453,7 @@
         <p:spPr>
           <a:xfrm>
             <a:off x="264600" y="2292120"/>
-            <a:ext cx="11662200" cy="3719160"/>
+            <a:ext cx="11661480" cy="3718440"/>
           </a:xfrm>
           <a:prstGeom prst="rect">
             <a:avLst/>
@@ -14515,7 +14506,7 @@
         <p:spPr>
           <a:xfrm>
             <a:off x="442800" y="651600"/>
-            <a:ext cx="11305080" cy="1076040"/>
+            <a:ext cx="11304360" cy="1075320"/>
           </a:xfrm>
           <a:prstGeom prst="rect">
             <a:avLst/>
@@ -14547,7 +14538,7 @@
                 <a:latin typeface="Cygre"/>
                 <a:ea typeface="Calibri Light"/>
               </a:rPr>
-              <a:t>Автоматизация</a:t>
+              <a:t>Средства PostgreSQL</a:t>
             </a:r>
             <a:endParaRPr b="0" lang="ru-RU" sz="2800" spc="-1" strike="noStrike">
               <a:solidFill>
@@ -14576,8 +14567,8 @@
         </p:blipFill>
         <p:spPr>
           <a:xfrm>
-            <a:off x="297720" y="2119680"/>
-            <a:ext cx="11595600" cy="4323240"/>
+            <a:off x="223920" y="2479680"/>
+            <a:ext cx="11732400" cy="2880000"/>
           </a:xfrm>
           <a:prstGeom prst="rect">
             <a:avLst/>

--- a/PGBootcamp2024/debugging-postgres-planner/presentation_ru.pptx
+++ b/PGBootcamp2024/debugging-postgres-planner/presentation_ru.pptx
@@ -895,7 +895,7 @@
         <p:spPr>
           <a:xfrm>
             <a:off x="11379960" y="214560"/>
-            <a:ext cx="573480" cy="161640"/>
+            <a:ext cx="573120" cy="161280"/>
           </a:xfrm>
           <a:prstGeom prst="rect">
             <a:avLst/>
@@ -927,7 +927,7 @@
                 <a:tab algn="l" pos="0"/>
               </a:tabLst>
             </a:pPr>
-            <a:fld id="{F8EB5F14-9861-40CF-BB3E-CA5C83603CB0}" type="slidenum">
+            <a:fld id="{327431B7-9130-4713-883E-2E1D66623EBE}" type="slidenum">
               <a:rPr b="0" lang="ru-RU" sz="1000" spc="-1" strike="noStrike">
                 <a:solidFill>
                   <a:srgbClr val="bfbfbf"/>
@@ -965,7 +965,7 @@
         <p:spPr>
           <a:xfrm>
             <a:off x="442800" y="172080"/>
-            <a:ext cx="712800" cy="282240"/>
+            <a:ext cx="712440" cy="281880"/>
           </a:xfrm>
           <a:prstGeom prst="rect">
             <a:avLst/>
@@ -984,7 +984,7 @@
         <p:spPr>
           <a:xfrm>
             <a:off x="0" y="633960"/>
-            <a:ext cx="12193560" cy="1800"/>
+            <a:ext cx="12193920" cy="2160"/>
           </a:xfrm>
           <a:prstGeom prst="straightConnector1">
             <a:avLst/>
@@ -1101,8 +1101,8 @@
         </p:blipFill>
         <p:spPr>
           <a:xfrm flipH="1" rot="10800000">
-            <a:off x="10570680" y="1800"/>
-            <a:ext cx="1619640" cy="3427200"/>
+            <a:off x="10570680" y="2160"/>
+            <a:ext cx="1619280" cy="3426840"/>
           </a:xfrm>
           <a:prstGeom prst="rect">
             <a:avLst/>
@@ -1130,8 +1130,8 @@
         </p:blipFill>
         <p:spPr>
           <a:xfrm flipH="1">
-            <a:off x="10572480" y="3429000"/>
-            <a:ext cx="1619640" cy="3427200"/>
+            <a:off x="10572840" y="3429000"/>
+            <a:ext cx="1619280" cy="3426840"/>
           </a:xfrm>
           <a:prstGeom prst="rect">
             <a:avLst/>
@@ -1193,9 +1193,9 @@
         <p:grpSpPr>
           <a:xfrm>
             <a:off x="588960" y="614880"/>
-            <a:ext cx="2218680" cy="876240"/>
+            <a:ext cx="2218320" cy="875880"/>
             <a:chOff x="588960" y="614880"/>
-            <a:chExt cx="2218680" cy="876240"/>
+            <a:chExt cx="2218320" cy="875880"/>
           </a:xfrm>
         </p:grpSpPr>
         <p:sp>
@@ -1207,15 +1207,15 @@
           <p:spPr>
             <a:xfrm>
               <a:off x="1879920" y="976320"/>
-              <a:ext cx="204840" cy="514440"/>
+              <a:ext cx="204480" cy="514080"/>
             </a:xfrm>
             <a:custGeom>
               <a:avLst/>
               <a:gdLst>
-                <a:gd name="textAreaLeft" fmla="*/ 0 w 204840"/>
-                <a:gd name="textAreaRight" fmla="*/ 206640 w 204840"/>
-                <a:gd name="textAreaTop" fmla="*/ 0 h 514440"/>
-                <a:gd name="textAreaBottom" fmla="*/ 516240 h 514440"/>
+                <a:gd name="textAreaLeft" fmla="*/ 0 w 204480"/>
+                <a:gd name="textAreaRight" fmla="*/ 206640 w 204480"/>
+                <a:gd name="textAreaTop" fmla="*/ 0 h 514080"/>
+                <a:gd name="textAreaBottom" fmla="*/ 516240 h 514080"/>
               </a:gdLst>
               <a:ahLst/>
               <a:rect l="textAreaLeft" t="textAreaTop" r="textAreaRight" b="textAreaBottom"/>
@@ -1306,15 +1306,15 @@
           <p:spPr>
             <a:xfrm>
               <a:off x="2138040" y="1079640"/>
-              <a:ext cx="411480" cy="411480"/>
+              <a:ext cx="411120" cy="411120"/>
             </a:xfrm>
             <a:custGeom>
               <a:avLst/>
               <a:gdLst>
-                <a:gd name="textAreaLeft" fmla="*/ 0 w 411480"/>
-                <a:gd name="textAreaRight" fmla="*/ 413280 w 411480"/>
-                <a:gd name="textAreaTop" fmla="*/ 0 h 411480"/>
-                <a:gd name="textAreaBottom" fmla="*/ 413280 h 411480"/>
+                <a:gd name="textAreaLeft" fmla="*/ 0 w 411120"/>
+                <a:gd name="textAreaRight" fmla="*/ 413280 w 411120"/>
+                <a:gd name="textAreaTop" fmla="*/ 0 h 411120"/>
+                <a:gd name="textAreaBottom" fmla="*/ 413280 h 411120"/>
               </a:gdLst>
               <a:ahLst/>
               <a:rect l="textAreaLeft" t="textAreaTop" r="textAreaRight" b="textAreaBottom"/>
@@ -1413,15 +1413,15 @@
           <p:spPr>
             <a:xfrm>
               <a:off x="2602800" y="1080000"/>
-              <a:ext cx="204840" cy="411120"/>
+              <a:ext cx="204480" cy="410760"/>
             </a:xfrm>
             <a:custGeom>
               <a:avLst/>
               <a:gdLst>
-                <a:gd name="textAreaLeft" fmla="*/ 0 w 204840"/>
-                <a:gd name="textAreaRight" fmla="*/ 206640 w 204840"/>
-                <a:gd name="textAreaTop" fmla="*/ 0 h 411120"/>
-                <a:gd name="textAreaBottom" fmla="*/ 412920 h 411120"/>
+                <a:gd name="textAreaLeft" fmla="*/ 0 w 204480"/>
+                <a:gd name="textAreaRight" fmla="*/ 206640 w 204480"/>
+                <a:gd name="textAreaTop" fmla="*/ 0 h 410760"/>
+                <a:gd name="textAreaBottom" fmla="*/ 412920 h 410760"/>
               </a:gdLst>
               <a:ahLst/>
               <a:rect l="textAreaLeft" t="textAreaTop" r="textAreaRight" b="textAreaBottom"/>
@@ -1499,15 +1499,15 @@
           <p:spPr>
             <a:xfrm>
               <a:off x="950400" y="1079640"/>
-              <a:ext cx="411120" cy="411480"/>
+              <a:ext cx="410760" cy="411120"/>
             </a:xfrm>
             <a:custGeom>
               <a:avLst/>
               <a:gdLst>
-                <a:gd name="textAreaLeft" fmla="*/ 0 w 411120"/>
-                <a:gd name="textAreaRight" fmla="*/ 412920 w 411120"/>
-                <a:gd name="textAreaTop" fmla="*/ 0 h 411480"/>
-                <a:gd name="textAreaBottom" fmla="*/ 413280 h 411480"/>
+                <a:gd name="textAreaLeft" fmla="*/ 0 w 410760"/>
+                <a:gd name="textAreaRight" fmla="*/ 412920 w 410760"/>
+                <a:gd name="textAreaTop" fmla="*/ 0 h 411120"/>
+                <a:gd name="textAreaBottom" fmla="*/ 413280 h 411120"/>
               </a:gdLst>
               <a:ahLst/>
               <a:rect l="textAreaLeft" t="textAreaTop" r="textAreaRight" b="textAreaBottom"/>
@@ -1615,15 +1615,15 @@
           <p:spPr>
             <a:xfrm>
               <a:off x="1415160" y="1079640"/>
-              <a:ext cx="411120" cy="411480"/>
+              <a:ext cx="410760" cy="411120"/>
             </a:xfrm>
             <a:custGeom>
               <a:avLst/>
               <a:gdLst>
-                <a:gd name="textAreaLeft" fmla="*/ 0 w 411120"/>
-                <a:gd name="textAreaRight" fmla="*/ 412920 w 411120"/>
-                <a:gd name="textAreaTop" fmla="*/ 0 h 411480"/>
-                <a:gd name="textAreaBottom" fmla="*/ 413280 h 411480"/>
+                <a:gd name="textAreaLeft" fmla="*/ 0 w 410760"/>
+                <a:gd name="textAreaRight" fmla="*/ 412920 w 410760"/>
+                <a:gd name="textAreaTop" fmla="*/ 0 h 411120"/>
+                <a:gd name="textAreaBottom" fmla="*/ 413280 h 411120"/>
               </a:gdLst>
               <a:ahLst/>
               <a:rect l="textAreaLeft" t="textAreaTop" r="textAreaRight" b="textAreaBottom"/>
@@ -1717,15 +1717,15 @@
           <p:spPr>
             <a:xfrm>
               <a:off x="588960" y="976680"/>
-              <a:ext cx="308160" cy="514440"/>
+              <a:ext cx="307800" cy="514080"/>
             </a:xfrm>
             <a:custGeom>
               <a:avLst/>
               <a:gdLst>
-                <a:gd name="textAreaLeft" fmla="*/ 0 w 308160"/>
-                <a:gd name="textAreaRight" fmla="*/ 309960 w 308160"/>
-                <a:gd name="textAreaTop" fmla="*/ 0 h 514440"/>
-                <a:gd name="textAreaBottom" fmla="*/ 516240 h 514440"/>
+                <a:gd name="textAreaLeft" fmla="*/ 0 w 307800"/>
+                <a:gd name="textAreaRight" fmla="*/ 309960 w 307800"/>
+                <a:gd name="textAreaTop" fmla="*/ 0 h 514080"/>
+                <a:gd name="textAreaBottom" fmla="*/ 516240 h 514080"/>
               </a:gdLst>
               <a:ahLst/>
               <a:rect l="textAreaLeft" t="textAreaTop" r="textAreaRight" b="textAreaBottom"/>
@@ -1830,15 +1830,15 @@
           <p:spPr>
             <a:xfrm>
               <a:off x="846720" y="924480"/>
-              <a:ext cx="102240" cy="102240"/>
+              <a:ext cx="101880" cy="101880"/>
             </a:xfrm>
             <a:custGeom>
               <a:avLst/>
               <a:gdLst>
-                <a:gd name="textAreaLeft" fmla="*/ 0 w 102240"/>
-                <a:gd name="textAreaRight" fmla="*/ 104040 w 102240"/>
-                <a:gd name="textAreaTop" fmla="*/ 0 h 102240"/>
-                <a:gd name="textAreaBottom" fmla="*/ 104040 h 102240"/>
+                <a:gd name="textAreaLeft" fmla="*/ 0 w 101880"/>
+                <a:gd name="textAreaRight" fmla="*/ 104040 w 101880"/>
+                <a:gd name="textAreaTop" fmla="*/ 0 h 101880"/>
+                <a:gd name="textAreaBottom" fmla="*/ 104040 h 101880"/>
               </a:gdLst>
               <a:ahLst/>
               <a:rect l="textAreaLeft" t="textAreaTop" r="textAreaRight" b="textAreaBottom"/>
@@ -1914,15 +1914,15 @@
           <p:spPr>
             <a:xfrm>
               <a:off x="692280" y="614880"/>
-              <a:ext cx="824400" cy="522000"/>
+              <a:ext cx="824040" cy="521640"/>
             </a:xfrm>
             <a:custGeom>
               <a:avLst/>
               <a:gdLst>
-                <a:gd name="textAreaLeft" fmla="*/ 0 w 824400"/>
-                <a:gd name="textAreaRight" fmla="*/ 826200 w 824400"/>
-                <a:gd name="textAreaTop" fmla="*/ 0 h 522000"/>
-                <a:gd name="textAreaBottom" fmla="*/ 523800 h 522000"/>
+                <a:gd name="textAreaLeft" fmla="*/ 0 w 824040"/>
+                <a:gd name="textAreaRight" fmla="*/ 826200 w 824040"/>
+                <a:gd name="textAreaTop" fmla="*/ 0 h 521640"/>
+                <a:gd name="textAreaBottom" fmla="*/ 523800 h 521640"/>
               </a:gdLst>
               <a:ahLst/>
               <a:rect l="textAreaLeft" t="textAreaTop" r="textAreaRight" b="textAreaBottom"/>
@@ -2458,7 +2458,7 @@
         <p:spPr>
           <a:xfrm>
             <a:off x="11379960" y="214560"/>
-            <a:ext cx="573480" cy="161640"/>
+            <a:ext cx="573120" cy="161280"/>
           </a:xfrm>
           <a:prstGeom prst="rect">
             <a:avLst/>
@@ -2490,7 +2490,7 @@
                 <a:tab algn="l" pos="0"/>
               </a:tabLst>
             </a:pPr>
-            <a:fld id="{59DE599F-D1EE-4ECC-A4AB-429A4BC58F28}" type="slidenum">
+            <a:fld id="{C9B8EA60-8F73-496B-8E19-A15C9DC01D35}" type="slidenum">
               <a:rPr b="0" lang="ru-RU" sz="1000" spc="-1" strike="noStrike">
                 <a:solidFill>
                   <a:srgbClr val="bfbfbf"/>
@@ -2528,7 +2528,7 @@
         <p:spPr>
           <a:xfrm>
             <a:off x="442800" y="172080"/>
-            <a:ext cx="712800" cy="282240"/>
+            <a:ext cx="712440" cy="281880"/>
           </a:xfrm>
           <a:prstGeom prst="rect">
             <a:avLst/>
@@ -2547,7 +2547,7 @@
         <p:spPr>
           <a:xfrm>
             <a:off x="0" y="633960"/>
-            <a:ext cx="12193560" cy="1800"/>
+            <a:ext cx="12193920" cy="2160"/>
           </a:xfrm>
           <a:prstGeom prst="straightConnector1">
             <a:avLst/>
@@ -2616,7 +2616,7 @@
         <p:spPr>
           <a:xfrm>
             <a:off x="442800" y="172080"/>
-            <a:ext cx="712800" cy="282240"/>
+            <a:ext cx="712440" cy="281880"/>
           </a:xfrm>
           <a:prstGeom prst="rect">
             <a:avLst/>
@@ -2671,7 +2671,7 @@
         <p:spPr>
           <a:xfrm>
             <a:off x="11379960" y="214560"/>
-            <a:ext cx="573480" cy="161640"/>
+            <a:ext cx="573120" cy="161280"/>
           </a:xfrm>
           <a:prstGeom prst="rect">
             <a:avLst/>
@@ -2703,7 +2703,7 @@
                 <a:tab algn="l" pos="0"/>
               </a:tabLst>
             </a:pPr>
-            <a:fld id="{11AC5FB9-C6A5-43B4-AAB2-031543BF753F}" type="slidenum">
+            <a:fld id="{555220B7-625E-4857-9DE3-17D09473AC20}" type="slidenum">
               <a:rPr b="0" lang="ru-RU" sz="1000" spc="-1" strike="noStrike">
                 <a:solidFill>
                   <a:srgbClr val="bfbfbf"/>
@@ -2741,7 +2741,7 @@
         <p:spPr>
           <a:xfrm>
             <a:off x="442800" y="172080"/>
-            <a:ext cx="712800" cy="282240"/>
+            <a:ext cx="712440" cy="281880"/>
           </a:xfrm>
           <a:prstGeom prst="rect">
             <a:avLst/>
@@ -2760,7 +2760,7 @@
         <p:spPr>
           <a:xfrm>
             <a:off x="0" y="633960"/>
-            <a:ext cx="12193560" cy="1800"/>
+            <a:ext cx="12193920" cy="2160"/>
           </a:xfrm>
           <a:prstGeom prst="straightConnector1">
             <a:avLst/>
@@ -2789,7 +2789,7 @@
         <p:spPr>
           <a:xfrm>
             <a:off x="0" y="0"/>
-            <a:ext cx="12156120" cy="6856200"/>
+            <a:ext cx="12155760" cy="6855840"/>
           </a:xfrm>
           <a:prstGeom prst="rect">
             <a:avLst/>
@@ -2855,7 +2855,7 @@
         <p:spPr>
           <a:xfrm>
             <a:off x="442800" y="172080"/>
-            <a:ext cx="712800" cy="282240"/>
+            <a:ext cx="712440" cy="281880"/>
           </a:xfrm>
           <a:prstGeom prst="rect">
             <a:avLst/>
@@ -2907,7 +2907,7 @@
         <p:spPr>
           <a:xfrm>
             <a:off x="11379960" y="214560"/>
-            <a:ext cx="573480" cy="161640"/>
+            <a:ext cx="573120" cy="161280"/>
           </a:xfrm>
           <a:prstGeom prst="rect">
             <a:avLst/>
@@ -2939,7 +2939,7 @@
                 <a:tab algn="l" pos="0"/>
               </a:tabLst>
             </a:pPr>
-            <a:fld id="{FADBEE6F-270D-4FFA-B4E5-B1FB39DE3D63}" type="slidenum">
+            <a:fld id="{8FC5969C-8DA7-4E15-8CD4-301F0C935FB4}" type="slidenum">
               <a:rPr b="0" lang="ru-RU" sz="1000" spc="-1" strike="noStrike">
                 <a:solidFill>
                   <a:srgbClr val="bfbfbf"/>
@@ -2977,7 +2977,7 @@
         <p:spPr>
           <a:xfrm>
             <a:off x="442800" y="172080"/>
-            <a:ext cx="712800" cy="282240"/>
+            <a:ext cx="712440" cy="281880"/>
           </a:xfrm>
           <a:prstGeom prst="rect">
             <a:avLst/>
@@ -2996,7 +2996,7 @@
         <p:spPr>
           <a:xfrm>
             <a:off x="0" y="633960"/>
-            <a:ext cx="12193560" cy="1800"/>
+            <a:ext cx="12193920" cy="2160"/>
           </a:xfrm>
           <a:prstGeom prst="straightConnector1">
             <a:avLst/>
@@ -3018,9 +3018,9 @@
         <p:grpSpPr>
           <a:xfrm>
             <a:off x="588960" y="614160"/>
-            <a:ext cx="1467360" cy="578880"/>
+            <a:ext cx="1467000" cy="578520"/>
             <a:chOff x="588960" y="614160"/>
-            <a:chExt cx="1467360" cy="578880"/>
+            <a:chExt cx="1467000" cy="578520"/>
           </a:xfrm>
         </p:grpSpPr>
         <p:sp>
@@ -3032,15 +3032,15 @@
           <p:spPr>
             <a:xfrm>
               <a:off x="1443240" y="853200"/>
-              <a:ext cx="135000" cy="339840"/>
+              <a:ext cx="134640" cy="339480"/>
             </a:xfrm>
             <a:custGeom>
               <a:avLst/>
               <a:gdLst>
-                <a:gd name="textAreaLeft" fmla="*/ 0 w 135000"/>
-                <a:gd name="textAreaRight" fmla="*/ 136800 w 135000"/>
-                <a:gd name="textAreaTop" fmla="*/ 0 h 339840"/>
-                <a:gd name="textAreaBottom" fmla="*/ 341640 h 339840"/>
+                <a:gd name="textAreaLeft" fmla="*/ 0 w 134640"/>
+                <a:gd name="textAreaRight" fmla="*/ 136800 w 134640"/>
+                <a:gd name="textAreaTop" fmla="*/ 0 h 339480"/>
+                <a:gd name="textAreaBottom" fmla="*/ 341640 h 339480"/>
               </a:gdLst>
               <a:ahLst/>
               <a:rect l="textAreaLeft" t="textAreaTop" r="textAreaRight" b="textAreaBottom"/>
@@ -3131,15 +3131,15 @@
           <p:spPr>
             <a:xfrm>
               <a:off x="1613880" y="921600"/>
-              <a:ext cx="271440" cy="271440"/>
+              <a:ext cx="271080" cy="271080"/>
             </a:xfrm>
             <a:custGeom>
               <a:avLst/>
               <a:gdLst>
-                <a:gd name="textAreaLeft" fmla="*/ 0 w 271440"/>
-                <a:gd name="textAreaRight" fmla="*/ 273240 w 271440"/>
-                <a:gd name="textAreaTop" fmla="*/ 0 h 271440"/>
-                <a:gd name="textAreaBottom" fmla="*/ 273240 h 271440"/>
+                <a:gd name="textAreaLeft" fmla="*/ 0 w 271080"/>
+                <a:gd name="textAreaRight" fmla="*/ 273240 w 271080"/>
+                <a:gd name="textAreaTop" fmla="*/ 0 h 271080"/>
+                <a:gd name="textAreaBottom" fmla="*/ 273240 h 271080"/>
               </a:gdLst>
               <a:ahLst/>
               <a:rect l="textAreaLeft" t="textAreaTop" r="textAreaRight" b="textAreaBottom"/>
@@ -3238,15 +3238,15 @@
           <p:spPr>
             <a:xfrm>
               <a:off x="1921320" y="921600"/>
-              <a:ext cx="135000" cy="271440"/>
+              <a:ext cx="134640" cy="271080"/>
             </a:xfrm>
             <a:custGeom>
               <a:avLst/>
               <a:gdLst>
-                <a:gd name="textAreaLeft" fmla="*/ 0 w 135000"/>
-                <a:gd name="textAreaRight" fmla="*/ 136800 w 135000"/>
-                <a:gd name="textAreaTop" fmla="*/ 0 h 271440"/>
-                <a:gd name="textAreaBottom" fmla="*/ 273240 h 271440"/>
+                <a:gd name="textAreaLeft" fmla="*/ 0 w 134640"/>
+                <a:gd name="textAreaRight" fmla="*/ 136800 w 134640"/>
+                <a:gd name="textAreaTop" fmla="*/ 0 h 271080"/>
+                <a:gd name="textAreaBottom" fmla="*/ 273240 h 271080"/>
               </a:gdLst>
               <a:ahLst/>
               <a:rect l="textAreaLeft" t="textAreaTop" r="textAreaRight" b="textAreaBottom"/>
@@ -3324,15 +3324,15 @@
           <p:spPr>
             <a:xfrm>
               <a:off x="828000" y="921600"/>
-              <a:ext cx="271440" cy="271440"/>
+              <a:ext cx="271080" cy="271080"/>
             </a:xfrm>
             <a:custGeom>
               <a:avLst/>
               <a:gdLst>
-                <a:gd name="textAreaLeft" fmla="*/ 0 w 271440"/>
-                <a:gd name="textAreaRight" fmla="*/ 273240 w 271440"/>
-                <a:gd name="textAreaTop" fmla="*/ 0 h 271440"/>
-                <a:gd name="textAreaBottom" fmla="*/ 273240 h 271440"/>
+                <a:gd name="textAreaLeft" fmla="*/ 0 w 271080"/>
+                <a:gd name="textAreaRight" fmla="*/ 273240 w 271080"/>
+                <a:gd name="textAreaTop" fmla="*/ 0 h 271080"/>
+                <a:gd name="textAreaBottom" fmla="*/ 273240 h 271080"/>
               </a:gdLst>
               <a:ahLst/>
               <a:rect l="textAreaLeft" t="textAreaTop" r="textAreaRight" b="textAreaBottom"/>
@@ -3440,15 +3440,15 @@
           <p:spPr>
             <a:xfrm>
               <a:off x="1135440" y="921600"/>
-              <a:ext cx="271440" cy="271440"/>
+              <a:ext cx="271080" cy="271080"/>
             </a:xfrm>
             <a:custGeom>
               <a:avLst/>
               <a:gdLst>
-                <a:gd name="textAreaLeft" fmla="*/ 0 w 271440"/>
-                <a:gd name="textAreaRight" fmla="*/ 273240 w 271440"/>
-                <a:gd name="textAreaTop" fmla="*/ 0 h 271440"/>
-                <a:gd name="textAreaBottom" fmla="*/ 273240 h 271440"/>
+                <a:gd name="textAreaLeft" fmla="*/ 0 w 271080"/>
+                <a:gd name="textAreaRight" fmla="*/ 273240 w 271080"/>
+                <a:gd name="textAreaTop" fmla="*/ 0 h 271080"/>
+                <a:gd name="textAreaBottom" fmla="*/ 273240 h 271080"/>
               </a:gdLst>
               <a:ahLst/>
               <a:rect l="textAreaLeft" t="textAreaTop" r="textAreaRight" b="textAreaBottom"/>
@@ -3542,15 +3542,15 @@
           <p:spPr>
             <a:xfrm>
               <a:off x="588960" y="853200"/>
-              <a:ext cx="203040" cy="339840"/>
+              <a:ext cx="202680" cy="339480"/>
             </a:xfrm>
             <a:custGeom>
               <a:avLst/>
               <a:gdLst>
-                <a:gd name="textAreaLeft" fmla="*/ 0 w 203040"/>
-                <a:gd name="textAreaRight" fmla="*/ 204840 w 203040"/>
-                <a:gd name="textAreaTop" fmla="*/ 0 h 339840"/>
-                <a:gd name="textAreaBottom" fmla="*/ 341640 h 339840"/>
+                <a:gd name="textAreaLeft" fmla="*/ 0 w 202680"/>
+                <a:gd name="textAreaRight" fmla="*/ 204840 w 202680"/>
+                <a:gd name="textAreaTop" fmla="*/ 0 h 339480"/>
+                <a:gd name="textAreaBottom" fmla="*/ 341640 h 339480"/>
               </a:gdLst>
               <a:ahLst/>
               <a:rect l="textAreaLeft" t="textAreaTop" r="textAreaRight" b="textAreaBottom"/>
@@ -3655,15 +3655,15 @@
           <p:spPr>
             <a:xfrm>
               <a:off x="759600" y="819000"/>
-              <a:ext cx="66960" cy="66960"/>
+              <a:ext cx="66600" cy="66600"/>
             </a:xfrm>
             <a:custGeom>
               <a:avLst/>
               <a:gdLst>
-                <a:gd name="textAreaLeft" fmla="*/ 0 w 66960"/>
-                <a:gd name="textAreaRight" fmla="*/ 68760 w 66960"/>
-                <a:gd name="textAreaTop" fmla="*/ 0 h 66960"/>
-                <a:gd name="textAreaBottom" fmla="*/ 68760 h 66960"/>
+                <a:gd name="textAreaLeft" fmla="*/ 0 w 66600"/>
+                <a:gd name="textAreaRight" fmla="*/ 68760 w 66600"/>
+                <a:gd name="textAreaTop" fmla="*/ 0 h 66600"/>
+                <a:gd name="textAreaBottom" fmla="*/ 68760 h 66600"/>
               </a:gdLst>
               <a:ahLst/>
               <a:rect l="textAreaLeft" t="textAreaTop" r="textAreaRight" b="textAreaBottom"/>
@@ -3739,15 +3739,15 @@
           <p:spPr>
             <a:xfrm>
               <a:off x="657360" y="614160"/>
-              <a:ext cx="544680" cy="344520"/>
+              <a:ext cx="544320" cy="344160"/>
             </a:xfrm>
             <a:custGeom>
               <a:avLst/>
               <a:gdLst>
-                <a:gd name="textAreaLeft" fmla="*/ 0 w 544680"/>
-                <a:gd name="textAreaRight" fmla="*/ 546480 w 544680"/>
-                <a:gd name="textAreaTop" fmla="*/ 0 h 344520"/>
-                <a:gd name="textAreaBottom" fmla="*/ 346320 h 344520"/>
+                <a:gd name="textAreaLeft" fmla="*/ 0 w 544320"/>
+                <a:gd name="textAreaRight" fmla="*/ 546480 w 544320"/>
+                <a:gd name="textAreaTop" fmla="*/ 0 h 344160"/>
+                <a:gd name="textAreaBottom" fmla="*/ 346320 h 344160"/>
               </a:gdLst>
               <a:ahLst/>
               <a:rect l="textAreaLeft" t="textAreaTop" r="textAreaRight" b="textAreaBottom"/>
@@ -4048,7 +4048,7 @@
         <p:spPr>
           <a:xfrm>
             <a:off x="11379960" y="214560"/>
-            <a:ext cx="573480" cy="161640"/>
+            <a:ext cx="573120" cy="161280"/>
           </a:xfrm>
           <a:prstGeom prst="rect">
             <a:avLst/>
@@ -4080,7 +4080,7 @@
                 <a:tab algn="l" pos="0"/>
               </a:tabLst>
             </a:pPr>
-            <a:fld id="{A216D2F4-74E4-4AB0-804A-3496DEA999A8}" type="slidenum">
+            <a:fld id="{76EACE17-C7BA-4E94-B959-8A76AC14006B}" type="slidenum">
               <a:rPr b="0" lang="ru-RU" sz="1000" spc="-1" strike="noStrike">
                 <a:solidFill>
                   <a:srgbClr val="bfbfbf"/>
@@ -4118,7 +4118,7 @@
         <p:spPr>
           <a:xfrm>
             <a:off x="442800" y="172080"/>
-            <a:ext cx="712800" cy="282240"/>
+            <a:ext cx="712440" cy="281880"/>
           </a:xfrm>
           <a:prstGeom prst="rect">
             <a:avLst/>
@@ -4137,7 +4137,7 @@
         <p:spPr>
           <a:xfrm>
             <a:off x="0" y="633960"/>
-            <a:ext cx="12193560" cy="1800"/>
+            <a:ext cx="12193920" cy="2160"/>
           </a:xfrm>
           <a:prstGeom prst="straightConnector1">
             <a:avLst/>
@@ -4162,8 +4162,8 @@
         </p:blipFill>
         <p:spPr>
           <a:xfrm flipH="1" rot="5400000">
-            <a:off x="2668320" y="-2683080"/>
-            <a:ext cx="6857280" cy="12191760"/>
+            <a:off x="2668680" y="-2682720"/>
+            <a:ext cx="6856920" cy="12191400"/>
           </a:xfrm>
           <a:prstGeom prst="rect">
             <a:avLst/>
@@ -4186,8 +4186,8 @@
         </p:blipFill>
         <p:spPr>
           <a:xfrm flipH="1">
-            <a:off x="10522440" y="5103000"/>
-            <a:ext cx="1669680" cy="1765800"/>
+            <a:off x="10522800" y="5103000"/>
+            <a:ext cx="1669320" cy="1765440"/>
           </a:xfrm>
           <a:prstGeom prst="rect">
             <a:avLst/>
@@ -4210,7 +4210,7 @@
         <p:spPr>
           <a:xfrm>
             <a:off x="588960" y="614880"/>
-            <a:ext cx="1457280" cy="578160"/>
+            <a:ext cx="1456920" cy="577800"/>
           </a:xfrm>
           <a:prstGeom prst="rect">
             <a:avLst/>
@@ -4265,7 +4265,7 @@
         <p:spPr>
           <a:xfrm>
             <a:off x="11379960" y="214560"/>
-            <a:ext cx="573480" cy="161640"/>
+            <a:ext cx="573120" cy="161280"/>
           </a:xfrm>
           <a:prstGeom prst="rect">
             <a:avLst/>
@@ -4297,7 +4297,7 @@
                 <a:tab algn="l" pos="0"/>
               </a:tabLst>
             </a:pPr>
-            <a:fld id="{E58A344A-65DA-4EA0-B69E-7F0C64770163}" type="slidenum">
+            <a:fld id="{59585AB9-0E68-443D-A8F6-DEF10B6F2120}" type="slidenum">
               <a:rPr b="0" lang="ru-RU" sz="1000" spc="-1" strike="noStrike">
                 <a:solidFill>
                   <a:srgbClr val="bfbfbf"/>
@@ -4335,7 +4335,7 @@
         <p:spPr>
           <a:xfrm>
             <a:off x="442800" y="172080"/>
-            <a:ext cx="712800" cy="282240"/>
+            <a:ext cx="712440" cy="281880"/>
           </a:xfrm>
           <a:prstGeom prst="rect">
             <a:avLst/>
@@ -4354,7 +4354,7 @@
         <p:spPr>
           <a:xfrm>
             <a:off x="0" y="633960"/>
-            <a:ext cx="12193560" cy="1800"/>
+            <a:ext cx="12193920" cy="2160"/>
           </a:xfrm>
           <a:prstGeom prst="straightConnector1">
             <a:avLst/>
@@ -4380,8 +4380,8 @@
         </p:blipFill>
         <p:spPr>
           <a:xfrm flipH="1">
-            <a:off x="10522440" y="5103000"/>
-            <a:ext cx="1669680" cy="1765800"/>
+            <a:off x="10522800" y="5103000"/>
+            <a:ext cx="1669320" cy="1765440"/>
           </a:xfrm>
           <a:prstGeom prst="rect">
             <a:avLst/>
@@ -4404,7 +4404,7 @@
         <p:spPr>
           <a:xfrm>
             <a:off x="588960" y="614880"/>
-            <a:ext cx="1457280" cy="578160"/>
+            <a:ext cx="1456920" cy="577800"/>
           </a:xfrm>
           <a:prstGeom prst="rect">
             <a:avLst/>
@@ -4459,7 +4459,7 @@
         <p:spPr>
           <a:xfrm>
             <a:off x="11379960" y="214560"/>
-            <a:ext cx="573480" cy="161640"/>
+            <a:ext cx="573120" cy="161280"/>
           </a:xfrm>
           <a:prstGeom prst="rect">
             <a:avLst/>
@@ -4491,7 +4491,7 @@
                 <a:tab algn="l" pos="0"/>
               </a:tabLst>
             </a:pPr>
-            <a:fld id="{6C2F72FC-29EB-445F-897D-CF842568A58E}" type="slidenum">
+            <a:fld id="{4959B1EF-111F-4188-9DD6-328D776DE413}" type="slidenum">
               <a:rPr b="0" lang="ru-RU" sz="1000" spc="-1" strike="noStrike">
                 <a:solidFill>
                   <a:srgbClr val="bfbfbf"/>
@@ -4529,7 +4529,7 @@
         <p:spPr>
           <a:xfrm>
             <a:off x="442800" y="172080"/>
-            <a:ext cx="712800" cy="282240"/>
+            <a:ext cx="712440" cy="281880"/>
           </a:xfrm>
           <a:prstGeom prst="rect">
             <a:avLst/>
@@ -4548,7 +4548,7 @@
         <p:spPr>
           <a:xfrm>
             <a:off x="0" y="633960"/>
-            <a:ext cx="12193560" cy="1800"/>
+            <a:ext cx="12193920" cy="2160"/>
           </a:xfrm>
           <a:prstGeom prst="straightConnector1">
             <a:avLst/>
@@ -4615,8 +4615,8 @@
         </p:blipFill>
         <p:spPr>
           <a:xfrm rot="16200000">
-            <a:off x="2781720" y="4512240"/>
-            <a:ext cx="1669680" cy="1765800"/>
+            <a:off x="2781720" y="4512600"/>
+            <a:ext cx="1669320" cy="1765440"/>
           </a:xfrm>
           <a:prstGeom prst="rect">
             <a:avLst/>
@@ -4641,7 +4641,7 @@
         <p:spPr>
           <a:xfrm>
             <a:off x="442800" y="172080"/>
-            <a:ext cx="712800" cy="282240"/>
+            <a:ext cx="712440" cy="281880"/>
           </a:xfrm>
           <a:prstGeom prst="rect">
             <a:avLst/>
@@ -5052,7 +5052,7 @@
         <p:spPr>
           <a:xfrm>
             <a:off x="11379960" y="214560"/>
-            <a:ext cx="573480" cy="161640"/>
+            <a:ext cx="573120" cy="161280"/>
           </a:xfrm>
           <a:prstGeom prst="rect">
             <a:avLst/>
@@ -5084,7 +5084,7 @@
                 <a:tab algn="l" pos="0"/>
               </a:tabLst>
             </a:pPr>
-            <a:fld id="{AF0B1FCF-6B58-4BB1-ACF8-5B41E9E2F663}" type="slidenum">
+            <a:fld id="{5386631E-3024-4C6E-97BD-179F92DE7BAA}" type="slidenum">
               <a:rPr b="0" lang="ru-RU" sz="1000" spc="-1" strike="noStrike">
                 <a:solidFill>
                   <a:srgbClr val="bfbfbf"/>
@@ -5122,7 +5122,7 @@
         <p:spPr>
           <a:xfrm>
             <a:off x="442800" y="172080"/>
-            <a:ext cx="712800" cy="282240"/>
+            <a:ext cx="712440" cy="281880"/>
           </a:xfrm>
           <a:prstGeom prst="rect">
             <a:avLst/>
@@ -5141,7 +5141,7 @@
         <p:spPr>
           <a:xfrm>
             <a:off x="0" y="633960"/>
-            <a:ext cx="12193560" cy="1800"/>
+            <a:ext cx="12193920" cy="2160"/>
           </a:xfrm>
           <a:prstGeom prst="straightConnector1">
             <a:avLst/>
@@ -5210,7 +5210,7 @@
         <p:spPr>
           <a:xfrm>
             <a:off x="599040" y="614880"/>
-            <a:ext cx="2206800" cy="875880"/>
+            <a:ext cx="2206440" cy="875520"/>
           </a:xfrm>
           <a:prstGeom prst="rect">
             <a:avLst/>
@@ -5281,8 +5281,8 @@
         </p:blipFill>
         <p:spPr>
           <a:xfrm flipH="1" rot="10800000">
-            <a:off x="10570680" y="1800"/>
-            <a:ext cx="1619640" cy="3427200"/>
+            <a:off x="10570680" y="2160"/>
+            <a:ext cx="1619280" cy="3426840"/>
           </a:xfrm>
           <a:prstGeom prst="rect">
             <a:avLst/>
@@ -5310,8 +5310,8 @@
         </p:blipFill>
         <p:spPr>
           <a:xfrm flipH="1">
-            <a:off x="10572480" y="3429000"/>
-            <a:ext cx="1619640" cy="3427200"/>
+            <a:off x="10572840" y="3429000"/>
+            <a:ext cx="1619280" cy="3426840"/>
           </a:xfrm>
           <a:prstGeom prst="rect">
             <a:avLst/>
@@ -5478,7 +5478,7 @@
         <p:spPr>
           <a:xfrm>
             <a:off x="482760" y="4313880"/>
-            <a:ext cx="2076480" cy="2076480"/>
+            <a:ext cx="2076120" cy="2076120"/>
           </a:xfrm>
           <a:prstGeom prst="rect">
             <a:avLst/>
@@ -5530,7 +5530,7 @@
         <p:spPr>
           <a:xfrm>
             <a:off x="11379960" y="214560"/>
-            <a:ext cx="573480" cy="161640"/>
+            <a:ext cx="573120" cy="161280"/>
           </a:xfrm>
           <a:prstGeom prst="rect">
             <a:avLst/>
@@ -5562,7 +5562,7 @@
                 <a:tab algn="l" pos="0"/>
               </a:tabLst>
             </a:pPr>
-            <a:fld id="{8AD1B334-E09B-4C19-8B18-6611A89A13FE}" type="slidenum">
+            <a:fld id="{21685816-3254-4DD8-B8B9-D025AB97380C}" type="slidenum">
               <a:rPr b="0" lang="ru-RU" sz="1000" spc="-1" strike="noStrike">
                 <a:solidFill>
                   <a:srgbClr val="bfbfbf"/>
@@ -5600,7 +5600,7 @@
         <p:spPr>
           <a:xfrm>
             <a:off x="442800" y="172080"/>
-            <a:ext cx="712800" cy="282240"/>
+            <a:ext cx="712440" cy="281880"/>
           </a:xfrm>
           <a:prstGeom prst="rect">
             <a:avLst/>
@@ -5619,7 +5619,7 @@
         <p:spPr>
           <a:xfrm>
             <a:off x="0" y="633960"/>
-            <a:ext cx="12193560" cy="1800"/>
+            <a:ext cx="12193920" cy="2160"/>
           </a:xfrm>
           <a:prstGeom prst="straightConnector1">
             <a:avLst/>
@@ -5645,7 +5645,7 @@
         <p:spPr>
           <a:xfrm>
             <a:off x="442800" y="6343920"/>
-            <a:ext cx="7662240" cy="234360"/>
+            <a:ext cx="7661880" cy="234000"/>
           </a:xfrm>
           <a:prstGeom prst="rect">
             <a:avLst/>
@@ -6020,7 +6020,7 @@
         <p:spPr>
           <a:xfrm>
             <a:off x="11379960" y="214560"/>
-            <a:ext cx="573480" cy="161640"/>
+            <a:ext cx="573120" cy="161280"/>
           </a:xfrm>
           <a:prstGeom prst="rect">
             <a:avLst/>
@@ -6052,7 +6052,7 @@
                 <a:tab algn="l" pos="0"/>
               </a:tabLst>
             </a:pPr>
-            <a:fld id="{80F3ADB6-287F-4702-B59E-D071B936D1BD}" type="slidenum">
+            <a:fld id="{0A00C833-3A71-4471-8AD9-F5DE7B134519}" type="slidenum">
               <a:rPr b="0" lang="ru-RU" sz="1000" spc="-1" strike="noStrike">
                 <a:solidFill>
                   <a:srgbClr val="bfbfbf"/>
@@ -6090,7 +6090,7 @@
         <p:spPr>
           <a:xfrm>
             <a:off x="442800" y="172080"/>
-            <a:ext cx="712800" cy="282240"/>
+            <a:ext cx="712440" cy="281880"/>
           </a:xfrm>
           <a:prstGeom prst="rect">
             <a:avLst/>
@@ -6109,7 +6109,7 @@
         <p:spPr>
           <a:xfrm>
             <a:off x="0" y="633960"/>
-            <a:ext cx="12193560" cy="1800"/>
+            <a:ext cx="12193920" cy="2160"/>
           </a:xfrm>
           <a:prstGeom prst="straightConnector1">
             <a:avLst/>
@@ -6135,7 +6135,7 @@
         <p:spPr>
           <a:xfrm>
             <a:off x="442800" y="6343920"/>
-            <a:ext cx="7662240" cy="234360"/>
+            <a:ext cx="7661880" cy="234000"/>
           </a:xfrm>
           <a:prstGeom prst="rect">
             <a:avLst/>
@@ -6236,7 +6236,7 @@
         <p:spPr>
           <a:xfrm>
             <a:off x="11379960" y="214560"/>
-            <a:ext cx="573480" cy="161640"/>
+            <a:ext cx="573120" cy="161280"/>
           </a:xfrm>
           <a:prstGeom prst="rect">
             <a:avLst/>
@@ -6268,7 +6268,7 @@
                 <a:tab algn="l" pos="0"/>
               </a:tabLst>
             </a:pPr>
-            <a:fld id="{0ED6F6A3-F789-4125-A174-B3A6DCC0BD19}" type="slidenum">
+            <a:fld id="{0393D6F6-BF2F-4732-B8EF-EEBC4D5D86EF}" type="slidenum">
               <a:rPr b="0" lang="ru-RU" sz="1000" spc="-1" strike="noStrike">
                 <a:solidFill>
                   <a:srgbClr val="bfbfbf"/>
@@ -6306,7 +6306,7 @@
         <p:spPr>
           <a:xfrm>
             <a:off x="442800" y="172080"/>
-            <a:ext cx="712800" cy="282240"/>
+            <a:ext cx="712440" cy="281880"/>
           </a:xfrm>
           <a:prstGeom prst="rect">
             <a:avLst/>
@@ -6325,7 +6325,7 @@
         <p:spPr>
           <a:xfrm>
             <a:off x="0" y="633960"/>
-            <a:ext cx="12193560" cy="1800"/>
+            <a:ext cx="12193920" cy="2160"/>
           </a:xfrm>
           <a:prstGeom prst="straightConnector1">
             <a:avLst/>
@@ -6380,7 +6380,7 @@
         <p:spPr>
           <a:xfrm>
             <a:off x="11379960" y="214560"/>
-            <a:ext cx="573480" cy="161640"/>
+            <a:ext cx="573120" cy="161280"/>
           </a:xfrm>
           <a:prstGeom prst="rect">
             <a:avLst/>
@@ -6412,7 +6412,7 @@
                 <a:tab algn="l" pos="0"/>
               </a:tabLst>
             </a:pPr>
-            <a:fld id="{EAFC3CEA-818C-4D20-B948-55F2FBE4B270}" type="slidenum">
+            <a:fld id="{B8EBFDED-5100-482A-8205-C9961E014257}" type="slidenum">
               <a:rPr b="0" lang="ru-RU" sz="1000" spc="-1" strike="noStrike">
                 <a:solidFill>
                   <a:srgbClr val="bfbfbf"/>
@@ -6450,7 +6450,7 @@
         <p:spPr>
           <a:xfrm>
             <a:off x="442800" y="172080"/>
-            <a:ext cx="712800" cy="282240"/>
+            <a:ext cx="712440" cy="281880"/>
           </a:xfrm>
           <a:prstGeom prst="rect">
             <a:avLst/>
@@ -6469,7 +6469,7 @@
         <p:spPr>
           <a:xfrm>
             <a:off x="0" y="633960"/>
-            <a:ext cx="12193560" cy="1800"/>
+            <a:ext cx="12193920" cy="2160"/>
           </a:xfrm>
           <a:prstGeom prst="straightConnector1">
             <a:avLst/>
@@ -6543,8 +6543,8 @@
         </p:blipFill>
         <p:spPr>
           <a:xfrm flipH="1" rot="10800000">
-            <a:off x="10570680" y="1800"/>
-            <a:ext cx="1619640" cy="3427200"/>
+            <a:off x="10570680" y="2160"/>
+            <a:ext cx="1619280" cy="3426840"/>
           </a:xfrm>
           <a:prstGeom prst="rect">
             <a:avLst/>
@@ -6572,8 +6572,8 @@
         </p:blipFill>
         <p:spPr>
           <a:xfrm flipH="1">
-            <a:off x="10572480" y="3429000"/>
-            <a:ext cx="1619640" cy="3427200"/>
+            <a:off x="10572840" y="3429000"/>
+            <a:ext cx="1619280" cy="3426840"/>
           </a:xfrm>
           <a:prstGeom prst="rect">
             <a:avLst/>
@@ -6693,9 +6693,9 @@
         <p:grpSpPr>
           <a:xfrm>
             <a:off x="588960" y="614880"/>
-            <a:ext cx="2218680" cy="876240"/>
+            <a:ext cx="2218320" cy="875880"/>
             <a:chOff x="588960" y="614880"/>
-            <a:chExt cx="2218680" cy="876240"/>
+            <a:chExt cx="2218320" cy="875880"/>
           </a:xfrm>
         </p:grpSpPr>
         <p:sp>
@@ -6707,15 +6707,15 @@
           <p:spPr>
             <a:xfrm>
               <a:off x="1879920" y="976320"/>
-              <a:ext cx="204840" cy="514440"/>
+              <a:ext cx="204480" cy="514080"/>
             </a:xfrm>
             <a:custGeom>
               <a:avLst/>
               <a:gdLst>
-                <a:gd name="textAreaLeft" fmla="*/ 0 w 204840"/>
-                <a:gd name="textAreaRight" fmla="*/ 206640 w 204840"/>
-                <a:gd name="textAreaTop" fmla="*/ 0 h 514440"/>
-                <a:gd name="textAreaBottom" fmla="*/ 516240 h 514440"/>
+                <a:gd name="textAreaLeft" fmla="*/ 0 w 204480"/>
+                <a:gd name="textAreaRight" fmla="*/ 206640 w 204480"/>
+                <a:gd name="textAreaTop" fmla="*/ 0 h 514080"/>
+                <a:gd name="textAreaBottom" fmla="*/ 516240 h 514080"/>
               </a:gdLst>
               <a:ahLst/>
               <a:rect l="textAreaLeft" t="textAreaTop" r="textAreaRight" b="textAreaBottom"/>
@@ -6806,15 +6806,15 @@
           <p:spPr>
             <a:xfrm>
               <a:off x="2138040" y="1079640"/>
-              <a:ext cx="411480" cy="411480"/>
+              <a:ext cx="411120" cy="411120"/>
             </a:xfrm>
             <a:custGeom>
               <a:avLst/>
               <a:gdLst>
-                <a:gd name="textAreaLeft" fmla="*/ 0 w 411480"/>
-                <a:gd name="textAreaRight" fmla="*/ 413280 w 411480"/>
-                <a:gd name="textAreaTop" fmla="*/ 0 h 411480"/>
-                <a:gd name="textAreaBottom" fmla="*/ 413280 h 411480"/>
+                <a:gd name="textAreaLeft" fmla="*/ 0 w 411120"/>
+                <a:gd name="textAreaRight" fmla="*/ 413280 w 411120"/>
+                <a:gd name="textAreaTop" fmla="*/ 0 h 411120"/>
+                <a:gd name="textAreaBottom" fmla="*/ 413280 h 411120"/>
               </a:gdLst>
               <a:ahLst/>
               <a:rect l="textAreaLeft" t="textAreaTop" r="textAreaRight" b="textAreaBottom"/>
@@ -6913,15 +6913,15 @@
           <p:spPr>
             <a:xfrm>
               <a:off x="2602800" y="1080000"/>
-              <a:ext cx="204840" cy="411120"/>
+              <a:ext cx="204480" cy="410760"/>
             </a:xfrm>
             <a:custGeom>
               <a:avLst/>
               <a:gdLst>
-                <a:gd name="textAreaLeft" fmla="*/ 0 w 204840"/>
-                <a:gd name="textAreaRight" fmla="*/ 206640 w 204840"/>
-                <a:gd name="textAreaTop" fmla="*/ 0 h 411120"/>
-                <a:gd name="textAreaBottom" fmla="*/ 412920 h 411120"/>
+                <a:gd name="textAreaLeft" fmla="*/ 0 w 204480"/>
+                <a:gd name="textAreaRight" fmla="*/ 206640 w 204480"/>
+                <a:gd name="textAreaTop" fmla="*/ 0 h 410760"/>
+                <a:gd name="textAreaBottom" fmla="*/ 412920 h 410760"/>
               </a:gdLst>
               <a:ahLst/>
               <a:rect l="textAreaLeft" t="textAreaTop" r="textAreaRight" b="textAreaBottom"/>
@@ -6999,15 +6999,15 @@
           <p:spPr>
             <a:xfrm>
               <a:off x="950400" y="1079640"/>
-              <a:ext cx="411120" cy="411480"/>
+              <a:ext cx="410760" cy="411120"/>
             </a:xfrm>
             <a:custGeom>
               <a:avLst/>
               <a:gdLst>
-                <a:gd name="textAreaLeft" fmla="*/ 0 w 411120"/>
-                <a:gd name="textAreaRight" fmla="*/ 412920 w 411120"/>
-                <a:gd name="textAreaTop" fmla="*/ 0 h 411480"/>
-                <a:gd name="textAreaBottom" fmla="*/ 413280 h 411480"/>
+                <a:gd name="textAreaLeft" fmla="*/ 0 w 410760"/>
+                <a:gd name="textAreaRight" fmla="*/ 412920 w 410760"/>
+                <a:gd name="textAreaTop" fmla="*/ 0 h 411120"/>
+                <a:gd name="textAreaBottom" fmla="*/ 413280 h 411120"/>
               </a:gdLst>
               <a:ahLst/>
               <a:rect l="textAreaLeft" t="textAreaTop" r="textAreaRight" b="textAreaBottom"/>
@@ -7115,15 +7115,15 @@
           <p:spPr>
             <a:xfrm>
               <a:off x="1415160" y="1079640"/>
-              <a:ext cx="411120" cy="411480"/>
+              <a:ext cx="410760" cy="411120"/>
             </a:xfrm>
             <a:custGeom>
               <a:avLst/>
               <a:gdLst>
-                <a:gd name="textAreaLeft" fmla="*/ 0 w 411120"/>
-                <a:gd name="textAreaRight" fmla="*/ 412920 w 411120"/>
-                <a:gd name="textAreaTop" fmla="*/ 0 h 411480"/>
-                <a:gd name="textAreaBottom" fmla="*/ 413280 h 411480"/>
+                <a:gd name="textAreaLeft" fmla="*/ 0 w 410760"/>
+                <a:gd name="textAreaRight" fmla="*/ 412920 w 410760"/>
+                <a:gd name="textAreaTop" fmla="*/ 0 h 411120"/>
+                <a:gd name="textAreaBottom" fmla="*/ 413280 h 411120"/>
               </a:gdLst>
               <a:ahLst/>
               <a:rect l="textAreaLeft" t="textAreaTop" r="textAreaRight" b="textAreaBottom"/>
@@ -7217,15 +7217,15 @@
           <p:spPr>
             <a:xfrm>
               <a:off x="588960" y="976680"/>
-              <a:ext cx="308160" cy="514440"/>
+              <a:ext cx="307800" cy="514080"/>
             </a:xfrm>
             <a:custGeom>
               <a:avLst/>
               <a:gdLst>
-                <a:gd name="textAreaLeft" fmla="*/ 0 w 308160"/>
-                <a:gd name="textAreaRight" fmla="*/ 309960 w 308160"/>
-                <a:gd name="textAreaTop" fmla="*/ 0 h 514440"/>
-                <a:gd name="textAreaBottom" fmla="*/ 516240 h 514440"/>
+                <a:gd name="textAreaLeft" fmla="*/ 0 w 307800"/>
+                <a:gd name="textAreaRight" fmla="*/ 309960 w 307800"/>
+                <a:gd name="textAreaTop" fmla="*/ 0 h 514080"/>
+                <a:gd name="textAreaBottom" fmla="*/ 516240 h 514080"/>
               </a:gdLst>
               <a:ahLst/>
               <a:rect l="textAreaLeft" t="textAreaTop" r="textAreaRight" b="textAreaBottom"/>
@@ -7330,15 +7330,15 @@
           <p:spPr>
             <a:xfrm>
               <a:off x="846720" y="924480"/>
-              <a:ext cx="102240" cy="102240"/>
+              <a:ext cx="101880" cy="101880"/>
             </a:xfrm>
             <a:custGeom>
               <a:avLst/>
               <a:gdLst>
-                <a:gd name="textAreaLeft" fmla="*/ 0 w 102240"/>
-                <a:gd name="textAreaRight" fmla="*/ 104040 w 102240"/>
-                <a:gd name="textAreaTop" fmla="*/ 0 h 102240"/>
-                <a:gd name="textAreaBottom" fmla="*/ 104040 h 102240"/>
+                <a:gd name="textAreaLeft" fmla="*/ 0 w 101880"/>
+                <a:gd name="textAreaRight" fmla="*/ 104040 w 101880"/>
+                <a:gd name="textAreaTop" fmla="*/ 0 h 101880"/>
+                <a:gd name="textAreaBottom" fmla="*/ 104040 h 101880"/>
               </a:gdLst>
               <a:ahLst/>
               <a:rect l="textAreaLeft" t="textAreaTop" r="textAreaRight" b="textAreaBottom"/>
@@ -7414,15 +7414,15 @@
           <p:spPr>
             <a:xfrm>
               <a:off x="692280" y="614880"/>
-              <a:ext cx="824400" cy="522000"/>
+              <a:ext cx="824040" cy="521640"/>
             </a:xfrm>
             <a:custGeom>
               <a:avLst/>
               <a:gdLst>
-                <a:gd name="textAreaLeft" fmla="*/ 0 w 824400"/>
-                <a:gd name="textAreaRight" fmla="*/ 826200 w 824400"/>
-                <a:gd name="textAreaTop" fmla="*/ 0 h 522000"/>
-                <a:gd name="textAreaBottom" fmla="*/ 523800 h 522000"/>
+                <a:gd name="textAreaLeft" fmla="*/ 0 w 824040"/>
+                <a:gd name="textAreaRight" fmla="*/ 826200 w 824040"/>
+                <a:gd name="textAreaTop" fmla="*/ 0 h 521640"/>
+                <a:gd name="textAreaBottom" fmla="*/ 523800 h 521640"/>
               </a:gdLst>
               <a:ahLst/>
               <a:rect l="textAreaLeft" t="textAreaTop" r="textAreaRight" b="textAreaBottom"/>
@@ -7705,7 +7705,7 @@
         <p:spPr>
           <a:xfrm>
             <a:off x="482760" y="4425120"/>
-            <a:ext cx="1943640" cy="1943640"/>
+            <a:ext cx="1943280" cy="1943280"/>
           </a:xfrm>
           <a:prstGeom prst="rect">
             <a:avLst/>
@@ -8031,7 +8031,7 @@
         <p:spPr>
           <a:xfrm>
             <a:off x="11379960" y="214560"/>
-            <a:ext cx="573480" cy="161640"/>
+            <a:ext cx="573120" cy="161280"/>
           </a:xfrm>
           <a:prstGeom prst="rect">
             <a:avLst/>
@@ -8063,7 +8063,7 @@
                 <a:tab algn="l" pos="0"/>
               </a:tabLst>
             </a:pPr>
-            <a:fld id="{5D8D79C2-1A2B-49B6-8194-F4237231C11C}" type="slidenum">
+            <a:fld id="{E36D149E-7B57-4AF6-8863-BF4C91E58258}" type="slidenum">
               <a:rPr b="0" lang="ru-RU" sz="1000" spc="-1" strike="noStrike">
                 <a:solidFill>
                   <a:srgbClr val="bfbfbf"/>
@@ -8101,7 +8101,7 @@
         <p:spPr>
           <a:xfrm>
             <a:off x="442800" y="172080"/>
-            <a:ext cx="712800" cy="282240"/>
+            <a:ext cx="712440" cy="281880"/>
           </a:xfrm>
           <a:prstGeom prst="rect">
             <a:avLst/>
@@ -8120,7 +8120,7 @@
         <p:spPr>
           <a:xfrm>
             <a:off x="0" y="633960"/>
-            <a:ext cx="12193560" cy="1800"/>
+            <a:ext cx="12193920" cy="2160"/>
           </a:xfrm>
           <a:prstGeom prst="straightConnector1">
             <a:avLst/>
@@ -8315,8 +8315,8 @@
         </p:blipFill>
         <p:spPr>
           <a:xfrm rot="16200000">
-            <a:off x="10646280" y="5314320"/>
-            <a:ext cx="990360" cy="2096640"/>
+            <a:off x="10646280" y="5314680"/>
+            <a:ext cx="990000" cy="2096280"/>
           </a:xfrm>
           <a:prstGeom prst="rect">
             <a:avLst/>
@@ -8368,7 +8368,7 @@
         <p:spPr>
           <a:xfrm>
             <a:off x="11379960" y="214560"/>
-            <a:ext cx="573480" cy="161640"/>
+            <a:ext cx="573120" cy="161280"/>
           </a:xfrm>
           <a:prstGeom prst="rect">
             <a:avLst/>
@@ -8400,7 +8400,7 @@
                 <a:tab algn="l" pos="0"/>
               </a:tabLst>
             </a:pPr>
-            <a:fld id="{8FA03705-1B02-4DF1-B42C-AD3C23B44A2E}" type="slidenum">
+            <a:fld id="{1052A98E-0A16-4CC0-9497-3CAFB5FA8298}" type="slidenum">
               <a:rPr b="0" lang="ru-RU" sz="1000" spc="-1" strike="noStrike">
                 <a:solidFill>
                   <a:srgbClr val="bfbfbf"/>
@@ -8438,7 +8438,7 @@
         <p:spPr>
           <a:xfrm>
             <a:off x="442800" y="172080"/>
-            <a:ext cx="712800" cy="282240"/>
+            <a:ext cx="712440" cy="281880"/>
           </a:xfrm>
           <a:prstGeom prst="rect">
             <a:avLst/>
@@ -8457,7 +8457,7 @@
         <p:spPr>
           <a:xfrm>
             <a:off x="0" y="633960"/>
-            <a:ext cx="12193560" cy="1800"/>
+            <a:ext cx="12193920" cy="2160"/>
           </a:xfrm>
           <a:prstGeom prst="straightConnector1">
             <a:avLst/>
@@ -8479,7 +8479,7 @@
         <p:spPr>
           <a:xfrm>
             <a:off x="3533760" y="633960"/>
-            <a:ext cx="2625120" cy="5587920"/>
+            <a:ext cx="2624760" cy="5587560"/>
           </a:xfrm>
           <a:prstGeom prst="rect">
             <a:avLst/>
@@ -8538,7 +8538,7 @@
         <p:spPr>
           <a:xfrm>
             <a:off x="9281160" y="633960"/>
-            <a:ext cx="2625120" cy="5587920"/>
+            <a:ext cx="2624760" cy="5587560"/>
           </a:xfrm>
           <a:prstGeom prst="rect">
             <a:avLst/>
@@ -8597,7 +8597,7 @@
         <p:spPr>
           <a:xfrm>
             <a:off x="0" y="6223680"/>
-            <a:ext cx="12193560" cy="1800"/>
+            <a:ext cx="12193920" cy="2160"/>
           </a:xfrm>
           <a:prstGeom prst="straightConnector1">
             <a:avLst/>
@@ -8618,8 +8618,8 @@
         </p:nvSpPr>
         <p:spPr>
           <a:xfrm rot="10800000">
-            <a:off x="11481840" y="636120"/>
-            <a:ext cx="417240" cy="417240"/>
+            <a:off x="11482200" y="636480"/>
+            <a:ext cx="416880" cy="416880"/>
           </a:xfrm>
           <a:prstGeom prst="round1Rect">
             <a:avLst>
@@ -8679,8 +8679,8 @@
         </p:nvSpPr>
         <p:spPr>
           <a:xfrm rot="10800000">
-            <a:off x="5739120" y="636120"/>
-            <a:ext cx="417240" cy="417240"/>
+            <a:off x="5739480" y="636480"/>
+            <a:ext cx="416880" cy="416880"/>
           </a:xfrm>
           <a:prstGeom prst="round1Rect">
             <a:avLst>
@@ -8741,7 +8741,7 @@
         <p:spPr>
           <a:xfrm>
             <a:off x="6405480" y="633960"/>
-            <a:ext cx="2625120" cy="5587920"/>
+            <a:ext cx="2624760" cy="5587560"/>
           </a:xfrm>
           <a:prstGeom prst="rect">
             <a:avLst/>
@@ -8799,8 +8799,8 @@
         </p:nvSpPr>
         <p:spPr>
           <a:xfrm rot="10800000">
-            <a:off x="8610480" y="636120"/>
-            <a:ext cx="417240" cy="417240"/>
+            <a:off x="8610840" y="636480"/>
+            <a:ext cx="416880" cy="416880"/>
           </a:xfrm>
           <a:prstGeom prst="round1Rect">
             <a:avLst>
@@ -9041,8 +9041,8 @@
         </p:blipFill>
         <p:spPr>
           <a:xfrm flipH="1" rot="5400000">
-            <a:off x="9837720" y="4677840"/>
-            <a:ext cx="990360" cy="2096640"/>
+            <a:off x="9838080" y="4678200"/>
+            <a:ext cx="990000" cy="2096280"/>
           </a:xfrm>
           <a:prstGeom prst="rect">
             <a:avLst/>
@@ -9061,7 +9061,7 @@
         <p:spPr>
           <a:xfrm>
             <a:off x="3759120" y="890280"/>
-            <a:ext cx="830160" cy="493560"/>
+            <a:ext cx="829800" cy="493560"/>
           </a:xfrm>
           <a:prstGeom prst="rect">
             <a:avLst/>
@@ -9120,7 +9120,7 @@
         <p:spPr>
           <a:xfrm>
             <a:off x="6638040" y="890280"/>
-            <a:ext cx="830160" cy="493560"/>
+            <a:ext cx="829800" cy="493560"/>
           </a:xfrm>
           <a:prstGeom prst="rect">
             <a:avLst/>
@@ -9179,7 +9179,7 @@
         <p:spPr>
           <a:xfrm>
             <a:off x="9506520" y="890280"/>
-            <a:ext cx="830160" cy="493560"/>
+            <a:ext cx="829800" cy="493560"/>
           </a:xfrm>
           <a:prstGeom prst="rect">
             <a:avLst/>
@@ -9241,8 +9241,8 @@
         </p:blipFill>
         <p:spPr>
           <a:xfrm rot="16200000">
-            <a:off x="4608720" y="4671360"/>
-            <a:ext cx="990360" cy="2096640"/>
+            <a:off x="4608720" y="4671720"/>
+            <a:ext cx="990000" cy="2096280"/>
           </a:xfrm>
           <a:prstGeom prst="rect">
             <a:avLst/>
@@ -9261,7 +9261,7 @@
         <p:spPr>
           <a:xfrm>
             <a:off x="6409800" y="5222880"/>
-            <a:ext cx="2620440" cy="540360"/>
+            <a:ext cx="2620080" cy="540000"/>
           </a:xfrm>
           <a:prstGeom prst="rect">
             <a:avLst/>
@@ -9343,7 +9343,7 @@
         <p:spPr>
           <a:xfrm>
             <a:off x="11379960" y="214560"/>
-            <a:ext cx="573480" cy="161640"/>
+            <a:ext cx="573120" cy="161280"/>
           </a:xfrm>
           <a:prstGeom prst="rect">
             <a:avLst/>
@@ -9375,7 +9375,7 @@
                 <a:tab algn="l" pos="0"/>
               </a:tabLst>
             </a:pPr>
-            <a:fld id="{EBE4AD01-502F-48A5-A6CE-89CDDC767BF6}" type="slidenum">
+            <a:fld id="{2A44C517-B235-48FA-A810-3E97502314A9}" type="slidenum">
               <a:rPr b="0" lang="ru-RU" sz="1000" spc="-1" strike="noStrike">
                 <a:solidFill>
                   <a:srgbClr val="bfbfbf"/>
@@ -9413,7 +9413,7 @@
         <p:spPr>
           <a:xfrm>
             <a:off x="442800" y="172080"/>
-            <a:ext cx="712800" cy="282240"/>
+            <a:ext cx="712440" cy="281880"/>
           </a:xfrm>
           <a:prstGeom prst="rect">
             <a:avLst/>
@@ -9432,7 +9432,7 @@
         <p:spPr>
           <a:xfrm>
             <a:off x="0" y="633960"/>
-            <a:ext cx="12193560" cy="1800"/>
+            <a:ext cx="12193920" cy="2160"/>
           </a:xfrm>
           <a:prstGeom prst="straightConnector1">
             <a:avLst/>
@@ -9487,7 +9487,7 @@
         <p:spPr>
           <a:xfrm>
             <a:off x="11379960" y="214560"/>
-            <a:ext cx="573480" cy="161640"/>
+            <a:ext cx="573120" cy="161280"/>
           </a:xfrm>
           <a:prstGeom prst="rect">
             <a:avLst/>
@@ -9519,7 +9519,7 @@
                 <a:tab algn="l" pos="0"/>
               </a:tabLst>
             </a:pPr>
-            <a:fld id="{267E9409-1032-4C0F-8072-EA43DA4A9942}" type="slidenum">
+            <a:fld id="{AF54CD69-160D-4CD0-B61C-7B09E6B05201}" type="slidenum">
               <a:rPr b="0" lang="ru-RU" sz="1000" spc="-1" strike="noStrike">
                 <a:solidFill>
                   <a:srgbClr val="bfbfbf"/>
@@ -9557,7 +9557,7 @@
         <p:spPr>
           <a:xfrm>
             <a:off x="442800" y="172080"/>
-            <a:ext cx="712800" cy="282240"/>
+            <a:ext cx="712440" cy="281880"/>
           </a:xfrm>
           <a:prstGeom prst="rect">
             <a:avLst/>
@@ -9576,7 +9576,7 @@
         <p:spPr>
           <a:xfrm>
             <a:off x="0" y="633960"/>
-            <a:ext cx="12193560" cy="1800"/>
+            <a:ext cx="12193920" cy="2160"/>
           </a:xfrm>
           <a:prstGeom prst="straightConnector1">
             <a:avLst/>
@@ -9602,8 +9602,8 @@
         </p:blipFill>
         <p:spPr>
           <a:xfrm rot="16200000">
-            <a:off x="10472400" y="4506120"/>
-            <a:ext cx="1669680" cy="1765800"/>
+            <a:off x="10472400" y="4506480"/>
+            <a:ext cx="1669320" cy="1765440"/>
           </a:xfrm>
           <a:prstGeom prst="rect">
             <a:avLst/>
@@ -9726,7 +9726,7 @@
         <p:spPr>
           <a:xfrm>
             <a:off x="442800" y="172080"/>
-            <a:ext cx="712800" cy="282240"/>
+            <a:ext cx="712440" cy="281880"/>
           </a:xfrm>
           <a:prstGeom prst="rect">
             <a:avLst/>
@@ -9745,7 +9745,7 @@
         <p:spPr>
           <a:xfrm>
             <a:off x="0" y="633960"/>
-            <a:ext cx="12193560" cy="1800"/>
+            <a:ext cx="12193920" cy="2160"/>
           </a:xfrm>
           <a:prstGeom prst="straightConnector1">
             <a:avLst/>
@@ -10074,7 +10074,7 @@
         <p:spPr>
           <a:xfrm>
             <a:off x="11379960" y="214560"/>
-            <a:ext cx="573480" cy="161640"/>
+            <a:ext cx="573120" cy="161280"/>
           </a:xfrm>
           <a:prstGeom prst="rect">
             <a:avLst/>
@@ -10106,7 +10106,7 @@
                 <a:tab algn="l" pos="0"/>
               </a:tabLst>
             </a:pPr>
-            <a:fld id="{CA1EA013-BB3B-4696-A939-8FE2C928A21F}" type="slidenum">
+            <a:fld id="{ED6D192C-05EB-4F4D-A2B8-98C672A71D3D}" type="slidenum">
               <a:rPr b="0" lang="ru-RU" sz="1000" spc="-1" strike="noStrike">
                 <a:solidFill>
                   <a:srgbClr val="bfbfbf"/>
@@ -10144,7 +10144,7 @@
         <p:spPr>
           <a:xfrm>
             <a:off x="442800" y="172080"/>
-            <a:ext cx="712800" cy="282240"/>
+            <a:ext cx="712440" cy="281880"/>
           </a:xfrm>
           <a:prstGeom prst="rect">
             <a:avLst/>
@@ -10163,7 +10163,7 @@
         <p:spPr>
           <a:xfrm>
             <a:off x="0" y="633960"/>
-            <a:ext cx="12193560" cy="1800"/>
+            <a:ext cx="12193920" cy="2160"/>
           </a:xfrm>
           <a:prstGeom prst="straightConnector1">
             <a:avLst/>
@@ -10189,7 +10189,7 @@
         <p:spPr>
           <a:xfrm>
             <a:off x="442800" y="6343920"/>
-            <a:ext cx="7662240" cy="234360"/>
+            <a:ext cx="7661880" cy="234000"/>
           </a:xfrm>
           <a:prstGeom prst="rect">
             <a:avLst/>
@@ -10564,7 +10564,7 @@
         <p:spPr>
           <a:xfrm>
             <a:off x="11379960" y="214560"/>
-            <a:ext cx="573480" cy="161640"/>
+            <a:ext cx="573120" cy="161280"/>
           </a:xfrm>
           <a:prstGeom prst="rect">
             <a:avLst/>
@@ -10596,7 +10596,7 @@
                 <a:tab algn="l" pos="0"/>
               </a:tabLst>
             </a:pPr>
-            <a:fld id="{5B5516CB-B36C-4123-9A84-92049F83F3AD}" type="slidenum">
+            <a:fld id="{E285E033-F9F1-430B-82BB-81157CCA5783}" type="slidenum">
               <a:rPr b="0" lang="ru-RU" sz="1000" spc="-1" strike="noStrike">
                 <a:solidFill>
                   <a:srgbClr val="bfbfbf"/>
@@ -10634,7 +10634,7 @@
         <p:spPr>
           <a:xfrm>
             <a:off x="442800" y="172080"/>
-            <a:ext cx="712800" cy="282240"/>
+            <a:ext cx="712440" cy="281880"/>
           </a:xfrm>
           <a:prstGeom prst="rect">
             <a:avLst/>
@@ -10653,7 +10653,7 @@
         <p:spPr>
           <a:xfrm>
             <a:off x="0" y="633960"/>
-            <a:ext cx="12193560" cy="1800"/>
+            <a:ext cx="12193920" cy="2160"/>
           </a:xfrm>
           <a:prstGeom prst="straightConnector1">
             <a:avLst/>
@@ -10679,7 +10679,7 @@
         <p:spPr>
           <a:xfrm>
             <a:off x="442800" y="6343920"/>
-            <a:ext cx="7662240" cy="234360"/>
+            <a:ext cx="7661880" cy="234000"/>
           </a:xfrm>
           <a:prstGeom prst="rect">
             <a:avLst/>
@@ -11057,7 +11057,7 @@
         <p:spPr>
           <a:xfrm>
             <a:off x="11379960" y="214560"/>
-            <a:ext cx="573480" cy="161640"/>
+            <a:ext cx="573120" cy="161280"/>
           </a:xfrm>
           <a:prstGeom prst="rect">
             <a:avLst/>
@@ -11089,7 +11089,7 @@
                 <a:tab algn="l" pos="0"/>
               </a:tabLst>
             </a:pPr>
-            <a:fld id="{F06845C6-6AD5-480F-AB52-DF779A83A26F}" type="slidenum">
+            <a:fld id="{FD7CE92C-66A8-45E6-81BC-33B12203F908}" type="slidenum">
               <a:rPr b="0" lang="ru-RU" sz="1000" spc="-1" strike="noStrike">
                 <a:solidFill>
                   <a:srgbClr val="bfbfbf"/>
@@ -11127,7 +11127,7 @@
         <p:spPr>
           <a:xfrm>
             <a:off x="442800" y="172080"/>
-            <a:ext cx="712800" cy="282240"/>
+            <a:ext cx="712440" cy="281880"/>
           </a:xfrm>
           <a:prstGeom prst="rect">
             <a:avLst/>
@@ -11146,7 +11146,7 @@
         <p:spPr>
           <a:xfrm>
             <a:off x="0" y="633960"/>
-            <a:ext cx="12193560" cy="1800"/>
+            <a:ext cx="12193920" cy="2160"/>
           </a:xfrm>
           <a:prstGeom prst="straightConnector1">
             <a:avLst/>
@@ -11215,7 +11215,7 @@
         <p:spPr>
           <a:xfrm>
             <a:off x="599040" y="614880"/>
-            <a:ext cx="2206800" cy="875880"/>
+            <a:ext cx="2206440" cy="875520"/>
           </a:xfrm>
           <a:prstGeom prst="rect">
             <a:avLst/>
@@ -11286,8 +11286,8 @@
         </p:blipFill>
         <p:spPr>
           <a:xfrm flipH="1" rot="10800000">
-            <a:off x="10570680" y="1800"/>
-            <a:ext cx="1619640" cy="3427200"/>
+            <a:off x="10570680" y="2160"/>
+            <a:ext cx="1619280" cy="3426840"/>
           </a:xfrm>
           <a:prstGeom prst="rect">
             <a:avLst/>
@@ -11315,8 +11315,8 @@
         </p:blipFill>
         <p:spPr>
           <a:xfrm flipH="1">
-            <a:off x="10572480" y="3429000"/>
-            <a:ext cx="1619640" cy="3427200"/>
+            <a:off x="10572840" y="3429000"/>
+            <a:ext cx="1619280" cy="3426840"/>
           </a:xfrm>
           <a:prstGeom prst="rect">
             <a:avLst/>
@@ -11414,7 +11414,7 @@
         <p:spPr>
           <a:xfrm>
             <a:off x="11379960" y="214560"/>
-            <a:ext cx="573480" cy="161640"/>
+            <a:ext cx="573120" cy="161280"/>
           </a:xfrm>
           <a:prstGeom prst="rect">
             <a:avLst/>
@@ -11446,7 +11446,7 @@
                 <a:tab algn="l" pos="0"/>
               </a:tabLst>
             </a:pPr>
-            <a:fld id="{6D12DDEE-4D06-406B-AF16-02A32EE0B464}" type="slidenum">
+            <a:fld id="{5C915923-70B1-473D-8DA9-2ED00886B55F}" type="slidenum">
               <a:rPr b="0" lang="ru-RU" sz="1000" spc="-1" strike="noStrike">
                 <a:solidFill>
                   <a:srgbClr val="bfbfbf"/>
@@ -11484,7 +11484,7 @@
         <p:spPr>
           <a:xfrm>
             <a:off x="442800" y="172080"/>
-            <a:ext cx="712800" cy="282240"/>
+            <a:ext cx="712440" cy="281880"/>
           </a:xfrm>
           <a:prstGeom prst="rect">
             <a:avLst/>
@@ -11503,7 +11503,7 @@
         <p:spPr>
           <a:xfrm>
             <a:off x="0" y="633960"/>
-            <a:ext cx="12193560" cy="1800"/>
+            <a:ext cx="12193920" cy="2160"/>
           </a:xfrm>
           <a:prstGeom prst="straightConnector1">
             <a:avLst/>
@@ -11572,7 +11572,7 @@
         <p:spPr>
           <a:xfrm>
             <a:off x="599040" y="614880"/>
-            <a:ext cx="1457280" cy="578160"/>
+            <a:ext cx="1456920" cy="577800"/>
           </a:xfrm>
           <a:prstGeom prst="rect">
             <a:avLst/>
@@ -11670,7 +11670,7 @@
         <p:spPr>
           <a:xfrm>
             <a:off x="11379960" y="214560"/>
-            <a:ext cx="573480" cy="161640"/>
+            <a:ext cx="573120" cy="161280"/>
           </a:xfrm>
           <a:prstGeom prst="rect">
             <a:avLst/>
@@ -11702,7 +11702,7 @@
                 <a:tab algn="l" pos="0"/>
               </a:tabLst>
             </a:pPr>
-            <a:fld id="{5A93A2AA-2425-4BEA-8695-D7BE27B8253B}" type="slidenum">
+            <a:fld id="{2F5C3BA2-EA49-4B08-A517-5D18B2E4610D}" type="slidenum">
               <a:rPr b="0" lang="ru-RU" sz="1000" spc="-1" strike="noStrike">
                 <a:solidFill>
                   <a:srgbClr val="bfbfbf"/>
@@ -11740,7 +11740,7 @@
         <p:spPr>
           <a:xfrm>
             <a:off x="442800" y="172080"/>
-            <a:ext cx="712800" cy="282240"/>
+            <a:ext cx="712440" cy="281880"/>
           </a:xfrm>
           <a:prstGeom prst="rect">
             <a:avLst/>
@@ -11759,7 +11759,7 @@
         <p:spPr>
           <a:xfrm>
             <a:off x="0" y="633960"/>
-            <a:ext cx="12193560" cy="1800"/>
+            <a:ext cx="12193920" cy="2160"/>
           </a:xfrm>
           <a:prstGeom prst="straightConnector1">
             <a:avLst/>
@@ -11828,7 +11828,7 @@
         <p:spPr>
           <a:xfrm>
             <a:off x="442800" y="172080"/>
-            <a:ext cx="712800" cy="282240"/>
+            <a:ext cx="712440" cy="281880"/>
           </a:xfrm>
           <a:prstGeom prst="rect">
             <a:avLst/>
@@ -11847,7 +11847,7 @@
         <p:spPr>
           <a:xfrm>
             <a:off x="11379960" y="214560"/>
-            <a:ext cx="573480" cy="161640"/>
+            <a:ext cx="573120" cy="161280"/>
           </a:xfrm>
           <a:prstGeom prst="rect">
             <a:avLst/>
@@ -11879,7 +11879,7 @@
                 <a:tab algn="l" pos="0"/>
               </a:tabLst>
             </a:pPr>
-            <a:fld id="{55FD8C02-8FCA-4572-A9D9-B4EBDD1529C3}" type="slidenum">
+            <a:fld id="{44F1CB48-C793-4CFC-BC10-9A9D5715CF9A}" type="slidenum">
               <a:rPr b="0" lang="ru-RU" sz="1000" spc="-1" strike="noStrike">
                 <a:solidFill>
                   <a:schemeClr val="dk1">
@@ -11914,7 +11914,7 @@
         <p:spPr>
           <a:xfrm>
             <a:off x="442800" y="6343920"/>
-            <a:ext cx="7662240" cy="234360"/>
+            <a:ext cx="7661880" cy="234000"/>
           </a:xfrm>
           <a:prstGeom prst="rect">
             <a:avLst/>
@@ -12018,7 +12018,7 @@
         <p:spPr>
           <a:xfrm>
             <a:off x="11379960" y="214560"/>
-            <a:ext cx="573480" cy="161640"/>
+            <a:ext cx="573120" cy="161280"/>
           </a:xfrm>
           <a:prstGeom prst="rect">
             <a:avLst/>
@@ -12050,7 +12050,7 @@
                 <a:tab algn="l" pos="0"/>
               </a:tabLst>
             </a:pPr>
-            <a:fld id="{ED39738A-C534-432E-866C-333A42634C98}" type="slidenum">
+            <a:fld id="{DE88AB15-2B23-4F11-8A77-6EB3DA457B32}" type="slidenum">
               <a:rPr b="0" lang="ru-RU" sz="1000" spc="-1" strike="noStrike">
                 <a:solidFill>
                   <a:srgbClr val="bfbfbf"/>
@@ -12088,7 +12088,7 @@
         <p:spPr>
           <a:xfrm>
             <a:off x="442800" y="172080"/>
-            <a:ext cx="712800" cy="282240"/>
+            <a:ext cx="712440" cy="281880"/>
           </a:xfrm>
           <a:prstGeom prst="rect">
             <a:avLst/>
@@ -12107,7 +12107,7 @@
         <p:spPr>
           <a:xfrm>
             <a:off x="0" y="633960"/>
-            <a:ext cx="12193560" cy="1800"/>
+            <a:ext cx="12193920" cy="2160"/>
           </a:xfrm>
           <a:prstGeom prst="straightConnector1">
             <a:avLst/>
@@ -12135,7 +12135,7 @@
         <p:spPr>
           <a:xfrm>
             <a:off x="442800" y="172080"/>
-            <a:ext cx="712800" cy="282240"/>
+            <a:ext cx="712440" cy="281880"/>
           </a:xfrm>
           <a:prstGeom prst="rect">
             <a:avLst/>
@@ -12231,7 +12231,7 @@
         <p:spPr>
           <a:xfrm>
             <a:off x="11379960" y="214560"/>
-            <a:ext cx="573480" cy="161640"/>
+            <a:ext cx="573120" cy="161280"/>
           </a:xfrm>
           <a:prstGeom prst="rect">
             <a:avLst/>
@@ -12263,7 +12263,7 @@
                 <a:tab algn="l" pos="0"/>
               </a:tabLst>
             </a:pPr>
-            <a:fld id="{6C56F7D7-E1D0-4CB6-B7A2-9877481C6B3C}" type="slidenum">
+            <a:fld id="{E8A30CF2-061C-4A84-9E35-E78395D50970}" type="slidenum">
               <a:rPr b="0" lang="ru-RU" sz="1000" spc="-1" strike="noStrike">
                 <a:solidFill>
                   <a:srgbClr val="bfbfbf"/>
@@ -12301,7 +12301,7 @@
         <p:spPr>
           <a:xfrm>
             <a:off x="442800" y="172080"/>
-            <a:ext cx="712800" cy="282240"/>
+            <a:ext cx="712440" cy="281880"/>
           </a:xfrm>
           <a:prstGeom prst="rect">
             <a:avLst/>
@@ -12320,7 +12320,7 @@
         <p:spPr>
           <a:xfrm>
             <a:off x="0" y="633960"/>
-            <a:ext cx="12193560" cy="1800"/>
+            <a:ext cx="12193920" cy="2160"/>
           </a:xfrm>
           <a:prstGeom prst="straightConnector1">
             <a:avLst/>
@@ -12389,7 +12389,7 @@
         <p:spPr>
           <a:xfrm>
             <a:off x="442800" y="172080"/>
-            <a:ext cx="712800" cy="282240"/>
+            <a:ext cx="712440" cy="281880"/>
           </a:xfrm>
           <a:prstGeom prst="rect">
             <a:avLst/>
@@ -12408,7 +12408,7 @@
         <p:spPr>
           <a:xfrm>
             <a:off x="11379960" y="214560"/>
-            <a:ext cx="573480" cy="161640"/>
+            <a:ext cx="573120" cy="161280"/>
           </a:xfrm>
           <a:prstGeom prst="rect">
             <a:avLst/>
@@ -12440,7 +12440,7 @@
                 <a:tab algn="l" pos="0"/>
               </a:tabLst>
             </a:pPr>
-            <a:fld id="{9C69C188-CCFF-4AAB-8282-0B847C73A980}" type="slidenum">
+            <a:fld id="{472C12D0-AF14-43A5-983C-0EF97830BA5E}" type="slidenum">
               <a:rPr b="0" lang="ru-RU" sz="1000" spc="-1" strike="noStrike">
                 <a:solidFill>
                   <a:schemeClr val="dk1">
@@ -12507,7 +12507,7 @@
         <p:spPr>
           <a:xfrm>
             <a:off x="11379960" y="214560"/>
-            <a:ext cx="573480" cy="161640"/>
+            <a:ext cx="573120" cy="161280"/>
           </a:xfrm>
           <a:prstGeom prst="rect">
             <a:avLst/>
@@ -12539,7 +12539,7 @@
                 <a:tab algn="l" pos="0"/>
               </a:tabLst>
             </a:pPr>
-            <a:fld id="{B719F89D-A795-4747-BC7A-27CF1CB9A0D4}" type="slidenum">
+            <a:fld id="{66CF34F7-8685-410C-9EEF-4291D64C65D8}" type="slidenum">
               <a:rPr b="0" lang="ru-RU" sz="1000" spc="-1" strike="noStrike">
                 <a:solidFill>
                   <a:srgbClr val="bfbfbf"/>
@@ -12577,7 +12577,7 @@
         <p:spPr>
           <a:xfrm>
             <a:off x="442800" y="172080"/>
-            <a:ext cx="712800" cy="282240"/>
+            <a:ext cx="712440" cy="281880"/>
           </a:xfrm>
           <a:prstGeom prst="rect">
             <a:avLst/>
@@ -12596,7 +12596,7 @@
         <p:spPr>
           <a:xfrm>
             <a:off x="0" y="633960"/>
-            <a:ext cx="12193560" cy="1800"/>
+            <a:ext cx="12193920" cy="2160"/>
           </a:xfrm>
           <a:prstGeom prst="straightConnector1">
             <a:avLst/>
@@ -12829,7 +12829,7 @@
         <p:spPr>
           <a:xfrm>
             <a:off x="442800" y="172080"/>
-            <a:ext cx="712800" cy="282240"/>
+            <a:ext cx="712440" cy="281880"/>
           </a:xfrm>
           <a:prstGeom prst="rect">
             <a:avLst/>
@@ -12930,7 +12930,7 @@
         <p:spPr>
           <a:xfrm>
             <a:off x="11379960" y="214560"/>
-            <a:ext cx="573480" cy="161640"/>
+            <a:ext cx="573120" cy="161280"/>
           </a:xfrm>
           <a:prstGeom prst="rect">
             <a:avLst/>
@@ -12962,7 +12962,7 @@
                 <a:tab algn="l" pos="0"/>
               </a:tabLst>
             </a:pPr>
-            <a:fld id="{6CBF5BE4-4C0F-44EF-9727-F61AAC4E98B7}" type="slidenum">
+            <a:fld id="{B5CFE22D-7966-4439-84E8-FA84BBF365B9}" type="slidenum">
               <a:rPr b="0" lang="ru-RU" sz="1000" spc="-1" strike="noStrike">
                 <a:solidFill>
                   <a:schemeClr val="dk1">
@@ -13029,7 +13029,7 @@
         <p:spPr>
           <a:xfrm>
             <a:off x="11379960" y="214560"/>
-            <a:ext cx="573480" cy="161640"/>
+            <a:ext cx="573120" cy="161280"/>
           </a:xfrm>
           <a:prstGeom prst="rect">
             <a:avLst/>
@@ -13061,7 +13061,7 @@
                 <a:tab algn="l" pos="0"/>
               </a:tabLst>
             </a:pPr>
-            <a:fld id="{28B7BF53-88CA-46C2-A29D-366DCED1B3F8}" type="slidenum">
+            <a:fld id="{47E77711-3701-4170-AB1F-C30BC73EAC27}" type="slidenum">
               <a:rPr b="0" lang="ru-RU" sz="1000" spc="-1" strike="noStrike">
                 <a:solidFill>
                   <a:srgbClr val="bfbfbf"/>
@@ -13099,7 +13099,7 @@
         <p:spPr>
           <a:xfrm>
             <a:off x="442800" y="172080"/>
-            <a:ext cx="712800" cy="282240"/>
+            <a:ext cx="712440" cy="281880"/>
           </a:xfrm>
           <a:prstGeom prst="rect">
             <a:avLst/>
@@ -13118,7 +13118,7 @@
         <p:spPr>
           <a:xfrm>
             <a:off x="0" y="633960"/>
-            <a:ext cx="12193560" cy="1800"/>
+            <a:ext cx="12193920" cy="2160"/>
           </a:xfrm>
           <a:prstGeom prst="straightConnector1">
             <a:avLst/>
@@ -13187,7 +13187,7 @@
         <p:spPr>
           <a:xfrm>
             <a:off x="442800" y="172080"/>
-            <a:ext cx="712800" cy="282240"/>
+            <a:ext cx="712440" cy="281880"/>
           </a:xfrm>
           <a:prstGeom prst="rect">
             <a:avLst/>
@@ -13206,7 +13206,7 @@
         <p:spPr>
           <a:xfrm>
             <a:off x="11379960" y="214560"/>
-            <a:ext cx="573480" cy="161640"/>
+            <a:ext cx="573120" cy="161280"/>
           </a:xfrm>
           <a:prstGeom prst="rect">
             <a:avLst/>
@@ -13238,7 +13238,7 @@
                 <a:tab algn="l" pos="0"/>
               </a:tabLst>
             </a:pPr>
-            <a:fld id="{C8E300CE-2732-495B-9C73-77F056CFA39E}" type="slidenum">
+            <a:fld id="{48C2CB5D-5327-408A-99F2-E2743E5185A4}" type="slidenum">
               <a:rPr b="0" lang="ru-RU" sz="1000" spc="-1" strike="noStrike">
                 <a:solidFill>
                   <a:schemeClr val="dk1">
@@ -13299,7 +13299,7 @@
         <p:spPr>
           <a:xfrm>
             <a:off x="588960" y="2858400"/>
-            <a:ext cx="8177400" cy="1323720"/>
+            <a:ext cx="8177040" cy="1323360"/>
           </a:xfrm>
           <a:prstGeom prst="rect">
             <a:avLst/>
@@ -13358,7 +13358,7 @@
         <p:spPr>
           <a:xfrm>
             <a:off x="588960" y="4392720"/>
-            <a:ext cx="8177400" cy="1227600"/>
+            <a:ext cx="8177040" cy="1227240"/>
           </a:xfrm>
           <a:prstGeom prst="rect">
             <a:avLst/>
@@ -13413,7 +13413,7 @@
         <p:spPr>
           <a:xfrm>
             <a:off x="631800" y="5532480"/>
-            <a:ext cx="2593440" cy="344880"/>
+            <a:ext cx="2593080" cy="344520"/>
           </a:xfrm>
           <a:prstGeom prst="rect">
             <a:avLst/>
@@ -13489,7 +13489,7 @@
       </p:grpSpPr>
       <p:sp>
         <p:nvSpPr>
-          <p:cNvPr id="239" name="PlaceHolder 1"/>
+          <p:cNvPr id="240" name="PlaceHolder 1"/>
           <p:cNvSpPr>
             <a:spLocks noGrp="1"/>
           </p:cNvSpPr>
@@ -13500,7 +13500,7 @@
         <p:spPr>
           <a:xfrm>
             <a:off x="442800" y="651600"/>
-            <a:ext cx="11304360" cy="1075320"/>
+            <a:ext cx="11304000" cy="1074960"/>
           </a:xfrm>
           <a:prstGeom prst="rect">
             <a:avLst/>
@@ -13545,7 +13545,7 @@
       </p:sp>
       <p:pic>
         <p:nvPicPr>
-          <p:cNvPr id="240" name="" descr=""/>
+          <p:cNvPr id="241" name="" descr=""/>
           <p:cNvPicPr/>
           <p:nvPr/>
         </p:nvPicPr>
@@ -13562,7 +13562,7 @@
         <p:spPr>
           <a:xfrm>
             <a:off x="428760" y="1620360"/>
-            <a:ext cx="11332800" cy="4912200"/>
+            <a:ext cx="11332440" cy="4911840"/>
           </a:xfrm>
           <a:prstGeom prst="rect">
             <a:avLst/>
@@ -13604,7 +13604,7 @@
       </p:grpSpPr>
       <p:sp>
         <p:nvSpPr>
-          <p:cNvPr id="241" name="PlaceHolder 1"/>
+          <p:cNvPr id="242" name="PlaceHolder 1"/>
           <p:cNvSpPr>
             <a:spLocks noGrp="1"/>
           </p:cNvSpPr>
@@ -13615,7 +13615,7 @@
         <p:spPr>
           <a:xfrm>
             <a:off x="588960" y="1875600"/>
-            <a:ext cx="8177400" cy="970560"/>
+            <a:ext cx="8177040" cy="970200"/>
           </a:xfrm>
           <a:prstGeom prst="rect">
             <a:avLst/>
@@ -13701,7 +13701,7 @@
         <p:spPr>
           <a:xfrm>
             <a:off x="442800" y="651600"/>
-            <a:ext cx="11304360" cy="1075320"/>
+            <a:ext cx="11304000" cy="1074960"/>
           </a:xfrm>
           <a:prstGeom prst="rect">
             <a:avLst/>
@@ -13763,7 +13763,7 @@
         <p:spPr>
           <a:xfrm>
             <a:off x="834840" y="1224000"/>
-            <a:ext cx="10521000" cy="5441040"/>
+            <a:ext cx="10520640" cy="5440680"/>
           </a:xfrm>
           <a:prstGeom prst="rect">
             <a:avLst/>
@@ -13816,7 +13816,7 @@
         <p:spPr>
           <a:xfrm>
             <a:off x="442800" y="651600"/>
-            <a:ext cx="11304360" cy="1075320"/>
+            <a:ext cx="11304000" cy="1074960"/>
           </a:xfrm>
           <a:prstGeom prst="rect">
             <a:avLst/>
@@ -13878,7 +13878,7 @@
         <p:spPr>
           <a:xfrm>
             <a:off x="2930400" y="1080360"/>
-            <a:ext cx="6329520" cy="5938200"/>
+            <a:ext cx="6329160" cy="5937840"/>
           </a:xfrm>
           <a:prstGeom prst="rect">
             <a:avLst/>
@@ -13931,7 +13931,7 @@
         <p:spPr>
           <a:xfrm>
             <a:off x="442800" y="651600"/>
-            <a:ext cx="11304360" cy="1075320"/>
+            <a:ext cx="11304000" cy="1074960"/>
           </a:xfrm>
           <a:prstGeom prst="rect">
             <a:avLst/>
@@ -13993,7 +13993,7 @@
         <p:spPr>
           <a:xfrm>
             <a:off x="173880" y="1548360"/>
-            <a:ext cx="11842560" cy="4821840"/>
+            <a:ext cx="11842200" cy="4821480"/>
           </a:xfrm>
           <a:prstGeom prst="rect">
             <a:avLst/>
@@ -14046,7 +14046,7 @@
         <p:spPr>
           <a:xfrm>
             <a:off x="442800" y="651600"/>
-            <a:ext cx="11304360" cy="1075320"/>
+            <a:ext cx="11304000" cy="1074960"/>
           </a:xfrm>
           <a:prstGeom prst="rect">
             <a:avLst/>
@@ -14108,7 +14108,7 @@
         <p:spPr>
           <a:xfrm>
             <a:off x="549000" y="1188360"/>
-            <a:ext cx="11092680" cy="5470200"/>
+            <a:ext cx="11092320" cy="5469840"/>
           </a:xfrm>
           <a:prstGeom prst="rect">
             <a:avLst/>
@@ -14161,7 +14161,7 @@
         <p:spPr>
           <a:xfrm>
             <a:off x="442800" y="651600"/>
-            <a:ext cx="11304360" cy="1075320"/>
+            <a:ext cx="11304000" cy="1074960"/>
           </a:xfrm>
           <a:prstGeom prst="rect">
             <a:avLst/>
@@ -14222,8 +14222,37 @@
         </p:blipFill>
         <p:spPr>
           <a:xfrm>
-            <a:off x="2756880" y="875160"/>
-            <a:ext cx="6676920" cy="5732640"/>
+            <a:off x="622800" y="927720"/>
+            <a:ext cx="6676560" cy="5732280"/>
+          </a:xfrm>
+          <a:prstGeom prst="rect">
+            <a:avLst/>
+          </a:prstGeom>
+          <a:ln w="0">
+            <a:noFill/>
+          </a:ln>
+        </p:spPr>
+      </p:pic>
+      <p:pic>
+        <p:nvPicPr>
+          <p:cNvPr id="233" name="" descr=""/>
+          <p:cNvPicPr/>
+          <p:nvPr/>
+        </p:nvPicPr>
+        <p:blipFill>
+          <a:blip r:embed="rId3">
+            <a:extLst>
+              <a:ext uri="{96DAC541-7B7A-43D3-8B79-37D633B846F1}">
+                <asvg:svgBlip xmlns:asvg="http://schemas.microsoft.com/office/drawing/2016/SVG/main" r:embed="rId4"/>
+              </a:ext>
+            </a:extLst>
+          </a:blip>
+          <a:stretch/>
+        </p:blipFill>
+        <p:spPr>
+          <a:xfrm>
+            <a:off x="7956000" y="2661840"/>
+            <a:ext cx="3888000" cy="2666160"/>
           </a:xfrm>
           <a:prstGeom prst="rect">
             <a:avLst/>
@@ -14265,7 +14294,7 @@
       </p:grpSpPr>
       <p:sp>
         <p:nvSpPr>
-          <p:cNvPr id="233" name="PlaceHolder 1"/>
+          <p:cNvPr id="234" name="PlaceHolder 1"/>
           <p:cNvSpPr>
             <a:spLocks noGrp="1"/>
           </p:cNvSpPr>
@@ -14276,7 +14305,7 @@
         <p:spPr>
           <a:xfrm>
             <a:off x="442800" y="651600"/>
-            <a:ext cx="11304360" cy="1075320"/>
+            <a:ext cx="11304000" cy="1074960"/>
           </a:xfrm>
           <a:prstGeom prst="rect">
             <a:avLst/>
@@ -14321,7 +14350,7 @@
       </p:sp>
       <p:pic>
         <p:nvPicPr>
-          <p:cNvPr id="234" name="" descr=""/>
+          <p:cNvPr id="235" name="" descr=""/>
           <p:cNvPicPr/>
           <p:nvPr/>
         </p:nvPicPr>
@@ -14338,7 +14367,7 @@
         <p:spPr>
           <a:xfrm>
             <a:off x="234720" y="1317240"/>
-            <a:ext cx="11793600" cy="5412960"/>
+            <a:ext cx="11793240" cy="5412600"/>
           </a:xfrm>
           <a:prstGeom prst="rect">
             <a:avLst/>
@@ -14380,7 +14409,7 @@
       </p:grpSpPr>
       <p:sp>
         <p:nvSpPr>
-          <p:cNvPr id="235" name="PlaceHolder 1"/>
+          <p:cNvPr id="236" name="PlaceHolder 1"/>
           <p:cNvSpPr>
             <a:spLocks noGrp="1"/>
           </p:cNvSpPr>
@@ -14391,7 +14420,7 @@
         <p:spPr>
           <a:xfrm>
             <a:off x="442800" y="651600"/>
-            <a:ext cx="11304360" cy="1075320"/>
+            <a:ext cx="11304000" cy="1074960"/>
           </a:xfrm>
           <a:prstGeom prst="rect">
             <a:avLst/>
@@ -14436,7 +14465,7 @@
       </p:sp>
       <p:pic>
         <p:nvPicPr>
-          <p:cNvPr id="236" name="" descr=""/>
+          <p:cNvPr id="237" name="" descr=""/>
           <p:cNvPicPr/>
           <p:nvPr/>
         </p:nvPicPr>
@@ -14453,7 +14482,7 @@
         <p:spPr>
           <a:xfrm>
             <a:off x="264600" y="2292120"/>
-            <a:ext cx="11661480" cy="3718440"/>
+            <a:ext cx="11661120" cy="3718080"/>
           </a:xfrm>
           <a:prstGeom prst="rect">
             <a:avLst/>
@@ -14495,7 +14524,7 @@
       </p:grpSpPr>
       <p:sp>
         <p:nvSpPr>
-          <p:cNvPr id="237" name="PlaceHolder 1"/>
+          <p:cNvPr id="238" name="PlaceHolder 1"/>
           <p:cNvSpPr>
             <a:spLocks noGrp="1"/>
           </p:cNvSpPr>
@@ -14506,7 +14535,7 @@
         <p:spPr>
           <a:xfrm>
             <a:off x="442800" y="651600"/>
-            <a:ext cx="11304360" cy="1075320"/>
+            <a:ext cx="11304000" cy="1074960"/>
           </a:xfrm>
           <a:prstGeom prst="rect">
             <a:avLst/>
@@ -14551,7 +14580,7 @@
       </p:sp>
       <p:pic>
         <p:nvPicPr>
-          <p:cNvPr id="238" name="" descr=""/>
+          <p:cNvPr id="239" name="" descr=""/>
           <p:cNvPicPr/>
           <p:nvPr/>
         </p:nvPicPr>
@@ -14567,8 +14596,8 @@
         </p:blipFill>
         <p:spPr>
           <a:xfrm>
-            <a:off x="223920" y="2479680"/>
-            <a:ext cx="11732400" cy="2880000"/>
+            <a:off x="133200" y="2414880"/>
+            <a:ext cx="11925720" cy="2949120"/>
           </a:xfrm>
           <a:prstGeom prst="rect">
             <a:avLst/>

--- a/PGBootcamp2024/debugging-postgres-planner/presentation_ru.pptx
+++ b/PGBootcamp2024/debugging-postgres-planner/presentation_ru.pptx
@@ -895,7 +895,7 @@
         <p:spPr>
           <a:xfrm>
             <a:off x="11379960" y="214560"/>
-            <a:ext cx="573120" cy="161280"/>
+            <a:ext cx="572040" cy="160200"/>
           </a:xfrm>
           <a:prstGeom prst="rect">
             <a:avLst/>
@@ -927,7 +927,7 @@
                 <a:tab algn="l" pos="0"/>
               </a:tabLst>
             </a:pPr>
-            <a:fld id="{327431B7-9130-4713-883E-2E1D66623EBE}" type="slidenum">
+            <a:fld id="{BD4B93FB-23E3-4775-A260-AA53A962CDBA}" type="slidenum">
               <a:rPr b="0" lang="ru-RU" sz="1000" spc="-1" strike="noStrike">
                 <a:solidFill>
                   <a:srgbClr val="bfbfbf"/>
@@ -965,7 +965,7 @@
         <p:spPr>
           <a:xfrm>
             <a:off x="442800" y="172080"/>
-            <a:ext cx="712440" cy="281880"/>
+            <a:ext cx="711360" cy="280800"/>
           </a:xfrm>
           <a:prstGeom prst="rect">
             <a:avLst/>
@@ -984,7 +984,7 @@
         <p:spPr>
           <a:xfrm>
             <a:off x="0" y="633960"/>
-            <a:ext cx="12193920" cy="2160"/>
+            <a:ext cx="12195000" cy="3240"/>
           </a:xfrm>
           <a:prstGeom prst="straightConnector1">
             <a:avLst/>
@@ -1101,8 +1101,8 @@
         </p:blipFill>
         <p:spPr>
           <a:xfrm flipH="1" rot="10800000">
-            <a:off x="10570680" y="2160"/>
-            <a:ext cx="1619280" cy="3426840"/>
+            <a:off x="10570680" y="3240"/>
+            <a:ext cx="1618200" cy="3425760"/>
           </a:xfrm>
           <a:prstGeom prst="rect">
             <a:avLst/>
@@ -1130,8 +1130,8 @@
         </p:blipFill>
         <p:spPr>
           <a:xfrm flipH="1">
-            <a:off x="10572840" y="3429000"/>
-            <a:ext cx="1619280" cy="3426840"/>
+            <a:off x="10573920" y="3429000"/>
+            <a:ext cx="1618200" cy="3425760"/>
           </a:xfrm>
           <a:prstGeom prst="rect">
             <a:avLst/>
@@ -1193,9 +1193,9 @@
         <p:grpSpPr>
           <a:xfrm>
             <a:off x="588960" y="614880"/>
-            <a:ext cx="2218320" cy="875880"/>
+            <a:ext cx="2217240" cy="874800"/>
             <a:chOff x="588960" y="614880"/>
-            <a:chExt cx="2218320" cy="875880"/>
+            <a:chExt cx="2217240" cy="874800"/>
           </a:xfrm>
         </p:grpSpPr>
         <p:sp>
@@ -1207,15 +1207,15 @@
           <p:spPr>
             <a:xfrm>
               <a:off x="1879920" y="976320"/>
-              <a:ext cx="204480" cy="514080"/>
+              <a:ext cx="203400" cy="513000"/>
             </a:xfrm>
             <a:custGeom>
               <a:avLst/>
               <a:gdLst>
-                <a:gd name="textAreaLeft" fmla="*/ 0 w 204480"/>
-                <a:gd name="textAreaRight" fmla="*/ 206640 w 204480"/>
-                <a:gd name="textAreaTop" fmla="*/ 0 h 514080"/>
-                <a:gd name="textAreaBottom" fmla="*/ 516240 h 514080"/>
+                <a:gd name="textAreaLeft" fmla="*/ 0 w 203400"/>
+                <a:gd name="textAreaRight" fmla="*/ 206640 w 203400"/>
+                <a:gd name="textAreaTop" fmla="*/ 0 h 513000"/>
+                <a:gd name="textAreaBottom" fmla="*/ 516240 h 513000"/>
               </a:gdLst>
               <a:ahLst/>
               <a:rect l="textAreaLeft" t="textAreaTop" r="textAreaRight" b="textAreaBottom"/>
@@ -1306,15 +1306,15 @@
           <p:spPr>
             <a:xfrm>
               <a:off x="2138040" y="1079640"/>
-              <a:ext cx="411120" cy="411120"/>
+              <a:ext cx="410040" cy="410040"/>
             </a:xfrm>
             <a:custGeom>
               <a:avLst/>
               <a:gdLst>
-                <a:gd name="textAreaLeft" fmla="*/ 0 w 411120"/>
-                <a:gd name="textAreaRight" fmla="*/ 413280 w 411120"/>
-                <a:gd name="textAreaTop" fmla="*/ 0 h 411120"/>
-                <a:gd name="textAreaBottom" fmla="*/ 413280 h 411120"/>
+                <a:gd name="textAreaLeft" fmla="*/ 0 w 410040"/>
+                <a:gd name="textAreaRight" fmla="*/ 413280 w 410040"/>
+                <a:gd name="textAreaTop" fmla="*/ 0 h 410040"/>
+                <a:gd name="textAreaBottom" fmla="*/ 413280 h 410040"/>
               </a:gdLst>
               <a:ahLst/>
               <a:rect l="textAreaLeft" t="textAreaTop" r="textAreaRight" b="textAreaBottom"/>
@@ -1413,15 +1413,15 @@
           <p:spPr>
             <a:xfrm>
               <a:off x="2602800" y="1080000"/>
-              <a:ext cx="204480" cy="410760"/>
+              <a:ext cx="203400" cy="409680"/>
             </a:xfrm>
             <a:custGeom>
               <a:avLst/>
               <a:gdLst>
-                <a:gd name="textAreaLeft" fmla="*/ 0 w 204480"/>
-                <a:gd name="textAreaRight" fmla="*/ 206640 w 204480"/>
-                <a:gd name="textAreaTop" fmla="*/ 0 h 410760"/>
-                <a:gd name="textAreaBottom" fmla="*/ 412920 h 410760"/>
+                <a:gd name="textAreaLeft" fmla="*/ 0 w 203400"/>
+                <a:gd name="textAreaRight" fmla="*/ 206640 w 203400"/>
+                <a:gd name="textAreaTop" fmla="*/ 0 h 409680"/>
+                <a:gd name="textAreaBottom" fmla="*/ 412920 h 409680"/>
               </a:gdLst>
               <a:ahLst/>
               <a:rect l="textAreaLeft" t="textAreaTop" r="textAreaRight" b="textAreaBottom"/>
@@ -1499,15 +1499,15 @@
           <p:spPr>
             <a:xfrm>
               <a:off x="950400" y="1079640"/>
-              <a:ext cx="410760" cy="411120"/>
+              <a:ext cx="409680" cy="410040"/>
             </a:xfrm>
             <a:custGeom>
               <a:avLst/>
               <a:gdLst>
-                <a:gd name="textAreaLeft" fmla="*/ 0 w 410760"/>
-                <a:gd name="textAreaRight" fmla="*/ 412920 w 410760"/>
-                <a:gd name="textAreaTop" fmla="*/ 0 h 411120"/>
-                <a:gd name="textAreaBottom" fmla="*/ 413280 h 411120"/>
+                <a:gd name="textAreaLeft" fmla="*/ 0 w 409680"/>
+                <a:gd name="textAreaRight" fmla="*/ 412920 w 409680"/>
+                <a:gd name="textAreaTop" fmla="*/ 0 h 410040"/>
+                <a:gd name="textAreaBottom" fmla="*/ 413280 h 410040"/>
               </a:gdLst>
               <a:ahLst/>
               <a:rect l="textAreaLeft" t="textAreaTop" r="textAreaRight" b="textAreaBottom"/>
@@ -1615,15 +1615,15 @@
           <p:spPr>
             <a:xfrm>
               <a:off x="1415160" y="1079640"/>
-              <a:ext cx="410760" cy="411120"/>
+              <a:ext cx="409680" cy="410040"/>
             </a:xfrm>
             <a:custGeom>
               <a:avLst/>
               <a:gdLst>
-                <a:gd name="textAreaLeft" fmla="*/ 0 w 410760"/>
-                <a:gd name="textAreaRight" fmla="*/ 412920 w 410760"/>
-                <a:gd name="textAreaTop" fmla="*/ 0 h 411120"/>
-                <a:gd name="textAreaBottom" fmla="*/ 413280 h 411120"/>
+                <a:gd name="textAreaLeft" fmla="*/ 0 w 409680"/>
+                <a:gd name="textAreaRight" fmla="*/ 412920 w 409680"/>
+                <a:gd name="textAreaTop" fmla="*/ 0 h 410040"/>
+                <a:gd name="textAreaBottom" fmla="*/ 413280 h 410040"/>
               </a:gdLst>
               <a:ahLst/>
               <a:rect l="textAreaLeft" t="textAreaTop" r="textAreaRight" b="textAreaBottom"/>
@@ -1717,15 +1717,15 @@
           <p:spPr>
             <a:xfrm>
               <a:off x="588960" y="976680"/>
-              <a:ext cx="307800" cy="514080"/>
+              <a:ext cx="306720" cy="513000"/>
             </a:xfrm>
             <a:custGeom>
               <a:avLst/>
               <a:gdLst>
-                <a:gd name="textAreaLeft" fmla="*/ 0 w 307800"/>
-                <a:gd name="textAreaRight" fmla="*/ 309960 w 307800"/>
-                <a:gd name="textAreaTop" fmla="*/ 0 h 514080"/>
-                <a:gd name="textAreaBottom" fmla="*/ 516240 h 514080"/>
+                <a:gd name="textAreaLeft" fmla="*/ 0 w 306720"/>
+                <a:gd name="textAreaRight" fmla="*/ 309960 w 306720"/>
+                <a:gd name="textAreaTop" fmla="*/ 0 h 513000"/>
+                <a:gd name="textAreaBottom" fmla="*/ 516240 h 513000"/>
               </a:gdLst>
               <a:ahLst/>
               <a:rect l="textAreaLeft" t="textAreaTop" r="textAreaRight" b="textAreaBottom"/>
@@ -1830,15 +1830,15 @@
           <p:spPr>
             <a:xfrm>
               <a:off x="846720" y="924480"/>
-              <a:ext cx="101880" cy="101880"/>
+              <a:ext cx="100800" cy="100800"/>
             </a:xfrm>
             <a:custGeom>
               <a:avLst/>
               <a:gdLst>
-                <a:gd name="textAreaLeft" fmla="*/ 0 w 101880"/>
-                <a:gd name="textAreaRight" fmla="*/ 104040 w 101880"/>
-                <a:gd name="textAreaTop" fmla="*/ 0 h 101880"/>
-                <a:gd name="textAreaBottom" fmla="*/ 104040 h 101880"/>
+                <a:gd name="textAreaLeft" fmla="*/ 0 w 100800"/>
+                <a:gd name="textAreaRight" fmla="*/ 104040 w 100800"/>
+                <a:gd name="textAreaTop" fmla="*/ 0 h 100800"/>
+                <a:gd name="textAreaBottom" fmla="*/ 104040 h 100800"/>
               </a:gdLst>
               <a:ahLst/>
               <a:rect l="textAreaLeft" t="textAreaTop" r="textAreaRight" b="textAreaBottom"/>
@@ -1914,15 +1914,15 @@
           <p:spPr>
             <a:xfrm>
               <a:off x="692280" y="614880"/>
-              <a:ext cx="824040" cy="521640"/>
+              <a:ext cx="822960" cy="520560"/>
             </a:xfrm>
             <a:custGeom>
               <a:avLst/>
               <a:gdLst>
-                <a:gd name="textAreaLeft" fmla="*/ 0 w 824040"/>
-                <a:gd name="textAreaRight" fmla="*/ 826200 w 824040"/>
-                <a:gd name="textAreaTop" fmla="*/ 0 h 521640"/>
-                <a:gd name="textAreaBottom" fmla="*/ 523800 h 521640"/>
+                <a:gd name="textAreaLeft" fmla="*/ 0 w 822960"/>
+                <a:gd name="textAreaRight" fmla="*/ 826200 w 822960"/>
+                <a:gd name="textAreaTop" fmla="*/ 0 h 520560"/>
+                <a:gd name="textAreaBottom" fmla="*/ 523800 h 520560"/>
               </a:gdLst>
               <a:ahLst/>
               <a:rect l="textAreaLeft" t="textAreaTop" r="textAreaRight" b="textAreaBottom"/>
@@ -2458,7 +2458,7 @@
         <p:spPr>
           <a:xfrm>
             <a:off x="11379960" y="214560"/>
-            <a:ext cx="573120" cy="161280"/>
+            <a:ext cx="572040" cy="160200"/>
           </a:xfrm>
           <a:prstGeom prst="rect">
             <a:avLst/>
@@ -2490,7 +2490,7 @@
                 <a:tab algn="l" pos="0"/>
               </a:tabLst>
             </a:pPr>
-            <a:fld id="{C9B8EA60-8F73-496B-8E19-A15C9DC01D35}" type="slidenum">
+            <a:fld id="{2E5928B8-F032-4AEE-99F2-AC61929D39F4}" type="slidenum">
               <a:rPr b="0" lang="ru-RU" sz="1000" spc="-1" strike="noStrike">
                 <a:solidFill>
                   <a:srgbClr val="bfbfbf"/>
@@ -2528,7 +2528,7 @@
         <p:spPr>
           <a:xfrm>
             <a:off x="442800" y="172080"/>
-            <a:ext cx="712440" cy="281880"/>
+            <a:ext cx="711360" cy="280800"/>
           </a:xfrm>
           <a:prstGeom prst="rect">
             <a:avLst/>
@@ -2547,7 +2547,7 @@
         <p:spPr>
           <a:xfrm>
             <a:off x="0" y="633960"/>
-            <a:ext cx="12193920" cy="2160"/>
+            <a:ext cx="12195000" cy="3240"/>
           </a:xfrm>
           <a:prstGeom prst="straightConnector1">
             <a:avLst/>
@@ -2616,7 +2616,7 @@
         <p:spPr>
           <a:xfrm>
             <a:off x="442800" y="172080"/>
-            <a:ext cx="712440" cy="281880"/>
+            <a:ext cx="711360" cy="280800"/>
           </a:xfrm>
           <a:prstGeom prst="rect">
             <a:avLst/>
@@ -2671,7 +2671,7 @@
         <p:spPr>
           <a:xfrm>
             <a:off x="11379960" y="214560"/>
-            <a:ext cx="573120" cy="161280"/>
+            <a:ext cx="572040" cy="160200"/>
           </a:xfrm>
           <a:prstGeom prst="rect">
             <a:avLst/>
@@ -2703,7 +2703,7 @@
                 <a:tab algn="l" pos="0"/>
               </a:tabLst>
             </a:pPr>
-            <a:fld id="{555220B7-625E-4857-9DE3-17D09473AC20}" type="slidenum">
+            <a:fld id="{A73AB291-8B57-49A6-BAA1-E1269610BC16}" type="slidenum">
               <a:rPr b="0" lang="ru-RU" sz="1000" spc="-1" strike="noStrike">
                 <a:solidFill>
                   <a:srgbClr val="bfbfbf"/>
@@ -2741,7 +2741,7 @@
         <p:spPr>
           <a:xfrm>
             <a:off x="442800" y="172080"/>
-            <a:ext cx="712440" cy="281880"/>
+            <a:ext cx="711360" cy="280800"/>
           </a:xfrm>
           <a:prstGeom prst="rect">
             <a:avLst/>
@@ -2760,7 +2760,7 @@
         <p:spPr>
           <a:xfrm>
             <a:off x="0" y="633960"/>
-            <a:ext cx="12193920" cy="2160"/>
+            <a:ext cx="12195000" cy="3240"/>
           </a:xfrm>
           <a:prstGeom prst="straightConnector1">
             <a:avLst/>
@@ -2789,7 +2789,7 @@
         <p:spPr>
           <a:xfrm>
             <a:off x="0" y="0"/>
-            <a:ext cx="12155760" cy="6855840"/>
+            <a:ext cx="12154680" cy="6854760"/>
           </a:xfrm>
           <a:prstGeom prst="rect">
             <a:avLst/>
@@ -2855,7 +2855,7 @@
         <p:spPr>
           <a:xfrm>
             <a:off x="442800" y="172080"/>
-            <a:ext cx="712440" cy="281880"/>
+            <a:ext cx="711360" cy="280800"/>
           </a:xfrm>
           <a:prstGeom prst="rect">
             <a:avLst/>
@@ -2907,7 +2907,7 @@
         <p:spPr>
           <a:xfrm>
             <a:off x="11379960" y="214560"/>
-            <a:ext cx="573120" cy="161280"/>
+            <a:ext cx="572040" cy="160200"/>
           </a:xfrm>
           <a:prstGeom prst="rect">
             <a:avLst/>
@@ -2939,7 +2939,7 @@
                 <a:tab algn="l" pos="0"/>
               </a:tabLst>
             </a:pPr>
-            <a:fld id="{8FC5969C-8DA7-4E15-8CD4-301F0C935FB4}" type="slidenum">
+            <a:fld id="{017827A8-7BAA-42C9-9388-4399799F3132}" type="slidenum">
               <a:rPr b="0" lang="ru-RU" sz="1000" spc="-1" strike="noStrike">
                 <a:solidFill>
                   <a:srgbClr val="bfbfbf"/>
@@ -2977,7 +2977,7 @@
         <p:spPr>
           <a:xfrm>
             <a:off x="442800" y="172080"/>
-            <a:ext cx="712440" cy="281880"/>
+            <a:ext cx="711360" cy="280800"/>
           </a:xfrm>
           <a:prstGeom prst="rect">
             <a:avLst/>
@@ -2996,7 +2996,7 @@
         <p:spPr>
           <a:xfrm>
             <a:off x="0" y="633960"/>
-            <a:ext cx="12193920" cy="2160"/>
+            <a:ext cx="12195000" cy="3240"/>
           </a:xfrm>
           <a:prstGeom prst="straightConnector1">
             <a:avLst/>
@@ -3018,9 +3018,9 @@
         <p:grpSpPr>
           <a:xfrm>
             <a:off x="588960" y="614160"/>
-            <a:ext cx="1467000" cy="578520"/>
+            <a:ext cx="1465920" cy="577440"/>
             <a:chOff x="588960" y="614160"/>
-            <a:chExt cx="1467000" cy="578520"/>
+            <a:chExt cx="1465920" cy="577440"/>
           </a:xfrm>
         </p:grpSpPr>
         <p:sp>
@@ -3032,15 +3032,15 @@
           <p:spPr>
             <a:xfrm>
               <a:off x="1443240" y="853200"/>
-              <a:ext cx="134640" cy="339480"/>
+              <a:ext cx="133560" cy="338400"/>
             </a:xfrm>
             <a:custGeom>
               <a:avLst/>
               <a:gdLst>
-                <a:gd name="textAreaLeft" fmla="*/ 0 w 134640"/>
-                <a:gd name="textAreaRight" fmla="*/ 136800 w 134640"/>
-                <a:gd name="textAreaTop" fmla="*/ 0 h 339480"/>
-                <a:gd name="textAreaBottom" fmla="*/ 341640 h 339480"/>
+                <a:gd name="textAreaLeft" fmla="*/ 0 w 133560"/>
+                <a:gd name="textAreaRight" fmla="*/ 136800 w 133560"/>
+                <a:gd name="textAreaTop" fmla="*/ 0 h 338400"/>
+                <a:gd name="textAreaBottom" fmla="*/ 341640 h 338400"/>
               </a:gdLst>
               <a:ahLst/>
               <a:rect l="textAreaLeft" t="textAreaTop" r="textAreaRight" b="textAreaBottom"/>
@@ -3131,15 +3131,15 @@
           <p:spPr>
             <a:xfrm>
               <a:off x="1613880" y="921600"/>
-              <a:ext cx="271080" cy="271080"/>
+              <a:ext cx="270000" cy="270000"/>
             </a:xfrm>
             <a:custGeom>
               <a:avLst/>
               <a:gdLst>
-                <a:gd name="textAreaLeft" fmla="*/ 0 w 271080"/>
-                <a:gd name="textAreaRight" fmla="*/ 273240 w 271080"/>
-                <a:gd name="textAreaTop" fmla="*/ 0 h 271080"/>
-                <a:gd name="textAreaBottom" fmla="*/ 273240 h 271080"/>
+                <a:gd name="textAreaLeft" fmla="*/ 0 w 270000"/>
+                <a:gd name="textAreaRight" fmla="*/ 273240 w 270000"/>
+                <a:gd name="textAreaTop" fmla="*/ 0 h 270000"/>
+                <a:gd name="textAreaBottom" fmla="*/ 273240 h 270000"/>
               </a:gdLst>
               <a:ahLst/>
               <a:rect l="textAreaLeft" t="textAreaTop" r="textAreaRight" b="textAreaBottom"/>
@@ -3238,15 +3238,15 @@
           <p:spPr>
             <a:xfrm>
               <a:off x="1921320" y="921600"/>
-              <a:ext cx="134640" cy="271080"/>
+              <a:ext cx="133560" cy="270000"/>
             </a:xfrm>
             <a:custGeom>
               <a:avLst/>
               <a:gdLst>
-                <a:gd name="textAreaLeft" fmla="*/ 0 w 134640"/>
-                <a:gd name="textAreaRight" fmla="*/ 136800 w 134640"/>
-                <a:gd name="textAreaTop" fmla="*/ 0 h 271080"/>
-                <a:gd name="textAreaBottom" fmla="*/ 273240 h 271080"/>
+                <a:gd name="textAreaLeft" fmla="*/ 0 w 133560"/>
+                <a:gd name="textAreaRight" fmla="*/ 136800 w 133560"/>
+                <a:gd name="textAreaTop" fmla="*/ 0 h 270000"/>
+                <a:gd name="textAreaBottom" fmla="*/ 273240 h 270000"/>
               </a:gdLst>
               <a:ahLst/>
               <a:rect l="textAreaLeft" t="textAreaTop" r="textAreaRight" b="textAreaBottom"/>
@@ -3324,15 +3324,15 @@
           <p:spPr>
             <a:xfrm>
               <a:off x="828000" y="921600"/>
-              <a:ext cx="271080" cy="271080"/>
+              <a:ext cx="270000" cy="270000"/>
             </a:xfrm>
             <a:custGeom>
               <a:avLst/>
               <a:gdLst>
-                <a:gd name="textAreaLeft" fmla="*/ 0 w 271080"/>
-                <a:gd name="textAreaRight" fmla="*/ 273240 w 271080"/>
-                <a:gd name="textAreaTop" fmla="*/ 0 h 271080"/>
-                <a:gd name="textAreaBottom" fmla="*/ 273240 h 271080"/>
+                <a:gd name="textAreaLeft" fmla="*/ 0 w 270000"/>
+                <a:gd name="textAreaRight" fmla="*/ 273240 w 270000"/>
+                <a:gd name="textAreaTop" fmla="*/ 0 h 270000"/>
+                <a:gd name="textAreaBottom" fmla="*/ 273240 h 270000"/>
               </a:gdLst>
               <a:ahLst/>
               <a:rect l="textAreaLeft" t="textAreaTop" r="textAreaRight" b="textAreaBottom"/>
@@ -3440,15 +3440,15 @@
           <p:spPr>
             <a:xfrm>
               <a:off x="1135440" y="921600"/>
-              <a:ext cx="271080" cy="271080"/>
+              <a:ext cx="270000" cy="270000"/>
             </a:xfrm>
             <a:custGeom>
               <a:avLst/>
               <a:gdLst>
-                <a:gd name="textAreaLeft" fmla="*/ 0 w 271080"/>
-                <a:gd name="textAreaRight" fmla="*/ 273240 w 271080"/>
-                <a:gd name="textAreaTop" fmla="*/ 0 h 271080"/>
-                <a:gd name="textAreaBottom" fmla="*/ 273240 h 271080"/>
+                <a:gd name="textAreaLeft" fmla="*/ 0 w 270000"/>
+                <a:gd name="textAreaRight" fmla="*/ 273240 w 270000"/>
+                <a:gd name="textAreaTop" fmla="*/ 0 h 270000"/>
+                <a:gd name="textAreaBottom" fmla="*/ 273240 h 270000"/>
               </a:gdLst>
               <a:ahLst/>
               <a:rect l="textAreaLeft" t="textAreaTop" r="textAreaRight" b="textAreaBottom"/>
@@ -3542,15 +3542,15 @@
           <p:spPr>
             <a:xfrm>
               <a:off x="588960" y="853200"/>
-              <a:ext cx="202680" cy="339480"/>
+              <a:ext cx="201600" cy="338400"/>
             </a:xfrm>
             <a:custGeom>
               <a:avLst/>
               <a:gdLst>
-                <a:gd name="textAreaLeft" fmla="*/ 0 w 202680"/>
-                <a:gd name="textAreaRight" fmla="*/ 204840 w 202680"/>
-                <a:gd name="textAreaTop" fmla="*/ 0 h 339480"/>
-                <a:gd name="textAreaBottom" fmla="*/ 341640 h 339480"/>
+                <a:gd name="textAreaLeft" fmla="*/ 0 w 201600"/>
+                <a:gd name="textAreaRight" fmla="*/ 204840 w 201600"/>
+                <a:gd name="textAreaTop" fmla="*/ 0 h 338400"/>
+                <a:gd name="textAreaBottom" fmla="*/ 341640 h 338400"/>
               </a:gdLst>
               <a:ahLst/>
               <a:rect l="textAreaLeft" t="textAreaTop" r="textAreaRight" b="textAreaBottom"/>
@@ -3655,15 +3655,15 @@
           <p:spPr>
             <a:xfrm>
               <a:off x="759600" y="819000"/>
-              <a:ext cx="66600" cy="66600"/>
+              <a:ext cx="65520" cy="65520"/>
             </a:xfrm>
             <a:custGeom>
               <a:avLst/>
               <a:gdLst>
-                <a:gd name="textAreaLeft" fmla="*/ 0 w 66600"/>
-                <a:gd name="textAreaRight" fmla="*/ 68760 w 66600"/>
-                <a:gd name="textAreaTop" fmla="*/ 0 h 66600"/>
-                <a:gd name="textAreaBottom" fmla="*/ 68760 h 66600"/>
+                <a:gd name="textAreaLeft" fmla="*/ 0 w 65520"/>
+                <a:gd name="textAreaRight" fmla="*/ 68760 w 65520"/>
+                <a:gd name="textAreaTop" fmla="*/ 0 h 65520"/>
+                <a:gd name="textAreaBottom" fmla="*/ 68760 h 65520"/>
               </a:gdLst>
               <a:ahLst/>
               <a:rect l="textAreaLeft" t="textAreaTop" r="textAreaRight" b="textAreaBottom"/>
@@ -3739,15 +3739,15 @@
           <p:spPr>
             <a:xfrm>
               <a:off x="657360" y="614160"/>
-              <a:ext cx="544320" cy="344160"/>
+              <a:ext cx="543240" cy="343080"/>
             </a:xfrm>
             <a:custGeom>
               <a:avLst/>
               <a:gdLst>
-                <a:gd name="textAreaLeft" fmla="*/ 0 w 544320"/>
-                <a:gd name="textAreaRight" fmla="*/ 546480 w 544320"/>
-                <a:gd name="textAreaTop" fmla="*/ 0 h 344160"/>
-                <a:gd name="textAreaBottom" fmla="*/ 346320 h 344160"/>
+                <a:gd name="textAreaLeft" fmla="*/ 0 w 543240"/>
+                <a:gd name="textAreaRight" fmla="*/ 546480 w 543240"/>
+                <a:gd name="textAreaTop" fmla="*/ 0 h 343080"/>
+                <a:gd name="textAreaBottom" fmla="*/ 346320 h 343080"/>
               </a:gdLst>
               <a:ahLst/>
               <a:rect l="textAreaLeft" t="textAreaTop" r="textAreaRight" b="textAreaBottom"/>
@@ -4048,7 +4048,7 @@
         <p:spPr>
           <a:xfrm>
             <a:off x="11379960" y="214560"/>
-            <a:ext cx="573120" cy="161280"/>
+            <a:ext cx="572040" cy="160200"/>
           </a:xfrm>
           <a:prstGeom prst="rect">
             <a:avLst/>
@@ -4080,7 +4080,7 @@
                 <a:tab algn="l" pos="0"/>
               </a:tabLst>
             </a:pPr>
-            <a:fld id="{76EACE17-C7BA-4E94-B959-8A76AC14006B}" type="slidenum">
+            <a:fld id="{D05DD872-4699-4B34-8946-04CE62353863}" type="slidenum">
               <a:rPr b="0" lang="ru-RU" sz="1000" spc="-1" strike="noStrike">
                 <a:solidFill>
                   <a:srgbClr val="bfbfbf"/>
@@ -4118,7 +4118,7 @@
         <p:spPr>
           <a:xfrm>
             <a:off x="442800" y="172080"/>
-            <a:ext cx="712440" cy="281880"/>
+            <a:ext cx="711360" cy="280800"/>
           </a:xfrm>
           <a:prstGeom prst="rect">
             <a:avLst/>
@@ -4137,7 +4137,7 @@
         <p:spPr>
           <a:xfrm>
             <a:off x="0" y="633960"/>
-            <a:ext cx="12193920" cy="2160"/>
+            <a:ext cx="12195000" cy="3240"/>
           </a:xfrm>
           <a:prstGeom prst="straightConnector1">
             <a:avLst/>
@@ -4162,8 +4162,8 @@
         </p:blipFill>
         <p:spPr>
           <a:xfrm flipH="1" rot="5400000">
-            <a:off x="2668680" y="-2682720"/>
-            <a:ext cx="6856920" cy="12191400"/>
+            <a:off x="2669760" y="-2681640"/>
+            <a:ext cx="6855840" cy="12190320"/>
           </a:xfrm>
           <a:prstGeom prst="rect">
             <a:avLst/>
@@ -4186,8 +4186,8 @@
         </p:blipFill>
         <p:spPr>
           <a:xfrm flipH="1">
-            <a:off x="10522800" y="5103000"/>
-            <a:ext cx="1669320" cy="1765440"/>
+            <a:off x="10523880" y="5103000"/>
+            <a:ext cx="1668240" cy="1764360"/>
           </a:xfrm>
           <a:prstGeom prst="rect">
             <a:avLst/>
@@ -4210,7 +4210,7 @@
         <p:spPr>
           <a:xfrm>
             <a:off x="588960" y="614880"/>
-            <a:ext cx="1456920" cy="577800"/>
+            <a:ext cx="1455840" cy="576720"/>
           </a:xfrm>
           <a:prstGeom prst="rect">
             <a:avLst/>
@@ -4265,7 +4265,7 @@
         <p:spPr>
           <a:xfrm>
             <a:off x="11379960" y="214560"/>
-            <a:ext cx="573120" cy="161280"/>
+            <a:ext cx="572040" cy="160200"/>
           </a:xfrm>
           <a:prstGeom prst="rect">
             <a:avLst/>
@@ -4297,7 +4297,7 @@
                 <a:tab algn="l" pos="0"/>
               </a:tabLst>
             </a:pPr>
-            <a:fld id="{59585AB9-0E68-443D-A8F6-DEF10B6F2120}" type="slidenum">
+            <a:fld id="{4A89A530-7D78-4A87-812F-9C17363E8F35}" type="slidenum">
               <a:rPr b="0" lang="ru-RU" sz="1000" spc="-1" strike="noStrike">
                 <a:solidFill>
                   <a:srgbClr val="bfbfbf"/>
@@ -4335,7 +4335,7 @@
         <p:spPr>
           <a:xfrm>
             <a:off x="442800" y="172080"/>
-            <a:ext cx="712440" cy="281880"/>
+            <a:ext cx="711360" cy="280800"/>
           </a:xfrm>
           <a:prstGeom prst="rect">
             <a:avLst/>
@@ -4354,7 +4354,7 @@
         <p:spPr>
           <a:xfrm>
             <a:off x="0" y="633960"/>
-            <a:ext cx="12193920" cy="2160"/>
+            <a:ext cx="12195000" cy="3240"/>
           </a:xfrm>
           <a:prstGeom prst="straightConnector1">
             <a:avLst/>
@@ -4380,8 +4380,8 @@
         </p:blipFill>
         <p:spPr>
           <a:xfrm flipH="1">
-            <a:off x="10522800" y="5103000"/>
-            <a:ext cx="1669320" cy="1765440"/>
+            <a:off x="10523880" y="5103000"/>
+            <a:ext cx="1668240" cy="1764360"/>
           </a:xfrm>
           <a:prstGeom prst="rect">
             <a:avLst/>
@@ -4404,7 +4404,7 @@
         <p:spPr>
           <a:xfrm>
             <a:off x="588960" y="614880"/>
-            <a:ext cx="1456920" cy="577800"/>
+            <a:ext cx="1455840" cy="576720"/>
           </a:xfrm>
           <a:prstGeom prst="rect">
             <a:avLst/>
@@ -4459,7 +4459,7 @@
         <p:spPr>
           <a:xfrm>
             <a:off x="11379960" y="214560"/>
-            <a:ext cx="573120" cy="161280"/>
+            <a:ext cx="572040" cy="160200"/>
           </a:xfrm>
           <a:prstGeom prst="rect">
             <a:avLst/>
@@ -4491,7 +4491,7 @@
                 <a:tab algn="l" pos="0"/>
               </a:tabLst>
             </a:pPr>
-            <a:fld id="{4959B1EF-111F-4188-9DD6-328D776DE413}" type="slidenum">
+            <a:fld id="{16F96C6B-93E2-4EAC-9484-4A45C0026D91}" type="slidenum">
               <a:rPr b="0" lang="ru-RU" sz="1000" spc="-1" strike="noStrike">
                 <a:solidFill>
                   <a:srgbClr val="bfbfbf"/>
@@ -4529,7 +4529,7 @@
         <p:spPr>
           <a:xfrm>
             <a:off x="442800" y="172080"/>
-            <a:ext cx="712440" cy="281880"/>
+            <a:ext cx="711360" cy="280800"/>
           </a:xfrm>
           <a:prstGeom prst="rect">
             <a:avLst/>
@@ -4548,7 +4548,7 @@
         <p:spPr>
           <a:xfrm>
             <a:off x="0" y="633960"/>
-            <a:ext cx="12193920" cy="2160"/>
+            <a:ext cx="12195000" cy="3240"/>
           </a:xfrm>
           <a:prstGeom prst="straightConnector1">
             <a:avLst/>
@@ -4615,8 +4615,8 @@
         </p:blipFill>
         <p:spPr>
           <a:xfrm rot="16200000">
-            <a:off x="2781720" y="4512600"/>
-            <a:ext cx="1669320" cy="1765440"/>
+            <a:off x="2781720" y="4513680"/>
+            <a:ext cx="1668240" cy="1764360"/>
           </a:xfrm>
           <a:prstGeom prst="rect">
             <a:avLst/>
@@ -4641,7 +4641,7 @@
         <p:spPr>
           <a:xfrm>
             <a:off x="442800" y="172080"/>
-            <a:ext cx="712440" cy="281880"/>
+            <a:ext cx="711360" cy="280800"/>
           </a:xfrm>
           <a:prstGeom prst="rect">
             <a:avLst/>
@@ -5052,7 +5052,7 @@
         <p:spPr>
           <a:xfrm>
             <a:off x="11379960" y="214560"/>
-            <a:ext cx="573120" cy="161280"/>
+            <a:ext cx="572040" cy="160200"/>
           </a:xfrm>
           <a:prstGeom prst="rect">
             <a:avLst/>
@@ -5084,7 +5084,7 @@
                 <a:tab algn="l" pos="0"/>
               </a:tabLst>
             </a:pPr>
-            <a:fld id="{5386631E-3024-4C6E-97BD-179F92DE7BAA}" type="slidenum">
+            <a:fld id="{B634B7B8-620B-4608-B4BE-B258688630BA}" type="slidenum">
               <a:rPr b="0" lang="ru-RU" sz="1000" spc="-1" strike="noStrike">
                 <a:solidFill>
                   <a:srgbClr val="bfbfbf"/>
@@ -5122,7 +5122,7 @@
         <p:spPr>
           <a:xfrm>
             <a:off x="442800" y="172080"/>
-            <a:ext cx="712440" cy="281880"/>
+            <a:ext cx="711360" cy="280800"/>
           </a:xfrm>
           <a:prstGeom prst="rect">
             <a:avLst/>
@@ -5141,7 +5141,7 @@
         <p:spPr>
           <a:xfrm>
             <a:off x="0" y="633960"/>
-            <a:ext cx="12193920" cy="2160"/>
+            <a:ext cx="12195000" cy="3240"/>
           </a:xfrm>
           <a:prstGeom prst="straightConnector1">
             <a:avLst/>
@@ -5210,7 +5210,7 @@
         <p:spPr>
           <a:xfrm>
             <a:off x="599040" y="614880"/>
-            <a:ext cx="2206440" cy="875520"/>
+            <a:ext cx="2205360" cy="874440"/>
           </a:xfrm>
           <a:prstGeom prst="rect">
             <a:avLst/>
@@ -5281,8 +5281,8 @@
         </p:blipFill>
         <p:spPr>
           <a:xfrm flipH="1" rot="10800000">
-            <a:off x="10570680" y="2160"/>
-            <a:ext cx="1619280" cy="3426840"/>
+            <a:off x="10570680" y="3240"/>
+            <a:ext cx="1618200" cy="3425760"/>
           </a:xfrm>
           <a:prstGeom prst="rect">
             <a:avLst/>
@@ -5310,8 +5310,8 @@
         </p:blipFill>
         <p:spPr>
           <a:xfrm flipH="1">
-            <a:off x="10572840" y="3429000"/>
-            <a:ext cx="1619280" cy="3426840"/>
+            <a:off x="10573920" y="3429000"/>
+            <a:ext cx="1618200" cy="3425760"/>
           </a:xfrm>
           <a:prstGeom prst="rect">
             <a:avLst/>
@@ -5478,7 +5478,7 @@
         <p:spPr>
           <a:xfrm>
             <a:off x="482760" y="4313880"/>
-            <a:ext cx="2076120" cy="2076120"/>
+            <a:ext cx="2075040" cy="2075040"/>
           </a:xfrm>
           <a:prstGeom prst="rect">
             <a:avLst/>
@@ -5530,7 +5530,7 @@
         <p:spPr>
           <a:xfrm>
             <a:off x="11379960" y="214560"/>
-            <a:ext cx="573120" cy="161280"/>
+            <a:ext cx="572040" cy="160200"/>
           </a:xfrm>
           <a:prstGeom prst="rect">
             <a:avLst/>
@@ -5562,7 +5562,7 @@
                 <a:tab algn="l" pos="0"/>
               </a:tabLst>
             </a:pPr>
-            <a:fld id="{21685816-3254-4DD8-B8B9-D025AB97380C}" type="slidenum">
+            <a:fld id="{DA7F2DEC-C7B3-4C41-ABE8-A3D59F196267}" type="slidenum">
               <a:rPr b="0" lang="ru-RU" sz="1000" spc="-1" strike="noStrike">
                 <a:solidFill>
                   <a:srgbClr val="bfbfbf"/>
@@ -5600,7 +5600,7 @@
         <p:spPr>
           <a:xfrm>
             <a:off x="442800" y="172080"/>
-            <a:ext cx="712440" cy="281880"/>
+            <a:ext cx="711360" cy="280800"/>
           </a:xfrm>
           <a:prstGeom prst="rect">
             <a:avLst/>
@@ -5619,7 +5619,7 @@
         <p:spPr>
           <a:xfrm>
             <a:off x="0" y="633960"/>
-            <a:ext cx="12193920" cy="2160"/>
+            <a:ext cx="12195000" cy="3240"/>
           </a:xfrm>
           <a:prstGeom prst="straightConnector1">
             <a:avLst/>
@@ -5645,7 +5645,7 @@
         <p:spPr>
           <a:xfrm>
             <a:off x="442800" y="6343920"/>
-            <a:ext cx="7661880" cy="234000"/>
+            <a:ext cx="7660800" cy="232920"/>
           </a:xfrm>
           <a:prstGeom prst="rect">
             <a:avLst/>
@@ -6020,7 +6020,7 @@
         <p:spPr>
           <a:xfrm>
             <a:off x="11379960" y="214560"/>
-            <a:ext cx="573120" cy="161280"/>
+            <a:ext cx="572040" cy="160200"/>
           </a:xfrm>
           <a:prstGeom prst="rect">
             <a:avLst/>
@@ -6052,7 +6052,7 @@
                 <a:tab algn="l" pos="0"/>
               </a:tabLst>
             </a:pPr>
-            <a:fld id="{0A00C833-3A71-4471-8AD9-F5DE7B134519}" type="slidenum">
+            <a:fld id="{5C6F812E-2E99-4AA4-906C-D043D8C543B7}" type="slidenum">
               <a:rPr b="0" lang="ru-RU" sz="1000" spc="-1" strike="noStrike">
                 <a:solidFill>
                   <a:srgbClr val="bfbfbf"/>
@@ -6090,7 +6090,7 @@
         <p:spPr>
           <a:xfrm>
             <a:off x="442800" y="172080"/>
-            <a:ext cx="712440" cy="281880"/>
+            <a:ext cx="711360" cy="280800"/>
           </a:xfrm>
           <a:prstGeom prst="rect">
             <a:avLst/>
@@ -6109,7 +6109,7 @@
         <p:spPr>
           <a:xfrm>
             <a:off x="0" y="633960"/>
-            <a:ext cx="12193920" cy="2160"/>
+            <a:ext cx="12195000" cy="3240"/>
           </a:xfrm>
           <a:prstGeom prst="straightConnector1">
             <a:avLst/>
@@ -6135,7 +6135,7 @@
         <p:spPr>
           <a:xfrm>
             <a:off x="442800" y="6343920"/>
-            <a:ext cx="7661880" cy="234000"/>
+            <a:ext cx="7660800" cy="232920"/>
           </a:xfrm>
           <a:prstGeom prst="rect">
             <a:avLst/>
@@ -6236,7 +6236,7 @@
         <p:spPr>
           <a:xfrm>
             <a:off x="11379960" y="214560"/>
-            <a:ext cx="573120" cy="161280"/>
+            <a:ext cx="572040" cy="160200"/>
           </a:xfrm>
           <a:prstGeom prst="rect">
             <a:avLst/>
@@ -6268,7 +6268,7 @@
                 <a:tab algn="l" pos="0"/>
               </a:tabLst>
             </a:pPr>
-            <a:fld id="{0393D6F6-BF2F-4732-B8EF-EEBC4D5D86EF}" type="slidenum">
+            <a:fld id="{31E7FFE2-58ED-402D-8813-24FEE882468D}" type="slidenum">
               <a:rPr b="0" lang="ru-RU" sz="1000" spc="-1" strike="noStrike">
                 <a:solidFill>
                   <a:srgbClr val="bfbfbf"/>
@@ -6306,7 +6306,7 @@
         <p:spPr>
           <a:xfrm>
             <a:off x="442800" y="172080"/>
-            <a:ext cx="712440" cy="281880"/>
+            <a:ext cx="711360" cy="280800"/>
           </a:xfrm>
           <a:prstGeom prst="rect">
             <a:avLst/>
@@ -6325,7 +6325,7 @@
         <p:spPr>
           <a:xfrm>
             <a:off x="0" y="633960"/>
-            <a:ext cx="12193920" cy="2160"/>
+            <a:ext cx="12195000" cy="3240"/>
           </a:xfrm>
           <a:prstGeom prst="straightConnector1">
             <a:avLst/>
@@ -6380,7 +6380,7 @@
         <p:spPr>
           <a:xfrm>
             <a:off x="11379960" y="214560"/>
-            <a:ext cx="573120" cy="161280"/>
+            <a:ext cx="572040" cy="160200"/>
           </a:xfrm>
           <a:prstGeom prst="rect">
             <a:avLst/>
@@ -6412,7 +6412,7 @@
                 <a:tab algn="l" pos="0"/>
               </a:tabLst>
             </a:pPr>
-            <a:fld id="{B8EBFDED-5100-482A-8205-C9961E014257}" type="slidenum">
+            <a:fld id="{76DBCBE4-7EA1-4E90-94F5-7AA07F347F14}" type="slidenum">
               <a:rPr b="0" lang="ru-RU" sz="1000" spc="-1" strike="noStrike">
                 <a:solidFill>
                   <a:srgbClr val="bfbfbf"/>
@@ -6450,7 +6450,7 @@
         <p:spPr>
           <a:xfrm>
             <a:off x="442800" y="172080"/>
-            <a:ext cx="712440" cy="281880"/>
+            <a:ext cx="711360" cy="280800"/>
           </a:xfrm>
           <a:prstGeom prst="rect">
             <a:avLst/>
@@ -6469,7 +6469,7 @@
         <p:spPr>
           <a:xfrm>
             <a:off x="0" y="633960"/>
-            <a:ext cx="12193920" cy="2160"/>
+            <a:ext cx="12195000" cy="3240"/>
           </a:xfrm>
           <a:prstGeom prst="straightConnector1">
             <a:avLst/>
@@ -6543,8 +6543,8 @@
         </p:blipFill>
         <p:spPr>
           <a:xfrm flipH="1" rot="10800000">
-            <a:off x="10570680" y="2160"/>
-            <a:ext cx="1619280" cy="3426840"/>
+            <a:off x="10570680" y="3240"/>
+            <a:ext cx="1618200" cy="3425760"/>
           </a:xfrm>
           <a:prstGeom prst="rect">
             <a:avLst/>
@@ -6572,8 +6572,8 @@
         </p:blipFill>
         <p:spPr>
           <a:xfrm flipH="1">
-            <a:off x="10572840" y="3429000"/>
-            <a:ext cx="1619280" cy="3426840"/>
+            <a:off x="10573920" y="3429000"/>
+            <a:ext cx="1618200" cy="3425760"/>
           </a:xfrm>
           <a:prstGeom prst="rect">
             <a:avLst/>
@@ -6693,9 +6693,9 @@
         <p:grpSpPr>
           <a:xfrm>
             <a:off x="588960" y="614880"/>
-            <a:ext cx="2218320" cy="875880"/>
+            <a:ext cx="2217240" cy="874800"/>
             <a:chOff x="588960" y="614880"/>
-            <a:chExt cx="2218320" cy="875880"/>
+            <a:chExt cx="2217240" cy="874800"/>
           </a:xfrm>
         </p:grpSpPr>
         <p:sp>
@@ -6707,15 +6707,15 @@
           <p:spPr>
             <a:xfrm>
               <a:off x="1879920" y="976320"/>
-              <a:ext cx="204480" cy="514080"/>
+              <a:ext cx="203400" cy="513000"/>
             </a:xfrm>
             <a:custGeom>
               <a:avLst/>
               <a:gdLst>
-                <a:gd name="textAreaLeft" fmla="*/ 0 w 204480"/>
-                <a:gd name="textAreaRight" fmla="*/ 206640 w 204480"/>
-                <a:gd name="textAreaTop" fmla="*/ 0 h 514080"/>
-                <a:gd name="textAreaBottom" fmla="*/ 516240 h 514080"/>
+                <a:gd name="textAreaLeft" fmla="*/ 0 w 203400"/>
+                <a:gd name="textAreaRight" fmla="*/ 206640 w 203400"/>
+                <a:gd name="textAreaTop" fmla="*/ 0 h 513000"/>
+                <a:gd name="textAreaBottom" fmla="*/ 516240 h 513000"/>
               </a:gdLst>
               <a:ahLst/>
               <a:rect l="textAreaLeft" t="textAreaTop" r="textAreaRight" b="textAreaBottom"/>
@@ -6806,15 +6806,15 @@
           <p:spPr>
             <a:xfrm>
               <a:off x="2138040" y="1079640"/>
-              <a:ext cx="411120" cy="411120"/>
+              <a:ext cx="410040" cy="410040"/>
             </a:xfrm>
             <a:custGeom>
               <a:avLst/>
               <a:gdLst>
-                <a:gd name="textAreaLeft" fmla="*/ 0 w 411120"/>
-                <a:gd name="textAreaRight" fmla="*/ 413280 w 411120"/>
-                <a:gd name="textAreaTop" fmla="*/ 0 h 411120"/>
-                <a:gd name="textAreaBottom" fmla="*/ 413280 h 411120"/>
+                <a:gd name="textAreaLeft" fmla="*/ 0 w 410040"/>
+                <a:gd name="textAreaRight" fmla="*/ 413280 w 410040"/>
+                <a:gd name="textAreaTop" fmla="*/ 0 h 410040"/>
+                <a:gd name="textAreaBottom" fmla="*/ 413280 h 410040"/>
               </a:gdLst>
               <a:ahLst/>
               <a:rect l="textAreaLeft" t="textAreaTop" r="textAreaRight" b="textAreaBottom"/>
@@ -6913,15 +6913,15 @@
           <p:spPr>
             <a:xfrm>
               <a:off x="2602800" y="1080000"/>
-              <a:ext cx="204480" cy="410760"/>
+              <a:ext cx="203400" cy="409680"/>
             </a:xfrm>
             <a:custGeom>
               <a:avLst/>
               <a:gdLst>
-                <a:gd name="textAreaLeft" fmla="*/ 0 w 204480"/>
-                <a:gd name="textAreaRight" fmla="*/ 206640 w 204480"/>
-                <a:gd name="textAreaTop" fmla="*/ 0 h 410760"/>
-                <a:gd name="textAreaBottom" fmla="*/ 412920 h 410760"/>
+                <a:gd name="textAreaLeft" fmla="*/ 0 w 203400"/>
+                <a:gd name="textAreaRight" fmla="*/ 206640 w 203400"/>
+                <a:gd name="textAreaTop" fmla="*/ 0 h 409680"/>
+                <a:gd name="textAreaBottom" fmla="*/ 412920 h 409680"/>
               </a:gdLst>
               <a:ahLst/>
               <a:rect l="textAreaLeft" t="textAreaTop" r="textAreaRight" b="textAreaBottom"/>
@@ -6999,15 +6999,15 @@
           <p:spPr>
             <a:xfrm>
               <a:off x="950400" y="1079640"/>
-              <a:ext cx="410760" cy="411120"/>
+              <a:ext cx="409680" cy="410040"/>
             </a:xfrm>
             <a:custGeom>
               <a:avLst/>
               <a:gdLst>
-                <a:gd name="textAreaLeft" fmla="*/ 0 w 410760"/>
-                <a:gd name="textAreaRight" fmla="*/ 412920 w 410760"/>
-                <a:gd name="textAreaTop" fmla="*/ 0 h 411120"/>
-                <a:gd name="textAreaBottom" fmla="*/ 413280 h 411120"/>
+                <a:gd name="textAreaLeft" fmla="*/ 0 w 409680"/>
+                <a:gd name="textAreaRight" fmla="*/ 412920 w 409680"/>
+                <a:gd name="textAreaTop" fmla="*/ 0 h 410040"/>
+                <a:gd name="textAreaBottom" fmla="*/ 413280 h 410040"/>
               </a:gdLst>
               <a:ahLst/>
               <a:rect l="textAreaLeft" t="textAreaTop" r="textAreaRight" b="textAreaBottom"/>
@@ -7115,15 +7115,15 @@
           <p:spPr>
             <a:xfrm>
               <a:off x="1415160" y="1079640"/>
-              <a:ext cx="410760" cy="411120"/>
+              <a:ext cx="409680" cy="410040"/>
             </a:xfrm>
             <a:custGeom>
               <a:avLst/>
               <a:gdLst>
-                <a:gd name="textAreaLeft" fmla="*/ 0 w 410760"/>
-                <a:gd name="textAreaRight" fmla="*/ 412920 w 410760"/>
-                <a:gd name="textAreaTop" fmla="*/ 0 h 411120"/>
-                <a:gd name="textAreaBottom" fmla="*/ 413280 h 411120"/>
+                <a:gd name="textAreaLeft" fmla="*/ 0 w 409680"/>
+                <a:gd name="textAreaRight" fmla="*/ 412920 w 409680"/>
+                <a:gd name="textAreaTop" fmla="*/ 0 h 410040"/>
+                <a:gd name="textAreaBottom" fmla="*/ 413280 h 410040"/>
               </a:gdLst>
               <a:ahLst/>
               <a:rect l="textAreaLeft" t="textAreaTop" r="textAreaRight" b="textAreaBottom"/>
@@ -7217,15 +7217,15 @@
           <p:spPr>
             <a:xfrm>
               <a:off x="588960" y="976680"/>
-              <a:ext cx="307800" cy="514080"/>
+              <a:ext cx="306720" cy="513000"/>
             </a:xfrm>
             <a:custGeom>
               <a:avLst/>
               <a:gdLst>
-                <a:gd name="textAreaLeft" fmla="*/ 0 w 307800"/>
-                <a:gd name="textAreaRight" fmla="*/ 309960 w 307800"/>
-                <a:gd name="textAreaTop" fmla="*/ 0 h 514080"/>
-                <a:gd name="textAreaBottom" fmla="*/ 516240 h 514080"/>
+                <a:gd name="textAreaLeft" fmla="*/ 0 w 306720"/>
+                <a:gd name="textAreaRight" fmla="*/ 309960 w 306720"/>
+                <a:gd name="textAreaTop" fmla="*/ 0 h 513000"/>
+                <a:gd name="textAreaBottom" fmla="*/ 516240 h 513000"/>
               </a:gdLst>
               <a:ahLst/>
               <a:rect l="textAreaLeft" t="textAreaTop" r="textAreaRight" b="textAreaBottom"/>
@@ -7330,15 +7330,15 @@
           <p:spPr>
             <a:xfrm>
               <a:off x="846720" y="924480"/>
-              <a:ext cx="101880" cy="101880"/>
+              <a:ext cx="100800" cy="100800"/>
             </a:xfrm>
             <a:custGeom>
               <a:avLst/>
               <a:gdLst>
-                <a:gd name="textAreaLeft" fmla="*/ 0 w 101880"/>
-                <a:gd name="textAreaRight" fmla="*/ 104040 w 101880"/>
-                <a:gd name="textAreaTop" fmla="*/ 0 h 101880"/>
-                <a:gd name="textAreaBottom" fmla="*/ 104040 h 101880"/>
+                <a:gd name="textAreaLeft" fmla="*/ 0 w 100800"/>
+                <a:gd name="textAreaRight" fmla="*/ 104040 w 100800"/>
+                <a:gd name="textAreaTop" fmla="*/ 0 h 100800"/>
+                <a:gd name="textAreaBottom" fmla="*/ 104040 h 100800"/>
               </a:gdLst>
               <a:ahLst/>
               <a:rect l="textAreaLeft" t="textAreaTop" r="textAreaRight" b="textAreaBottom"/>
@@ -7414,15 +7414,15 @@
           <p:spPr>
             <a:xfrm>
               <a:off x="692280" y="614880"/>
-              <a:ext cx="824040" cy="521640"/>
+              <a:ext cx="822960" cy="520560"/>
             </a:xfrm>
             <a:custGeom>
               <a:avLst/>
               <a:gdLst>
-                <a:gd name="textAreaLeft" fmla="*/ 0 w 824040"/>
-                <a:gd name="textAreaRight" fmla="*/ 826200 w 824040"/>
-                <a:gd name="textAreaTop" fmla="*/ 0 h 521640"/>
-                <a:gd name="textAreaBottom" fmla="*/ 523800 h 521640"/>
+                <a:gd name="textAreaLeft" fmla="*/ 0 w 822960"/>
+                <a:gd name="textAreaRight" fmla="*/ 826200 w 822960"/>
+                <a:gd name="textAreaTop" fmla="*/ 0 h 520560"/>
+                <a:gd name="textAreaBottom" fmla="*/ 523800 h 520560"/>
               </a:gdLst>
               <a:ahLst/>
               <a:rect l="textAreaLeft" t="textAreaTop" r="textAreaRight" b="textAreaBottom"/>
@@ -7705,7 +7705,7 @@
         <p:spPr>
           <a:xfrm>
             <a:off x="482760" y="4425120"/>
-            <a:ext cx="1943280" cy="1943280"/>
+            <a:ext cx="1942200" cy="1942200"/>
           </a:xfrm>
           <a:prstGeom prst="rect">
             <a:avLst/>
@@ -8031,7 +8031,7 @@
         <p:spPr>
           <a:xfrm>
             <a:off x="11379960" y="214560"/>
-            <a:ext cx="573120" cy="161280"/>
+            <a:ext cx="572040" cy="160200"/>
           </a:xfrm>
           <a:prstGeom prst="rect">
             <a:avLst/>
@@ -8063,7 +8063,7 @@
                 <a:tab algn="l" pos="0"/>
               </a:tabLst>
             </a:pPr>
-            <a:fld id="{E36D149E-7B57-4AF6-8863-BF4C91E58258}" type="slidenum">
+            <a:fld id="{CFAAB020-1BA6-4B5B-861F-B1773F55A1D3}" type="slidenum">
               <a:rPr b="0" lang="ru-RU" sz="1000" spc="-1" strike="noStrike">
                 <a:solidFill>
                   <a:srgbClr val="bfbfbf"/>
@@ -8101,7 +8101,7 @@
         <p:spPr>
           <a:xfrm>
             <a:off x="442800" y="172080"/>
-            <a:ext cx="712440" cy="281880"/>
+            <a:ext cx="711360" cy="280800"/>
           </a:xfrm>
           <a:prstGeom prst="rect">
             <a:avLst/>
@@ -8120,7 +8120,7 @@
         <p:spPr>
           <a:xfrm>
             <a:off x="0" y="633960"/>
-            <a:ext cx="12193920" cy="2160"/>
+            <a:ext cx="12195000" cy="3240"/>
           </a:xfrm>
           <a:prstGeom prst="straightConnector1">
             <a:avLst/>
@@ -8315,8 +8315,8 @@
         </p:blipFill>
         <p:spPr>
           <a:xfrm rot="16200000">
-            <a:off x="10646280" y="5314680"/>
-            <a:ext cx="990000" cy="2096280"/>
+            <a:off x="10646280" y="5315760"/>
+            <a:ext cx="988920" cy="2095200"/>
           </a:xfrm>
           <a:prstGeom prst="rect">
             <a:avLst/>
@@ -8368,7 +8368,7 @@
         <p:spPr>
           <a:xfrm>
             <a:off x="11379960" y="214560"/>
-            <a:ext cx="573120" cy="161280"/>
+            <a:ext cx="572040" cy="160200"/>
           </a:xfrm>
           <a:prstGeom prst="rect">
             <a:avLst/>
@@ -8400,7 +8400,7 @@
                 <a:tab algn="l" pos="0"/>
               </a:tabLst>
             </a:pPr>
-            <a:fld id="{1052A98E-0A16-4CC0-9497-3CAFB5FA8298}" type="slidenum">
+            <a:fld id="{8D444AA0-A094-4596-B687-9F558E868DB2}" type="slidenum">
               <a:rPr b="0" lang="ru-RU" sz="1000" spc="-1" strike="noStrike">
                 <a:solidFill>
                   <a:srgbClr val="bfbfbf"/>
@@ -8438,7 +8438,7 @@
         <p:spPr>
           <a:xfrm>
             <a:off x="442800" y="172080"/>
-            <a:ext cx="712440" cy="281880"/>
+            <a:ext cx="711360" cy="280800"/>
           </a:xfrm>
           <a:prstGeom prst="rect">
             <a:avLst/>
@@ -8457,7 +8457,7 @@
         <p:spPr>
           <a:xfrm>
             <a:off x="0" y="633960"/>
-            <a:ext cx="12193920" cy="2160"/>
+            <a:ext cx="12195000" cy="3240"/>
           </a:xfrm>
           <a:prstGeom prst="straightConnector1">
             <a:avLst/>
@@ -8479,7 +8479,7 @@
         <p:spPr>
           <a:xfrm>
             <a:off x="3533760" y="633960"/>
-            <a:ext cx="2624760" cy="5587560"/>
+            <a:ext cx="2623680" cy="5586480"/>
           </a:xfrm>
           <a:prstGeom prst="rect">
             <a:avLst/>
@@ -8538,7 +8538,7 @@
         <p:spPr>
           <a:xfrm>
             <a:off x="9281160" y="633960"/>
-            <a:ext cx="2624760" cy="5587560"/>
+            <a:ext cx="2623680" cy="5586480"/>
           </a:xfrm>
           <a:prstGeom prst="rect">
             <a:avLst/>
@@ -8597,7 +8597,7 @@
         <p:spPr>
           <a:xfrm>
             <a:off x="0" y="6223680"/>
-            <a:ext cx="12193920" cy="2160"/>
+            <a:ext cx="12195000" cy="3240"/>
           </a:xfrm>
           <a:prstGeom prst="straightConnector1">
             <a:avLst/>
@@ -8618,8 +8618,8 @@
         </p:nvSpPr>
         <p:spPr>
           <a:xfrm rot="10800000">
-            <a:off x="11482200" y="636480"/>
-            <a:ext cx="416880" cy="416880"/>
+            <a:off x="11483280" y="637560"/>
+            <a:ext cx="415800" cy="415800"/>
           </a:xfrm>
           <a:prstGeom prst="round1Rect">
             <a:avLst>
@@ -8679,8 +8679,8 @@
         </p:nvSpPr>
         <p:spPr>
           <a:xfrm rot="10800000">
-            <a:off x="5739480" y="636480"/>
-            <a:ext cx="416880" cy="416880"/>
+            <a:off x="5740560" y="637560"/>
+            <a:ext cx="415800" cy="415800"/>
           </a:xfrm>
           <a:prstGeom prst="round1Rect">
             <a:avLst>
@@ -8741,7 +8741,7 @@
         <p:spPr>
           <a:xfrm>
             <a:off x="6405480" y="633960"/>
-            <a:ext cx="2624760" cy="5587560"/>
+            <a:ext cx="2623680" cy="5586480"/>
           </a:xfrm>
           <a:prstGeom prst="rect">
             <a:avLst/>
@@ -8799,8 +8799,8 @@
         </p:nvSpPr>
         <p:spPr>
           <a:xfrm rot="10800000">
-            <a:off x="8610840" y="636480"/>
-            <a:ext cx="416880" cy="416880"/>
+            <a:off x="8611920" y="637560"/>
+            <a:ext cx="415800" cy="415800"/>
           </a:xfrm>
           <a:prstGeom prst="round1Rect">
             <a:avLst>
@@ -9041,8 +9041,8 @@
         </p:blipFill>
         <p:spPr>
           <a:xfrm flipH="1" rot="5400000">
-            <a:off x="9838080" y="4678200"/>
-            <a:ext cx="990000" cy="2096280"/>
+            <a:off x="9839160" y="4679280"/>
+            <a:ext cx="988920" cy="2095200"/>
           </a:xfrm>
           <a:prstGeom prst="rect">
             <a:avLst/>
@@ -9061,7 +9061,7 @@
         <p:spPr>
           <a:xfrm>
             <a:off x="3759120" y="890280"/>
-            <a:ext cx="829800" cy="493560"/>
+            <a:ext cx="828720" cy="493560"/>
           </a:xfrm>
           <a:prstGeom prst="rect">
             <a:avLst/>
@@ -9120,7 +9120,7 @@
         <p:spPr>
           <a:xfrm>
             <a:off x="6638040" y="890280"/>
-            <a:ext cx="829800" cy="493560"/>
+            <a:ext cx="828720" cy="493560"/>
           </a:xfrm>
           <a:prstGeom prst="rect">
             <a:avLst/>
@@ -9179,7 +9179,7 @@
         <p:spPr>
           <a:xfrm>
             <a:off x="9506520" y="890280"/>
-            <a:ext cx="829800" cy="493560"/>
+            <a:ext cx="828720" cy="493560"/>
           </a:xfrm>
           <a:prstGeom prst="rect">
             <a:avLst/>
@@ -9241,8 +9241,8 @@
         </p:blipFill>
         <p:spPr>
           <a:xfrm rot="16200000">
-            <a:off x="4608720" y="4671720"/>
-            <a:ext cx="990000" cy="2096280"/>
+            <a:off x="4608720" y="4672800"/>
+            <a:ext cx="988920" cy="2095200"/>
           </a:xfrm>
           <a:prstGeom prst="rect">
             <a:avLst/>
@@ -9261,7 +9261,7 @@
         <p:spPr>
           <a:xfrm>
             <a:off x="6409800" y="5222880"/>
-            <a:ext cx="2620080" cy="540000"/>
+            <a:ext cx="2619000" cy="538920"/>
           </a:xfrm>
           <a:prstGeom prst="rect">
             <a:avLst/>
@@ -9343,7 +9343,7 @@
         <p:spPr>
           <a:xfrm>
             <a:off x="11379960" y="214560"/>
-            <a:ext cx="573120" cy="161280"/>
+            <a:ext cx="572040" cy="160200"/>
           </a:xfrm>
           <a:prstGeom prst="rect">
             <a:avLst/>
@@ -9375,7 +9375,7 @@
                 <a:tab algn="l" pos="0"/>
               </a:tabLst>
             </a:pPr>
-            <a:fld id="{2A44C517-B235-48FA-A810-3E97502314A9}" type="slidenum">
+            <a:fld id="{62A4D150-A9E0-4EF4-88A6-9A92C7D3B32C}" type="slidenum">
               <a:rPr b="0" lang="ru-RU" sz="1000" spc="-1" strike="noStrike">
                 <a:solidFill>
                   <a:srgbClr val="bfbfbf"/>
@@ -9413,7 +9413,7 @@
         <p:spPr>
           <a:xfrm>
             <a:off x="442800" y="172080"/>
-            <a:ext cx="712440" cy="281880"/>
+            <a:ext cx="711360" cy="280800"/>
           </a:xfrm>
           <a:prstGeom prst="rect">
             <a:avLst/>
@@ -9432,7 +9432,7 @@
         <p:spPr>
           <a:xfrm>
             <a:off x="0" y="633960"/>
-            <a:ext cx="12193920" cy="2160"/>
+            <a:ext cx="12195000" cy="3240"/>
           </a:xfrm>
           <a:prstGeom prst="straightConnector1">
             <a:avLst/>
@@ -9487,7 +9487,7 @@
         <p:spPr>
           <a:xfrm>
             <a:off x="11379960" y="214560"/>
-            <a:ext cx="573120" cy="161280"/>
+            <a:ext cx="572040" cy="160200"/>
           </a:xfrm>
           <a:prstGeom prst="rect">
             <a:avLst/>
@@ -9519,7 +9519,7 @@
                 <a:tab algn="l" pos="0"/>
               </a:tabLst>
             </a:pPr>
-            <a:fld id="{AF54CD69-160D-4CD0-B61C-7B09E6B05201}" type="slidenum">
+            <a:fld id="{122F10A5-98B2-4D10-B251-102B0FFD2E74}" type="slidenum">
               <a:rPr b="0" lang="ru-RU" sz="1000" spc="-1" strike="noStrike">
                 <a:solidFill>
                   <a:srgbClr val="bfbfbf"/>
@@ -9557,7 +9557,7 @@
         <p:spPr>
           <a:xfrm>
             <a:off x="442800" y="172080"/>
-            <a:ext cx="712440" cy="281880"/>
+            <a:ext cx="711360" cy="280800"/>
           </a:xfrm>
           <a:prstGeom prst="rect">
             <a:avLst/>
@@ -9576,7 +9576,7 @@
         <p:spPr>
           <a:xfrm>
             <a:off x="0" y="633960"/>
-            <a:ext cx="12193920" cy="2160"/>
+            <a:ext cx="12195000" cy="3240"/>
           </a:xfrm>
           <a:prstGeom prst="straightConnector1">
             <a:avLst/>
@@ -9602,8 +9602,8 @@
         </p:blipFill>
         <p:spPr>
           <a:xfrm rot="16200000">
-            <a:off x="10472400" y="4506480"/>
-            <a:ext cx="1669320" cy="1765440"/>
+            <a:off x="10472400" y="4507560"/>
+            <a:ext cx="1668240" cy="1764360"/>
           </a:xfrm>
           <a:prstGeom prst="rect">
             <a:avLst/>
@@ -9726,7 +9726,7 @@
         <p:spPr>
           <a:xfrm>
             <a:off x="442800" y="172080"/>
-            <a:ext cx="712440" cy="281880"/>
+            <a:ext cx="711360" cy="280800"/>
           </a:xfrm>
           <a:prstGeom prst="rect">
             <a:avLst/>
@@ -9745,7 +9745,7 @@
         <p:spPr>
           <a:xfrm>
             <a:off x="0" y="633960"/>
-            <a:ext cx="12193920" cy="2160"/>
+            <a:ext cx="12195000" cy="3240"/>
           </a:xfrm>
           <a:prstGeom prst="straightConnector1">
             <a:avLst/>
@@ -10074,7 +10074,7 @@
         <p:spPr>
           <a:xfrm>
             <a:off x="11379960" y="214560"/>
-            <a:ext cx="573120" cy="161280"/>
+            <a:ext cx="572040" cy="160200"/>
           </a:xfrm>
           <a:prstGeom prst="rect">
             <a:avLst/>
@@ -10106,7 +10106,7 @@
                 <a:tab algn="l" pos="0"/>
               </a:tabLst>
             </a:pPr>
-            <a:fld id="{ED6D192C-05EB-4F4D-A2B8-98C672A71D3D}" type="slidenum">
+            <a:fld id="{68447527-E54C-409B-A158-47428BCCFA32}" type="slidenum">
               <a:rPr b="0" lang="ru-RU" sz="1000" spc="-1" strike="noStrike">
                 <a:solidFill>
                   <a:srgbClr val="bfbfbf"/>
@@ -10144,7 +10144,7 @@
         <p:spPr>
           <a:xfrm>
             <a:off x="442800" y="172080"/>
-            <a:ext cx="712440" cy="281880"/>
+            <a:ext cx="711360" cy="280800"/>
           </a:xfrm>
           <a:prstGeom prst="rect">
             <a:avLst/>
@@ -10163,7 +10163,7 @@
         <p:spPr>
           <a:xfrm>
             <a:off x="0" y="633960"/>
-            <a:ext cx="12193920" cy="2160"/>
+            <a:ext cx="12195000" cy="3240"/>
           </a:xfrm>
           <a:prstGeom prst="straightConnector1">
             <a:avLst/>
@@ -10189,7 +10189,7 @@
         <p:spPr>
           <a:xfrm>
             <a:off x="442800" y="6343920"/>
-            <a:ext cx="7661880" cy="234000"/>
+            <a:ext cx="7660800" cy="232920"/>
           </a:xfrm>
           <a:prstGeom prst="rect">
             <a:avLst/>
@@ -10564,7 +10564,7 @@
         <p:spPr>
           <a:xfrm>
             <a:off x="11379960" y="214560"/>
-            <a:ext cx="573120" cy="161280"/>
+            <a:ext cx="572040" cy="160200"/>
           </a:xfrm>
           <a:prstGeom prst="rect">
             <a:avLst/>
@@ -10596,7 +10596,7 @@
                 <a:tab algn="l" pos="0"/>
               </a:tabLst>
             </a:pPr>
-            <a:fld id="{E285E033-F9F1-430B-82BB-81157CCA5783}" type="slidenum">
+            <a:fld id="{939B2769-CB88-4213-9D12-492C2CC39BDB}" type="slidenum">
               <a:rPr b="0" lang="ru-RU" sz="1000" spc="-1" strike="noStrike">
                 <a:solidFill>
                   <a:srgbClr val="bfbfbf"/>
@@ -10634,7 +10634,7 @@
         <p:spPr>
           <a:xfrm>
             <a:off x="442800" y="172080"/>
-            <a:ext cx="712440" cy="281880"/>
+            <a:ext cx="711360" cy="280800"/>
           </a:xfrm>
           <a:prstGeom prst="rect">
             <a:avLst/>
@@ -10653,7 +10653,7 @@
         <p:spPr>
           <a:xfrm>
             <a:off x="0" y="633960"/>
-            <a:ext cx="12193920" cy="2160"/>
+            <a:ext cx="12195000" cy="3240"/>
           </a:xfrm>
           <a:prstGeom prst="straightConnector1">
             <a:avLst/>
@@ -10679,7 +10679,7 @@
         <p:spPr>
           <a:xfrm>
             <a:off x="442800" y="6343920"/>
-            <a:ext cx="7661880" cy="234000"/>
+            <a:ext cx="7660800" cy="232920"/>
           </a:xfrm>
           <a:prstGeom prst="rect">
             <a:avLst/>
@@ -11057,7 +11057,7 @@
         <p:spPr>
           <a:xfrm>
             <a:off x="11379960" y="214560"/>
-            <a:ext cx="573120" cy="161280"/>
+            <a:ext cx="572040" cy="160200"/>
           </a:xfrm>
           <a:prstGeom prst="rect">
             <a:avLst/>
@@ -11089,7 +11089,7 @@
                 <a:tab algn="l" pos="0"/>
               </a:tabLst>
             </a:pPr>
-            <a:fld id="{FD7CE92C-66A8-45E6-81BC-33B12203F908}" type="slidenum">
+            <a:fld id="{D1C545AF-540B-46F9-B0C5-7621D30F94AA}" type="slidenum">
               <a:rPr b="0" lang="ru-RU" sz="1000" spc="-1" strike="noStrike">
                 <a:solidFill>
                   <a:srgbClr val="bfbfbf"/>
@@ -11127,7 +11127,7 @@
         <p:spPr>
           <a:xfrm>
             <a:off x="442800" y="172080"/>
-            <a:ext cx="712440" cy="281880"/>
+            <a:ext cx="711360" cy="280800"/>
           </a:xfrm>
           <a:prstGeom prst="rect">
             <a:avLst/>
@@ -11146,7 +11146,7 @@
         <p:spPr>
           <a:xfrm>
             <a:off x="0" y="633960"/>
-            <a:ext cx="12193920" cy="2160"/>
+            <a:ext cx="12195000" cy="3240"/>
           </a:xfrm>
           <a:prstGeom prst="straightConnector1">
             <a:avLst/>
@@ -11215,7 +11215,7 @@
         <p:spPr>
           <a:xfrm>
             <a:off x="599040" y="614880"/>
-            <a:ext cx="2206440" cy="875520"/>
+            <a:ext cx="2205360" cy="874440"/>
           </a:xfrm>
           <a:prstGeom prst="rect">
             <a:avLst/>
@@ -11286,8 +11286,8 @@
         </p:blipFill>
         <p:spPr>
           <a:xfrm flipH="1" rot="10800000">
-            <a:off x="10570680" y="2160"/>
-            <a:ext cx="1619280" cy="3426840"/>
+            <a:off x="10570680" y="3240"/>
+            <a:ext cx="1618200" cy="3425760"/>
           </a:xfrm>
           <a:prstGeom prst="rect">
             <a:avLst/>
@@ -11315,8 +11315,8 @@
         </p:blipFill>
         <p:spPr>
           <a:xfrm flipH="1">
-            <a:off x="10572840" y="3429000"/>
-            <a:ext cx="1619280" cy="3426840"/>
+            <a:off x="10573920" y="3429000"/>
+            <a:ext cx="1618200" cy="3425760"/>
           </a:xfrm>
           <a:prstGeom prst="rect">
             <a:avLst/>
@@ -11414,7 +11414,7 @@
         <p:spPr>
           <a:xfrm>
             <a:off x="11379960" y="214560"/>
-            <a:ext cx="573120" cy="161280"/>
+            <a:ext cx="572040" cy="160200"/>
           </a:xfrm>
           <a:prstGeom prst="rect">
             <a:avLst/>
@@ -11446,7 +11446,7 @@
                 <a:tab algn="l" pos="0"/>
               </a:tabLst>
             </a:pPr>
-            <a:fld id="{5C915923-70B1-473D-8DA9-2ED00886B55F}" type="slidenum">
+            <a:fld id="{7EE1AB98-A37F-409F-BDB8-AB40C7EEDC84}" type="slidenum">
               <a:rPr b="0" lang="ru-RU" sz="1000" spc="-1" strike="noStrike">
                 <a:solidFill>
                   <a:srgbClr val="bfbfbf"/>
@@ -11484,7 +11484,7 @@
         <p:spPr>
           <a:xfrm>
             <a:off x="442800" y="172080"/>
-            <a:ext cx="712440" cy="281880"/>
+            <a:ext cx="711360" cy="280800"/>
           </a:xfrm>
           <a:prstGeom prst="rect">
             <a:avLst/>
@@ -11503,7 +11503,7 @@
         <p:spPr>
           <a:xfrm>
             <a:off x="0" y="633960"/>
-            <a:ext cx="12193920" cy="2160"/>
+            <a:ext cx="12195000" cy="3240"/>
           </a:xfrm>
           <a:prstGeom prst="straightConnector1">
             <a:avLst/>
@@ -11572,7 +11572,7 @@
         <p:spPr>
           <a:xfrm>
             <a:off x="599040" y="614880"/>
-            <a:ext cx="1456920" cy="577800"/>
+            <a:ext cx="1455840" cy="576720"/>
           </a:xfrm>
           <a:prstGeom prst="rect">
             <a:avLst/>
@@ -11670,7 +11670,7 @@
         <p:spPr>
           <a:xfrm>
             <a:off x="11379960" y="214560"/>
-            <a:ext cx="573120" cy="161280"/>
+            <a:ext cx="572040" cy="160200"/>
           </a:xfrm>
           <a:prstGeom prst="rect">
             <a:avLst/>
@@ -11702,7 +11702,7 @@
                 <a:tab algn="l" pos="0"/>
               </a:tabLst>
             </a:pPr>
-            <a:fld id="{2F5C3BA2-EA49-4B08-A517-5D18B2E4610D}" type="slidenum">
+            <a:fld id="{26DA70AF-0372-4EAC-88A5-CD92A2050918}" type="slidenum">
               <a:rPr b="0" lang="ru-RU" sz="1000" spc="-1" strike="noStrike">
                 <a:solidFill>
                   <a:srgbClr val="bfbfbf"/>
@@ -11740,7 +11740,7 @@
         <p:spPr>
           <a:xfrm>
             <a:off x="442800" y="172080"/>
-            <a:ext cx="712440" cy="281880"/>
+            <a:ext cx="711360" cy="280800"/>
           </a:xfrm>
           <a:prstGeom prst="rect">
             <a:avLst/>
@@ -11759,7 +11759,7 @@
         <p:spPr>
           <a:xfrm>
             <a:off x="0" y="633960"/>
-            <a:ext cx="12193920" cy="2160"/>
+            <a:ext cx="12195000" cy="3240"/>
           </a:xfrm>
           <a:prstGeom prst="straightConnector1">
             <a:avLst/>
@@ -11828,7 +11828,7 @@
         <p:spPr>
           <a:xfrm>
             <a:off x="442800" y="172080"/>
-            <a:ext cx="712440" cy="281880"/>
+            <a:ext cx="711360" cy="280800"/>
           </a:xfrm>
           <a:prstGeom prst="rect">
             <a:avLst/>
@@ -11847,7 +11847,7 @@
         <p:spPr>
           <a:xfrm>
             <a:off x="11379960" y="214560"/>
-            <a:ext cx="573120" cy="161280"/>
+            <a:ext cx="572040" cy="160200"/>
           </a:xfrm>
           <a:prstGeom prst="rect">
             <a:avLst/>
@@ -11879,7 +11879,7 @@
                 <a:tab algn="l" pos="0"/>
               </a:tabLst>
             </a:pPr>
-            <a:fld id="{44F1CB48-C793-4CFC-BC10-9A9D5715CF9A}" type="slidenum">
+            <a:fld id="{4A0C6200-AB65-4531-A14C-503823DB0033}" type="slidenum">
               <a:rPr b="0" lang="ru-RU" sz="1000" spc="-1" strike="noStrike">
                 <a:solidFill>
                   <a:schemeClr val="dk1">
@@ -11914,7 +11914,7 @@
         <p:spPr>
           <a:xfrm>
             <a:off x="442800" y="6343920"/>
-            <a:ext cx="7661880" cy="234000"/>
+            <a:ext cx="7660800" cy="232920"/>
           </a:xfrm>
           <a:prstGeom prst="rect">
             <a:avLst/>
@@ -12018,7 +12018,7 @@
         <p:spPr>
           <a:xfrm>
             <a:off x="11379960" y="214560"/>
-            <a:ext cx="573120" cy="161280"/>
+            <a:ext cx="572040" cy="160200"/>
           </a:xfrm>
           <a:prstGeom prst="rect">
             <a:avLst/>
@@ -12050,7 +12050,7 @@
                 <a:tab algn="l" pos="0"/>
               </a:tabLst>
             </a:pPr>
-            <a:fld id="{DE88AB15-2B23-4F11-8A77-6EB3DA457B32}" type="slidenum">
+            <a:fld id="{05EC9BB7-AA00-4C21-ABC4-C57013263F7E}" type="slidenum">
               <a:rPr b="0" lang="ru-RU" sz="1000" spc="-1" strike="noStrike">
                 <a:solidFill>
                   <a:srgbClr val="bfbfbf"/>
@@ -12088,7 +12088,7 @@
         <p:spPr>
           <a:xfrm>
             <a:off x="442800" y="172080"/>
-            <a:ext cx="712440" cy="281880"/>
+            <a:ext cx="711360" cy="280800"/>
           </a:xfrm>
           <a:prstGeom prst="rect">
             <a:avLst/>
@@ -12107,7 +12107,7 @@
         <p:spPr>
           <a:xfrm>
             <a:off x="0" y="633960"/>
-            <a:ext cx="12193920" cy="2160"/>
+            <a:ext cx="12195000" cy="3240"/>
           </a:xfrm>
           <a:prstGeom prst="straightConnector1">
             <a:avLst/>
@@ -12135,7 +12135,7 @@
         <p:spPr>
           <a:xfrm>
             <a:off x="442800" y="172080"/>
-            <a:ext cx="712440" cy="281880"/>
+            <a:ext cx="711360" cy="280800"/>
           </a:xfrm>
           <a:prstGeom prst="rect">
             <a:avLst/>
@@ -12231,7 +12231,7 @@
         <p:spPr>
           <a:xfrm>
             <a:off x="11379960" y="214560"/>
-            <a:ext cx="573120" cy="161280"/>
+            <a:ext cx="572040" cy="160200"/>
           </a:xfrm>
           <a:prstGeom prst="rect">
             <a:avLst/>
@@ -12263,7 +12263,7 @@
                 <a:tab algn="l" pos="0"/>
               </a:tabLst>
             </a:pPr>
-            <a:fld id="{E8A30CF2-061C-4A84-9E35-E78395D50970}" type="slidenum">
+            <a:fld id="{5AC85BB0-8935-47B2-936A-8EF9031C406F}" type="slidenum">
               <a:rPr b="0" lang="ru-RU" sz="1000" spc="-1" strike="noStrike">
                 <a:solidFill>
                   <a:srgbClr val="bfbfbf"/>
@@ -12301,7 +12301,7 @@
         <p:spPr>
           <a:xfrm>
             <a:off x="442800" y="172080"/>
-            <a:ext cx="712440" cy="281880"/>
+            <a:ext cx="711360" cy="280800"/>
           </a:xfrm>
           <a:prstGeom prst="rect">
             <a:avLst/>
@@ -12320,7 +12320,7 @@
         <p:spPr>
           <a:xfrm>
             <a:off x="0" y="633960"/>
-            <a:ext cx="12193920" cy="2160"/>
+            <a:ext cx="12195000" cy="3240"/>
           </a:xfrm>
           <a:prstGeom prst="straightConnector1">
             <a:avLst/>
@@ -12389,7 +12389,7 @@
         <p:spPr>
           <a:xfrm>
             <a:off x="442800" y="172080"/>
-            <a:ext cx="712440" cy="281880"/>
+            <a:ext cx="711360" cy="280800"/>
           </a:xfrm>
           <a:prstGeom prst="rect">
             <a:avLst/>
@@ -12408,7 +12408,7 @@
         <p:spPr>
           <a:xfrm>
             <a:off x="11379960" y="214560"/>
-            <a:ext cx="573120" cy="161280"/>
+            <a:ext cx="572040" cy="160200"/>
           </a:xfrm>
           <a:prstGeom prst="rect">
             <a:avLst/>
@@ -12440,7 +12440,7 @@
                 <a:tab algn="l" pos="0"/>
               </a:tabLst>
             </a:pPr>
-            <a:fld id="{472C12D0-AF14-43A5-983C-0EF97830BA5E}" type="slidenum">
+            <a:fld id="{F88D03BB-E8D6-421E-B385-13447FCB703B}" type="slidenum">
               <a:rPr b="0" lang="ru-RU" sz="1000" spc="-1" strike="noStrike">
                 <a:solidFill>
                   <a:schemeClr val="dk1">
@@ -12507,7 +12507,7 @@
         <p:spPr>
           <a:xfrm>
             <a:off x="11379960" y="214560"/>
-            <a:ext cx="573120" cy="161280"/>
+            <a:ext cx="572040" cy="160200"/>
           </a:xfrm>
           <a:prstGeom prst="rect">
             <a:avLst/>
@@ -12539,7 +12539,7 @@
                 <a:tab algn="l" pos="0"/>
               </a:tabLst>
             </a:pPr>
-            <a:fld id="{66CF34F7-8685-410C-9EEF-4291D64C65D8}" type="slidenum">
+            <a:fld id="{011BD64F-306E-4582-81E8-798E5F1FB1E3}" type="slidenum">
               <a:rPr b="0" lang="ru-RU" sz="1000" spc="-1" strike="noStrike">
                 <a:solidFill>
                   <a:srgbClr val="bfbfbf"/>
@@ -12577,7 +12577,7 @@
         <p:spPr>
           <a:xfrm>
             <a:off x="442800" y="172080"/>
-            <a:ext cx="712440" cy="281880"/>
+            <a:ext cx="711360" cy="280800"/>
           </a:xfrm>
           <a:prstGeom prst="rect">
             <a:avLst/>
@@ -12596,7 +12596,7 @@
         <p:spPr>
           <a:xfrm>
             <a:off x="0" y="633960"/>
-            <a:ext cx="12193920" cy="2160"/>
+            <a:ext cx="12195000" cy="3240"/>
           </a:xfrm>
           <a:prstGeom prst="straightConnector1">
             <a:avLst/>
@@ -12829,7 +12829,7 @@
         <p:spPr>
           <a:xfrm>
             <a:off x="442800" y="172080"/>
-            <a:ext cx="712440" cy="281880"/>
+            <a:ext cx="711360" cy="280800"/>
           </a:xfrm>
           <a:prstGeom prst="rect">
             <a:avLst/>
@@ -12930,7 +12930,7 @@
         <p:spPr>
           <a:xfrm>
             <a:off x="11379960" y="214560"/>
-            <a:ext cx="573120" cy="161280"/>
+            <a:ext cx="572040" cy="160200"/>
           </a:xfrm>
           <a:prstGeom prst="rect">
             <a:avLst/>
@@ -12962,7 +12962,7 @@
                 <a:tab algn="l" pos="0"/>
               </a:tabLst>
             </a:pPr>
-            <a:fld id="{B5CFE22D-7966-4439-84E8-FA84BBF365B9}" type="slidenum">
+            <a:fld id="{E05674AF-6072-4B3D-8A0E-B9F9B36784A6}" type="slidenum">
               <a:rPr b="0" lang="ru-RU" sz="1000" spc="-1" strike="noStrike">
                 <a:solidFill>
                   <a:schemeClr val="dk1">
@@ -13029,7 +13029,7 @@
         <p:spPr>
           <a:xfrm>
             <a:off x="11379960" y="214560"/>
-            <a:ext cx="573120" cy="161280"/>
+            <a:ext cx="572040" cy="160200"/>
           </a:xfrm>
           <a:prstGeom prst="rect">
             <a:avLst/>
@@ -13061,7 +13061,7 @@
                 <a:tab algn="l" pos="0"/>
               </a:tabLst>
             </a:pPr>
-            <a:fld id="{47E77711-3701-4170-AB1F-C30BC73EAC27}" type="slidenum">
+            <a:fld id="{68E7E190-FDD3-4D26-8FFF-690B9F9A0E9D}" type="slidenum">
               <a:rPr b="0" lang="ru-RU" sz="1000" spc="-1" strike="noStrike">
                 <a:solidFill>
                   <a:srgbClr val="bfbfbf"/>
@@ -13099,7 +13099,7 @@
         <p:spPr>
           <a:xfrm>
             <a:off x="442800" y="172080"/>
-            <a:ext cx="712440" cy="281880"/>
+            <a:ext cx="711360" cy="280800"/>
           </a:xfrm>
           <a:prstGeom prst="rect">
             <a:avLst/>
@@ -13118,7 +13118,7 @@
         <p:spPr>
           <a:xfrm>
             <a:off x="0" y="633960"/>
-            <a:ext cx="12193920" cy="2160"/>
+            <a:ext cx="12195000" cy="3240"/>
           </a:xfrm>
           <a:prstGeom prst="straightConnector1">
             <a:avLst/>
@@ -13187,7 +13187,7 @@
         <p:spPr>
           <a:xfrm>
             <a:off x="442800" y="172080"/>
-            <a:ext cx="712440" cy="281880"/>
+            <a:ext cx="711360" cy="280800"/>
           </a:xfrm>
           <a:prstGeom prst="rect">
             <a:avLst/>
@@ -13206,7 +13206,7 @@
         <p:spPr>
           <a:xfrm>
             <a:off x="11379960" y="214560"/>
-            <a:ext cx="573120" cy="161280"/>
+            <a:ext cx="572040" cy="160200"/>
           </a:xfrm>
           <a:prstGeom prst="rect">
             <a:avLst/>
@@ -13238,7 +13238,7 @@
                 <a:tab algn="l" pos="0"/>
               </a:tabLst>
             </a:pPr>
-            <a:fld id="{48C2CB5D-5327-408A-99F2-E2743E5185A4}" type="slidenum">
+            <a:fld id="{5C406D7B-7688-4CC6-8AE4-C09B88D085F0}" type="slidenum">
               <a:rPr b="0" lang="ru-RU" sz="1000" spc="-1" strike="noStrike">
                 <a:solidFill>
                   <a:schemeClr val="dk1">
@@ -13299,7 +13299,7 @@
         <p:spPr>
           <a:xfrm>
             <a:off x="588960" y="2858400"/>
-            <a:ext cx="8177040" cy="1323360"/>
+            <a:ext cx="8175960" cy="1322280"/>
           </a:xfrm>
           <a:prstGeom prst="rect">
             <a:avLst/>
@@ -13358,7 +13358,7 @@
         <p:spPr>
           <a:xfrm>
             <a:off x="588960" y="4392720"/>
-            <a:ext cx="8177040" cy="1227240"/>
+            <a:ext cx="8175960" cy="1226160"/>
           </a:xfrm>
           <a:prstGeom prst="rect">
             <a:avLst/>
@@ -13413,7 +13413,7 @@
         <p:spPr>
           <a:xfrm>
             <a:off x="631800" y="5532480"/>
-            <a:ext cx="2593080" cy="344520"/>
+            <a:ext cx="2592000" cy="343440"/>
           </a:xfrm>
           <a:prstGeom prst="rect">
             <a:avLst/>
@@ -13489,7 +13489,7 @@
       </p:grpSpPr>
       <p:sp>
         <p:nvSpPr>
-          <p:cNvPr id="240" name="PlaceHolder 1"/>
+          <p:cNvPr id="239" name="PlaceHolder 1"/>
           <p:cNvSpPr>
             <a:spLocks noGrp="1"/>
           </p:cNvSpPr>
@@ -13500,7 +13500,7 @@
         <p:spPr>
           <a:xfrm>
             <a:off x="442800" y="651600"/>
-            <a:ext cx="11304000" cy="1074960"/>
+            <a:ext cx="11302920" cy="1073880"/>
           </a:xfrm>
           <a:prstGeom prst="rect">
             <a:avLst/>
@@ -13545,7 +13545,7 @@
       </p:sp>
       <p:pic>
         <p:nvPicPr>
-          <p:cNvPr id="241" name="" descr=""/>
+          <p:cNvPr id="240" name="" descr=""/>
           <p:cNvPicPr/>
           <p:nvPr/>
         </p:nvPicPr>
@@ -13562,7 +13562,7 @@
         <p:spPr>
           <a:xfrm>
             <a:off x="428760" y="1620360"/>
-            <a:ext cx="11332440" cy="4911840"/>
+            <a:ext cx="11331360" cy="4910760"/>
           </a:xfrm>
           <a:prstGeom prst="rect">
             <a:avLst/>
@@ -13604,7 +13604,7 @@
       </p:grpSpPr>
       <p:sp>
         <p:nvSpPr>
-          <p:cNvPr id="242" name="PlaceHolder 1"/>
+          <p:cNvPr id="241" name="PlaceHolder 1"/>
           <p:cNvSpPr>
             <a:spLocks noGrp="1"/>
           </p:cNvSpPr>
@@ -13615,7 +13615,7 @@
         <p:spPr>
           <a:xfrm>
             <a:off x="588960" y="1875600"/>
-            <a:ext cx="8177040" cy="970200"/>
+            <a:ext cx="8175960" cy="969120"/>
           </a:xfrm>
           <a:prstGeom prst="rect">
             <a:avLst/>
@@ -13701,7 +13701,7 @@
         <p:spPr>
           <a:xfrm>
             <a:off x="442800" y="651600"/>
-            <a:ext cx="11304000" cy="1074960"/>
+            <a:ext cx="11302920" cy="1073880"/>
           </a:xfrm>
           <a:prstGeom prst="rect">
             <a:avLst/>
@@ -13763,7 +13763,7 @@
         <p:spPr>
           <a:xfrm>
             <a:off x="834840" y="1224000"/>
-            <a:ext cx="10520640" cy="5440680"/>
+            <a:ext cx="10519560" cy="5439600"/>
           </a:xfrm>
           <a:prstGeom prst="rect">
             <a:avLst/>
@@ -13816,7 +13816,7 @@
         <p:spPr>
           <a:xfrm>
             <a:off x="442800" y="651600"/>
-            <a:ext cx="11304000" cy="1074960"/>
+            <a:ext cx="11302920" cy="1073880"/>
           </a:xfrm>
           <a:prstGeom prst="rect">
             <a:avLst/>
@@ -13877,8 +13877,8 @@
         </p:blipFill>
         <p:spPr>
           <a:xfrm>
-            <a:off x="2930400" y="1080360"/>
-            <a:ext cx="6329160" cy="5937840"/>
+            <a:off x="2908800" y="1080000"/>
+            <a:ext cx="6373800" cy="5836680"/>
           </a:xfrm>
           <a:prstGeom prst="rect">
             <a:avLst/>
@@ -13931,7 +13931,7 @@
         <p:spPr>
           <a:xfrm>
             <a:off x="442800" y="651600"/>
-            <a:ext cx="11304000" cy="1074960"/>
+            <a:ext cx="11302920" cy="1073880"/>
           </a:xfrm>
           <a:prstGeom prst="rect">
             <a:avLst/>
@@ -13993,7 +13993,7 @@
         <p:spPr>
           <a:xfrm>
             <a:off x="173880" y="1548360"/>
-            <a:ext cx="11842200" cy="4821480"/>
+            <a:ext cx="11841120" cy="4820400"/>
           </a:xfrm>
           <a:prstGeom prst="rect">
             <a:avLst/>
@@ -14046,7 +14046,7 @@
         <p:spPr>
           <a:xfrm>
             <a:off x="442800" y="651600"/>
-            <a:ext cx="11304000" cy="1074960"/>
+            <a:ext cx="11302920" cy="1073880"/>
           </a:xfrm>
           <a:prstGeom prst="rect">
             <a:avLst/>
@@ -14107,8 +14107,8 @@
         </p:blipFill>
         <p:spPr>
           <a:xfrm>
-            <a:off x="549000" y="1188360"/>
-            <a:ext cx="11092320" cy="5469840"/>
+            <a:off x="695880" y="1034640"/>
+            <a:ext cx="10799640" cy="5521680"/>
           </a:xfrm>
           <a:prstGeom prst="rect">
             <a:avLst/>
@@ -14161,7 +14161,7 @@
         <p:spPr>
           <a:xfrm>
             <a:off x="442800" y="651600"/>
-            <a:ext cx="11304000" cy="1074960"/>
+            <a:ext cx="11302920" cy="1073880"/>
           </a:xfrm>
           <a:prstGeom prst="rect">
             <a:avLst/>
@@ -14222,37 +14222,8 @@
         </p:blipFill>
         <p:spPr>
           <a:xfrm>
-            <a:off x="622800" y="927720"/>
-            <a:ext cx="6676560" cy="5732280"/>
-          </a:xfrm>
-          <a:prstGeom prst="rect">
-            <a:avLst/>
-          </a:prstGeom>
-          <a:ln w="0">
-            <a:noFill/>
-          </a:ln>
-        </p:spPr>
-      </p:pic>
-      <p:pic>
-        <p:nvPicPr>
-          <p:cNvPr id="233" name="" descr=""/>
-          <p:cNvPicPr/>
-          <p:nvPr/>
-        </p:nvPicPr>
-        <p:blipFill>
-          <a:blip r:embed="rId3">
-            <a:extLst>
-              <a:ext uri="{96DAC541-7B7A-43D3-8B79-37D633B846F1}">
-                <asvg:svgBlip xmlns:asvg="http://schemas.microsoft.com/office/drawing/2016/SVG/main" r:embed="rId4"/>
-              </a:ext>
-            </a:extLst>
-          </a:blip>
-          <a:stretch/>
-        </p:blipFill>
-        <p:spPr>
-          <a:xfrm>
-            <a:off x="7956000" y="2661840"/>
-            <a:ext cx="3888000" cy="2666160"/>
+            <a:off x="624960" y="900000"/>
+            <a:ext cx="11158200" cy="5958000"/>
           </a:xfrm>
           <a:prstGeom prst="rect">
             <a:avLst/>
@@ -14294,7 +14265,7 @@
       </p:grpSpPr>
       <p:sp>
         <p:nvSpPr>
-          <p:cNvPr id="234" name="PlaceHolder 1"/>
+          <p:cNvPr id="233" name="PlaceHolder 1"/>
           <p:cNvSpPr>
             <a:spLocks noGrp="1"/>
           </p:cNvSpPr>
@@ -14305,7 +14276,7 @@
         <p:spPr>
           <a:xfrm>
             <a:off x="442800" y="651600"/>
-            <a:ext cx="11304000" cy="1074960"/>
+            <a:ext cx="11302920" cy="1073880"/>
           </a:xfrm>
           <a:prstGeom prst="rect">
             <a:avLst/>
@@ -14350,7 +14321,7 @@
       </p:sp>
       <p:pic>
         <p:nvPicPr>
-          <p:cNvPr id="235" name="" descr=""/>
+          <p:cNvPr id="234" name="" descr=""/>
           <p:cNvPicPr/>
           <p:nvPr/>
         </p:nvPicPr>
@@ -14367,7 +14338,7 @@
         <p:spPr>
           <a:xfrm>
             <a:off x="234720" y="1317240"/>
-            <a:ext cx="11793240" cy="5412600"/>
+            <a:ext cx="11792160" cy="5411520"/>
           </a:xfrm>
           <a:prstGeom prst="rect">
             <a:avLst/>
@@ -14409,7 +14380,7 @@
       </p:grpSpPr>
       <p:sp>
         <p:nvSpPr>
-          <p:cNvPr id="236" name="PlaceHolder 1"/>
+          <p:cNvPr id="235" name="PlaceHolder 1"/>
           <p:cNvSpPr>
             <a:spLocks noGrp="1"/>
           </p:cNvSpPr>
@@ -14420,7 +14391,7 @@
         <p:spPr>
           <a:xfrm>
             <a:off x="442800" y="651600"/>
-            <a:ext cx="11304000" cy="1074960"/>
+            <a:ext cx="11302920" cy="1073880"/>
           </a:xfrm>
           <a:prstGeom prst="rect">
             <a:avLst/>
@@ -14465,7 +14436,7 @@
       </p:sp>
       <p:pic>
         <p:nvPicPr>
-          <p:cNvPr id="237" name="" descr=""/>
+          <p:cNvPr id="236" name="" descr=""/>
           <p:cNvPicPr/>
           <p:nvPr/>
         </p:nvPicPr>
@@ -14482,7 +14453,7 @@
         <p:spPr>
           <a:xfrm>
             <a:off x="264600" y="2292120"/>
-            <a:ext cx="11661120" cy="3718080"/>
+            <a:ext cx="11660040" cy="3717000"/>
           </a:xfrm>
           <a:prstGeom prst="rect">
             <a:avLst/>
@@ -14524,7 +14495,7 @@
       </p:grpSpPr>
       <p:sp>
         <p:nvSpPr>
-          <p:cNvPr id="238" name="PlaceHolder 1"/>
+          <p:cNvPr id="237" name="PlaceHolder 1"/>
           <p:cNvSpPr>
             <a:spLocks noGrp="1"/>
           </p:cNvSpPr>
@@ -14535,7 +14506,7 @@
         <p:spPr>
           <a:xfrm>
             <a:off x="442800" y="651600"/>
-            <a:ext cx="11304000" cy="1074960"/>
+            <a:ext cx="11302920" cy="1073880"/>
           </a:xfrm>
           <a:prstGeom prst="rect">
             <a:avLst/>
@@ -14580,7 +14551,7 @@
       </p:sp>
       <p:pic>
         <p:nvPicPr>
-          <p:cNvPr id="239" name="" descr=""/>
+          <p:cNvPr id="238" name="" descr=""/>
           <p:cNvPicPr/>
           <p:nvPr/>
         </p:nvPicPr>
@@ -14597,7 +14568,7 @@
         <p:spPr>
           <a:xfrm>
             <a:off x="133200" y="2414880"/>
-            <a:ext cx="11925720" cy="2949120"/>
+            <a:ext cx="11924640" cy="2948040"/>
           </a:xfrm>
           <a:prstGeom prst="rect">
             <a:avLst/>
